--- a/week_9/Model-Free Prediction (Temporal Difference Learning).pptx
+++ b/week_9/Model-Free Prediction (Temporal Difference Learning).pptx
@@ -6,7 +6,7 @@
     <p:sldMasterId id="2147483660" r:id="rId13"/>
   </p:sldMasterIdLst>
   <p:notesMasterIdLst>
-    <p:notesMasterId r:id="rId35"/>
+    <p:notesMasterId r:id="rId38"/>
   </p:notesMasterIdLst>
   <p:sldIdLst>
     <p:sldId id="256" r:id="rId14"/>
@@ -15,21 +15,24 @@
     <p:sldId id="388" r:id="rId17"/>
     <p:sldId id="386" r:id="rId18"/>
     <p:sldId id="379" r:id="rId19"/>
-    <p:sldId id="374" r:id="rId20"/>
-    <p:sldId id="381" r:id="rId21"/>
-    <p:sldId id="372" r:id="rId22"/>
-    <p:sldId id="383" r:id="rId23"/>
-    <p:sldId id="384" r:id="rId24"/>
-    <p:sldId id="385" r:id="rId25"/>
-    <p:sldId id="387" r:id="rId26"/>
-    <p:sldId id="390" r:id="rId27"/>
-    <p:sldId id="392" r:id="rId28"/>
-    <p:sldId id="391" r:id="rId29"/>
-    <p:sldId id="393" r:id="rId30"/>
-    <p:sldId id="365" r:id="rId31"/>
-    <p:sldId id="394" r:id="rId32"/>
-    <p:sldId id="395" r:id="rId33"/>
-    <p:sldId id="305" r:id="rId34"/>
+    <p:sldId id="396" r:id="rId20"/>
+    <p:sldId id="397" r:id="rId21"/>
+    <p:sldId id="398" r:id="rId22"/>
+    <p:sldId id="374" r:id="rId23"/>
+    <p:sldId id="381" r:id="rId24"/>
+    <p:sldId id="372" r:id="rId25"/>
+    <p:sldId id="383" r:id="rId26"/>
+    <p:sldId id="384" r:id="rId27"/>
+    <p:sldId id="385" r:id="rId28"/>
+    <p:sldId id="387" r:id="rId29"/>
+    <p:sldId id="390" r:id="rId30"/>
+    <p:sldId id="392" r:id="rId31"/>
+    <p:sldId id="391" r:id="rId32"/>
+    <p:sldId id="393" r:id="rId33"/>
+    <p:sldId id="365" r:id="rId34"/>
+    <p:sldId id="394" r:id="rId35"/>
+    <p:sldId id="395" r:id="rId36"/>
+    <p:sldId id="305" r:id="rId37"/>
   </p:sldIdLst>
   <p:sldSz cx="12192000" cy="6858000"/>
   <p:notesSz cx="6858000" cy="9144000"/>
@@ -174,24 +177,6 @@
     <pc:chgData name="Joseph Marvin R. Imperial" userId="c5118018-74d5-4421-be4d-7197191e5b08" providerId="ADAL" clId="{70D03E3A-137A-44E5-9725-706554D6E372}"/>
     <pc:docChg chg="undo custSel addSld delSld modSld sldOrd">
       <pc:chgData name="Joseph Marvin R. Imperial" userId="c5118018-74d5-4421-be4d-7197191e5b08" providerId="ADAL" clId="{70D03E3A-137A-44E5-9725-706554D6E372}" dt="2021-04-10T13:20:12.491" v="1565" actId="47"/>
-      <pc:docMkLst>
-        <pc:docMk/>
-      </pc:docMkLst>
-    </pc:docChg>
-  </pc:docChgLst>
-  <pc:docChgLst>
-    <pc:chgData name="Joseph Marvin R. Imperial" userId="c5118018-74d5-4421-be4d-7197191e5b08" providerId="ADAL" clId="{AB9EEC7B-5938-AB4A-BBF1-2D08914B856E}"/>
-    <pc:docChg chg="addSld delSld">
-      <pc:chgData name="Joseph Marvin R. Imperial" userId="c5118018-74d5-4421-be4d-7197191e5b08" providerId="ADAL" clId="{AB9EEC7B-5938-AB4A-BBF1-2D08914B856E}" dt="2021-04-20T00:57:02.237" v="3" actId="2696"/>
-      <pc:docMkLst>
-        <pc:docMk/>
-      </pc:docMkLst>
-    </pc:docChg>
-  </pc:docChgLst>
-  <pc:docChgLst>
-    <pc:chgData name="Joseph Marvin R. Imperial" userId="c5118018-74d5-4421-be4d-7197191e5b08" providerId="ADAL" clId="{8B587F43-1B51-4416-B410-57F8B9E236B1}"/>
-    <pc:docChg chg="undo custSel addSld delSld modSld">
-      <pc:chgData name="Joseph Marvin R. Imperial" userId="c5118018-74d5-4421-be4d-7197191e5b08" providerId="ADAL" clId="{8B587F43-1B51-4416-B410-57F8B9E236B1}" dt="2021-03-24T12:30:06.351" v="559" actId="5793"/>
       <pc:docMkLst>
         <pc:docMk/>
       </pc:docMkLst>
@@ -714,6 +699,24 @@
           <pc:sldMk cId="713267183" sldId="383"/>
         </pc:sldMkLst>
       </pc:sldChg>
+    </pc:docChg>
+  </pc:docChgLst>
+  <pc:docChgLst>
+    <pc:chgData name="Joseph Marvin R. Imperial" userId="c5118018-74d5-4421-be4d-7197191e5b08" providerId="ADAL" clId="{8B587F43-1B51-4416-B410-57F8B9E236B1}"/>
+    <pc:docChg chg="undo custSel addSld delSld modSld">
+      <pc:chgData name="Joseph Marvin R. Imperial" userId="c5118018-74d5-4421-be4d-7197191e5b08" providerId="ADAL" clId="{8B587F43-1B51-4416-B410-57F8B9E236B1}" dt="2021-03-24T12:30:06.351" v="559" actId="5793"/>
+      <pc:docMkLst>
+        <pc:docMk/>
+      </pc:docMkLst>
+    </pc:docChg>
+  </pc:docChgLst>
+  <pc:docChgLst>
+    <pc:chgData name="Joseph Marvin R. Imperial" userId="c5118018-74d5-4421-be4d-7197191e5b08" providerId="ADAL" clId="{AB9EEC7B-5938-AB4A-BBF1-2D08914B856E}"/>
+    <pc:docChg chg="addSld delSld">
+      <pc:chgData name="Joseph Marvin R. Imperial" userId="c5118018-74d5-4421-be4d-7197191e5b08" providerId="ADAL" clId="{AB9EEC7B-5938-AB4A-BBF1-2D08914B856E}" dt="2021-04-20T00:57:02.237" v="3" actId="2696"/>
+      <pc:docMkLst>
+        <pc:docMk/>
+      </pc:docMkLst>
     </pc:docChg>
   </pc:docChgLst>
   <pc:docChgLst>
@@ -3192,7 +3195,7 @@
           <a:p>
             <a:fld id="{DCEEA480-FAED-44A7-B0CF-D7F3DF7642EB}" type="datetimeFigureOut">
               <a:rPr lang="en-PH" smtClean="0"/>
-              <a:t>5/26/23</a:t>
+              <a:t>02/06/2023</a:t>
             </a:fld>
             <a:endParaRPr lang="en-PH"/>
           </a:p>
@@ -3609,7 +3612,7 @@
           <a:p>
             <a:fld id="{E3F2C046-3488-4271-867B-6B64A28EF1DF}" type="datetimeFigureOut">
               <a:rPr lang="en-PH" smtClean="0"/>
-              <a:t>5/26/23</a:t>
+              <a:t>02/06/2023</a:t>
             </a:fld>
             <a:endParaRPr lang="en-PH"/>
           </a:p>
@@ -3809,7 +3812,7 @@
           <a:p>
             <a:fld id="{E3F2C046-3488-4271-867B-6B64A28EF1DF}" type="datetimeFigureOut">
               <a:rPr lang="en-PH" smtClean="0"/>
-              <a:t>5/26/23</a:t>
+              <a:t>02/06/2023</a:t>
             </a:fld>
             <a:endParaRPr lang="en-PH"/>
           </a:p>
@@ -4019,7 +4022,7 @@
           <a:p>
             <a:fld id="{E3F2C046-3488-4271-867B-6B64A28EF1DF}" type="datetimeFigureOut">
               <a:rPr lang="en-PH" smtClean="0"/>
-              <a:t>5/26/23</a:t>
+              <a:t>02/06/2023</a:t>
             </a:fld>
             <a:endParaRPr lang="en-PH"/>
           </a:p>
@@ -4279,7 +4282,7 @@
           <a:p>
             <a:fld id="{E3F2C046-3488-4271-867B-6B64A28EF1DF}" type="datetimeFigureOut">
               <a:rPr lang="en-PH" smtClean="0"/>
-              <a:t>5/26/23</a:t>
+              <a:t>02/06/2023</a:t>
             </a:fld>
             <a:endParaRPr lang="en-PH"/>
           </a:p>
@@ -4555,7 +4558,7 @@
           <a:p>
             <a:fld id="{E3F2C046-3488-4271-867B-6B64A28EF1DF}" type="datetimeFigureOut">
               <a:rPr lang="en-PH" smtClean="0"/>
-              <a:t>5/26/23</a:t>
+              <a:t>02/06/2023</a:t>
             </a:fld>
             <a:endParaRPr lang="en-PH"/>
           </a:p>
@@ -4823,7 +4826,7 @@
           <a:p>
             <a:fld id="{E3F2C046-3488-4271-867B-6B64A28EF1DF}" type="datetimeFigureOut">
               <a:rPr lang="en-PH" smtClean="0"/>
-              <a:t>5/26/23</a:t>
+              <a:t>02/06/2023</a:t>
             </a:fld>
             <a:endParaRPr lang="en-PH"/>
           </a:p>
@@ -5238,7 +5241,7 @@
           <a:p>
             <a:fld id="{E3F2C046-3488-4271-867B-6B64A28EF1DF}" type="datetimeFigureOut">
               <a:rPr lang="en-PH" smtClean="0"/>
-              <a:t>5/26/23</a:t>
+              <a:t>02/06/2023</a:t>
             </a:fld>
             <a:endParaRPr lang="en-PH"/>
           </a:p>
@@ -5380,7 +5383,7 @@
           <a:p>
             <a:fld id="{E3F2C046-3488-4271-867B-6B64A28EF1DF}" type="datetimeFigureOut">
               <a:rPr lang="en-PH" smtClean="0"/>
-              <a:t>5/26/23</a:t>
+              <a:t>02/06/2023</a:t>
             </a:fld>
             <a:endParaRPr lang="en-PH"/>
           </a:p>
@@ -5493,7 +5496,7 @@
           <a:p>
             <a:fld id="{E3F2C046-3488-4271-867B-6B64A28EF1DF}" type="datetimeFigureOut">
               <a:rPr lang="en-PH" smtClean="0"/>
-              <a:t>5/26/23</a:t>
+              <a:t>02/06/2023</a:t>
             </a:fld>
             <a:endParaRPr lang="en-PH"/>
           </a:p>
@@ -5806,7 +5809,7 @@
           <a:p>
             <a:fld id="{E3F2C046-3488-4271-867B-6B64A28EF1DF}" type="datetimeFigureOut">
               <a:rPr lang="en-PH" smtClean="0"/>
-              <a:t>5/26/23</a:t>
+              <a:t>02/06/2023</a:t>
             </a:fld>
             <a:endParaRPr lang="en-PH"/>
           </a:p>
@@ -6095,7 +6098,7 @@
           <a:p>
             <a:fld id="{E3F2C046-3488-4271-867B-6B64A28EF1DF}" type="datetimeFigureOut">
               <a:rPr lang="en-PH" smtClean="0"/>
-              <a:t>5/26/23</a:t>
+              <a:t>02/06/2023</a:t>
             </a:fld>
             <a:endParaRPr lang="en-PH"/>
           </a:p>
@@ -6338,7 +6341,7 @@
           <a:p>
             <a:fld id="{E3F2C046-3488-4271-867B-6B64A28EF1DF}" type="datetimeFigureOut">
               <a:rPr lang="en-PH" smtClean="0"/>
-              <a:t>5/26/23</a:t>
+              <a:t>02/06/2023</a:t>
             </a:fld>
             <a:endParaRPr lang="en-PH"/>
           </a:p>
@@ -8015,7 +8018,1916 @@
               <a:rPr lang="en-PH" b="1" dirty="0">
                 <a:latin typeface="+mn-lt"/>
               </a:rPr>
-              <a:t>Bias/Variance Trade-off</a:t>
+              <a:t>Going Home from School Example</a:t>
+            </a:r>
+          </a:p>
+        </p:txBody>
+      </p:sp>
+      <p:graphicFrame>
+        <p:nvGraphicFramePr>
+          <p:cNvPr id="11" name="Table 11">
+            <a:extLst>
+              <a:ext uri="{FF2B5EF4-FFF2-40B4-BE49-F238E27FC236}">
+                <a16:creationId xmlns:a16="http://schemas.microsoft.com/office/drawing/2014/main" id="{1EE8C6E6-B799-A340-55EA-24D06CC64D68}"/>
+              </a:ext>
+            </a:extLst>
+          </p:cNvPr>
+          <p:cNvGraphicFramePr>
+            <a:graphicFrameLocks noGrp="1"/>
+          </p:cNvGraphicFramePr>
+          <p:nvPr>
+            <p:extLst>
+              <p:ext uri="{D42A27DB-BD31-4B8C-83A1-F6EECF244321}">
+                <p14:modId xmlns:p14="http://schemas.microsoft.com/office/powerpoint/2010/main" val="4230667676"/>
+              </p:ext>
+            </p:extLst>
+          </p:nvPr>
+        </p:nvGraphicFramePr>
+        <p:xfrm>
+          <a:off x="1555802" y="1441134"/>
+          <a:ext cx="9051820" cy="3728279"/>
+        </p:xfrm>
+        <a:graphic>
+          <a:graphicData uri="http://schemas.openxmlformats.org/drawingml/2006/table">
+            <a:tbl>
+              <a:tblPr firstRow="1" bandRow="1">
+                <a:tableStyleId>{5940675A-B579-460E-94D1-54222C63F5DA}</a:tableStyleId>
+              </a:tblPr>
+              <a:tblGrid>
+                <a:gridCol w="2262955">
+                  <a:extLst>
+                    <a:ext uri="{9D8B030D-6E8A-4147-A177-3AD203B41FA5}">
+                      <a16:colId xmlns:a16="http://schemas.microsoft.com/office/drawing/2014/main" val="3858676461"/>
+                    </a:ext>
+                  </a:extLst>
+                </a:gridCol>
+                <a:gridCol w="2262955">
+                  <a:extLst>
+                    <a:ext uri="{9D8B030D-6E8A-4147-A177-3AD203B41FA5}">
+                      <a16:colId xmlns:a16="http://schemas.microsoft.com/office/drawing/2014/main" val="758558022"/>
+                    </a:ext>
+                  </a:extLst>
+                </a:gridCol>
+                <a:gridCol w="2262955">
+                  <a:extLst>
+                    <a:ext uri="{9D8B030D-6E8A-4147-A177-3AD203B41FA5}">
+                      <a16:colId xmlns:a16="http://schemas.microsoft.com/office/drawing/2014/main" val="3567771077"/>
+                    </a:ext>
+                  </a:extLst>
+                </a:gridCol>
+                <a:gridCol w="2262955">
+                  <a:extLst>
+                    <a:ext uri="{9D8B030D-6E8A-4147-A177-3AD203B41FA5}">
+                      <a16:colId xmlns:a16="http://schemas.microsoft.com/office/drawing/2014/main" val="305230819"/>
+                    </a:ext>
+                  </a:extLst>
+                </a:gridCol>
+              </a:tblGrid>
+              <a:tr h="832913">
+                <a:tc>
+                  <a:txBody>
+                    <a:bodyPr/>
+                    <a:lstStyle/>
+                    <a:p>
+                      <a:pPr algn="ctr"/>
+                      <a:r>
+                        <a:rPr lang="en-US" b="1" dirty="0"/>
+                        <a:t>State</a:t>
+                      </a:r>
+                      <a:endParaRPr lang="en-PH" b="1" dirty="0"/>
+                    </a:p>
+                  </a:txBody>
+                  <a:tcPr/>
+                </a:tc>
+                <a:tc>
+                  <a:txBody>
+                    <a:bodyPr/>
+                    <a:lstStyle/>
+                    <a:p>
+                      <a:pPr algn="ctr"/>
+                      <a:r>
+                        <a:rPr lang="en-US" b="1" dirty="0"/>
+                        <a:t>Elapsed Time (minutes)</a:t>
+                      </a:r>
+                      <a:endParaRPr lang="en-PH" b="1" dirty="0"/>
+                    </a:p>
+                  </a:txBody>
+                  <a:tcPr/>
+                </a:tc>
+                <a:tc>
+                  <a:txBody>
+                    <a:bodyPr/>
+                    <a:lstStyle/>
+                    <a:p>
+                      <a:pPr algn="ctr"/>
+                      <a:r>
+                        <a:rPr lang="en-US" b="1" dirty="0"/>
+                        <a:t>Predicted Time to Go</a:t>
+                      </a:r>
+                      <a:endParaRPr lang="en-PH" b="1" dirty="0"/>
+                    </a:p>
+                  </a:txBody>
+                  <a:tcPr/>
+                </a:tc>
+                <a:tc>
+                  <a:txBody>
+                    <a:bodyPr/>
+                    <a:lstStyle/>
+                    <a:p>
+                      <a:pPr algn="ctr"/>
+                      <a:r>
+                        <a:rPr lang="en-US" b="1" dirty="0"/>
+                        <a:t>Predicted Total Time</a:t>
+                      </a:r>
+                      <a:endParaRPr lang="en-PH" b="1" dirty="0"/>
+                    </a:p>
+                  </a:txBody>
+                  <a:tcPr/>
+                </a:tc>
+                <a:extLst>
+                  <a:ext uri="{0D108BD9-81ED-4DB2-BD59-A6C34878D82A}">
+                    <a16:rowId xmlns:a16="http://schemas.microsoft.com/office/drawing/2014/main" val="4022942796"/>
+                  </a:ext>
+                </a:extLst>
+              </a:tr>
+              <a:tr h="482561">
+                <a:tc>
+                  <a:txBody>
+                    <a:bodyPr/>
+                    <a:lstStyle/>
+                    <a:p>
+                      <a:r>
+                        <a:rPr lang="en-US" dirty="0"/>
+                        <a:t>leaving school</a:t>
+                      </a:r>
+                      <a:endParaRPr lang="en-PH" dirty="0"/>
+                    </a:p>
+                  </a:txBody>
+                  <a:tcPr/>
+                </a:tc>
+                <a:tc>
+                  <a:txBody>
+                    <a:bodyPr/>
+                    <a:lstStyle/>
+                    <a:p>
+                      <a:pPr algn="ctr"/>
+                      <a:r>
+                        <a:rPr lang="en-US" dirty="0"/>
+                        <a:t>0</a:t>
+                      </a:r>
+                      <a:endParaRPr lang="en-PH" dirty="0"/>
+                    </a:p>
+                  </a:txBody>
+                  <a:tcPr/>
+                </a:tc>
+                <a:tc>
+                  <a:txBody>
+                    <a:bodyPr/>
+                    <a:lstStyle/>
+                    <a:p>
+                      <a:pPr algn="ctr"/>
+                      <a:r>
+                        <a:rPr lang="en-US" dirty="0"/>
+                        <a:t>30</a:t>
+                      </a:r>
+                      <a:endParaRPr lang="en-PH" dirty="0"/>
+                    </a:p>
+                  </a:txBody>
+                  <a:tcPr/>
+                </a:tc>
+                <a:tc>
+                  <a:txBody>
+                    <a:bodyPr/>
+                    <a:lstStyle/>
+                    <a:p>
+                      <a:pPr algn="ctr"/>
+                      <a:r>
+                        <a:rPr lang="en-US" dirty="0"/>
+                        <a:t>30</a:t>
+                      </a:r>
+                      <a:endParaRPr lang="en-PH" dirty="0"/>
+                    </a:p>
+                  </a:txBody>
+                  <a:tcPr/>
+                </a:tc>
+                <a:extLst>
+                  <a:ext uri="{0D108BD9-81ED-4DB2-BD59-A6C34878D82A}">
+                    <a16:rowId xmlns:a16="http://schemas.microsoft.com/office/drawing/2014/main" val="4261716691"/>
+                  </a:ext>
+                </a:extLst>
+              </a:tr>
+              <a:tr h="482561">
+                <a:tc>
+                  <a:txBody>
+                    <a:bodyPr/>
+                    <a:lstStyle/>
+                    <a:p>
+                      <a:r>
+                        <a:rPr lang="en-US" dirty="0"/>
+                        <a:t>walk to train station</a:t>
+                      </a:r>
+                      <a:endParaRPr lang="en-PH" dirty="0"/>
+                    </a:p>
+                  </a:txBody>
+                  <a:tcPr/>
+                </a:tc>
+                <a:tc>
+                  <a:txBody>
+                    <a:bodyPr/>
+                    <a:lstStyle/>
+                    <a:p>
+                      <a:pPr algn="ctr"/>
+                      <a:r>
+                        <a:rPr lang="en-US" dirty="0"/>
+                        <a:t>5</a:t>
+                      </a:r>
+                      <a:endParaRPr lang="en-PH" dirty="0"/>
+                    </a:p>
+                  </a:txBody>
+                  <a:tcPr/>
+                </a:tc>
+                <a:tc>
+                  <a:txBody>
+                    <a:bodyPr/>
+                    <a:lstStyle/>
+                    <a:p>
+                      <a:pPr algn="ctr"/>
+                      <a:r>
+                        <a:rPr lang="en-US" dirty="0"/>
+                        <a:t>35</a:t>
+                      </a:r>
+                      <a:endParaRPr lang="en-PH" dirty="0"/>
+                    </a:p>
+                  </a:txBody>
+                  <a:tcPr/>
+                </a:tc>
+                <a:tc>
+                  <a:txBody>
+                    <a:bodyPr/>
+                    <a:lstStyle/>
+                    <a:p>
+                      <a:pPr algn="ctr"/>
+                      <a:r>
+                        <a:rPr lang="en-US" dirty="0"/>
+                        <a:t>40</a:t>
+                      </a:r>
+                      <a:endParaRPr lang="en-PH" dirty="0"/>
+                    </a:p>
+                  </a:txBody>
+                  <a:tcPr/>
+                </a:tc>
+                <a:extLst>
+                  <a:ext uri="{0D108BD9-81ED-4DB2-BD59-A6C34878D82A}">
+                    <a16:rowId xmlns:a16="http://schemas.microsoft.com/office/drawing/2014/main" val="420012310"/>
+                  </a:ext>
+                </a:extLst>
+              </a:tr>
+              <a:tr h="482561">
+                <a:tc>
+                  <a:txBody>
+                    <a:bodyPr/>
+                    <a:lstStyle/>
+                    <a:p>
+                      <a:r>
+                        <a:rPr lang="en-US" dirty="0"/>
+                        <a:t>board train</a:t>
+                      </a:r>
+                      <a:endParaRPr lang="en-PH" dirty="0"/>
+                    </a:p>
+                  </a:txBody>
+                  <a:tcPr/>
+                </a:tc>
+                <a:tc>
+                  <a:txBody>
+                    <a:bodyPr/>
+                    <a:lstStyle/>
+                    <a:p>
+                      <a:pPr algn="ctr"/>
+                      <a:r>
+                        <a:rPr lang="en-US" dirty="0"/>
+                        <a:t>20</a:t>
+                      </a:r>
+                      <a:endParaRPr lang="en-PH" dirty="0"/>
+                    </a:p>
+                  </a:txBody>
+                  <a:tcPr/>
+                </a:tc>
+                <a:tc>
+                  <a:txBody>
+                    <a:bodyPr/>
+                    <a:lstStyle/>
+                    <a:p>
+                      <a:pPr algn="ctr"/>
+                      <a:r>
+                        <a:rPr lang="en-US" dirty="0"/>
+                        <a:t>15</a:t>
+                      </a:r>
+                      <a:endParaRPr lang="en-PH" dirty="0"/>
+                    </a:p>
+                  </a:txBody>
+                  <a:tcPr/>
+                </a:tc>
+                <a:tc>
+                  <a:txBody>
+                    <a:bodyPr/>
+                    <a:lstStyle/>
+                    <a:p>
+                      <a:pPr algn="ctr"/>
+                      <a:r>
+                        <a:rPr lang="en-US" dirty="0"/>
+                        <a:t>35</a:t>
+                      </a:r>
+                      <a:endParaRPr lang="en-PH" dirty="0"/>
+                    </a:p>
+                  </a:txBody>
+                  <a:tcPr/>
+                </a:tc>
+                <a:extLst>
+                  <a:ext uri="{0D108BD9-81ED-4DB2-BD59-A6C34878D82A}">
+                    <a16:rowId xmlns:a16="http://schemas.microsoft.com/office/drawing/2014/main" val="3795046983"/>
+                  </a:ext>
+                </a:extLst>
+              </a:tr>
+              <a:tr h="482561">
+                <a:tc>
+                  <a:txBody>
+                    <a:bodyPr/>
+                    <a:lstStyle/>
+                    <a:p>
+                      <a:r>
+                        <a:rPr lang="en-US" dirty="0"/>
+                        <a:t>leave train</a:t>
+                      </a:r>
+                      <a:endParaRPr lang="en-PH" dirty="0"/>
+                    </a:p>
+                  </a:txBody>
+                  <a:tcPr/>
+                </a:tc>
+                <a:tc>
+                  <a:txBody>
+                    <a:bodyPr/>
+                    <a:lstStyle/>
+                    <a:p>
+                      <a:pPr algn="ctr"/>
+                      <a:r>
+                        <a:rPr lang="en-US" dirty="0"/>
+                        <a:t>30</a:t>
+                      </a:r>
+                      <a:endParaRPr lang="en-PH" dirty="0"/>
+                    </a:p>
+                  </a:txBody>
+                  <a:tcPr/>
+                </a:tc>
+                <a:tc>
+                  <a:txBody>
+                    <a:bodyPr/>
+                    <a:lstStyle/>
+                    <a:p>
+                      <a:pPr algn="ctr"/>
+                      <a:r>
+                        <a:rPr lang="en-US" dirty="0"/>
+                        <a:t>10</a:t>
+                      </a:r>
+                      <a:endParaRPr lang="en-PH" dirty="0"/>
+                    </a:p>
+                  </a:txBody>
+                  <a:tcPr/>
+                </a:tc>
+                <a:tc>
+                  <a:txBody>
+                    <a:bodyPr/>
+                    <a:lstStyle/>
+                    <a:p>
+                      <a:pPr algn="ctr"/>
+                      <a:r>
+                        <a:rPr lang="en-US" dirty="0"/>
+                        <a:t>40</a:t>
+                      </a:r>
+                      <a:endParaRPr lang="en-PH" dirty="0"/>
+                    </a:p>
+                  </a:txBody>
+                  <a:tcPr/>
+                </a:tc>
+                <a:extLst>
+                  <a:ext uri="{0D108BD9-81ED-4DB2-BD59-A6C34878D82A}">
+                    <a16:rowId xmlns:a16="http://schemas.microsoft.com/office/drawing/2014/main" val="276534377"/>
+                  </a:ext>
+                </a:extLst>
+              </a:tr>
+              <a:tr h="482561">
+                <a:tc>
+                  <a:txBody>
+                    <a:bodyPr/>
+                    <a:lstStyle/>
+                    <a:p>
+                      <a:r>
+                        <a:rPr lang="en-US" dirty="0"/>
+                        <a:t>ride jeep</a:t>
+                      </a:r>
+                      <a:endParaRPr lang="en-PH" dirty="0"/>
+                    </a:p>
+                  </a:txBody>
+                  <a:tcPr/>
+                </a:tc>
+                <a:tc>
+                  <a:txBody>
+                    <a:bodyPr/>
+                    <a:lstStyle/>
+                    <a:p>
+                      <a:pPr algn="ctr"/>
+                      <a:r>
+                        <a:rPr lang="en-US" dirty="0"/>
+                        <a:t>40</a:t>
+                      </a:r>
+                      <a:endParaRPr lang="en-PH" dirty="0"/>
+                    </a:p>
+                  </a:txBody>
+                  <a:tcPr/>
+                </a:tc>
+                <a:tc>
+                  <a:txBody>
+                    <a:bodyPr/>
+                    <a:lstStyle/>
+                    <a:p>
+                      <a:pPr algn="ctr"/>
+                      <a:r>
+                        <a:rPr lang="en-US" dirty="0"/>
+                        <a:t>3</a:t>
+                      </a:r>
+                      <a:endParaRPr lang="en-PH" dirty="0"/>
+                    </a:p>
+                  </a:txBody>
+                  <a:tcPr/>
+                </a:tc>
+                <a:tc>
+                  <a:txBody>
+                    <a:bodyPr/>
+                    <a:lstStyle/>
+                    <a:p>
+                      <a:pPr algn="ctr"/>
+                      <a:r>
+                        <a:rPr lang="en-US" dirty="0"/>
+                        <a:t>43</a:t>
+                      </a:r>
+                      <a:endParaRPr lang="en-PH" dirty="0"/>
+                    </a:p>
+                  </a:txBody>
+                  <a:tcPr/>
+                </a:tc>
+                <a:extLst>
+                  <a:ext uri="{0D108BD9-81ED-4DB2-BD59-A6C34878D82A}">
+                    <a16:rowId xmlns:a16="http://schemas.microsoft.com/office/drawing/2014/main" val="3393370073"/>
+                  </a:ext>
+                </a:extLst>
+              </a:tr>
+              <a:tr h="482561">
+                <a:tc>
+                  <a:txBody>
+                    <a:bodyPr/>
+                    <a:lstStyle/>
+                    <a:p>
+                      <a:r>
+                        <a:rPr lang="en-US" dirty="0"/>
+                        <a:t>arrive home</a:t>
+                      </a:r>
+                      <a:endParaRPr lang="en-PH" dirty="0"/>
+                    </a:p>
+                  </a:txBody>
+                  <a:tcPr/>
+                </a:tc>
+                <a:tc>
+                  <a:txBody>
+                    <a:bodyPr/>
+                    <a:lstStyle/>
+                    <a:p>
+                      <a:pPr algn="ctr"/>
+                      <a:r>
+                        <a:rPr lang="en-US" dirty="0"/>
+                        <a:t>43</a:t>
+                      </a:r>
+                      <a:endParaRPr lang="en-PH" dirty="0"/>
+                    </a:p>
+                  </a:txBody>
+                  <a:tcPr/>
+                </a:tc>
+                <a:tc>
+                  <a:txBody>
+                    <a:bodyPr/>
+                    <a:lstStyle/>
+                    <a:p>
+                      <a:pPr algn="ctr"/>
+                      <a:r>
+                        <a:rPr lang="en-US" dirty="0"/>
+                        <a:t>0</a:t>
+                      </a:r>
+                      <a:endParaRPr lang="en-PH" dirty="0"/>
+                    </a:p>
+                  </a:txBody>
+                  <a:tcPr/>
+                </a:tc>
+                <a:tc>
+                  <a:txBody>
+                    <a:bodyPr/>
+                    <a:lstStyle/>
+                    <a:p>
+                      <a:pPr algn="ctr"/>
+                      <a:r>
+                        <a:rPr lang="en-US" dirty="0"/>
+                        <a:t>43</a:t>
+                      </a:r>
+                      <a:endParaRPr lang="en-PH" dirty="0"/>
+                    </a:p>
+                  </a:txBody>
+                  <a:tcPr/>
+                </a:tc>
+                <a:extLst>
+                  <a:ext uri="{0D108BD9-81ED-4DB2-BD59-A6C34878D82A}">
+                    <a16:rowId xmlns:a16="http://schemas.microsoft.com/office/drawing/2014/main" val="3561135154"/>
+                  </a:ext>
+                </a:extLst>
+              </a:tr>
+            </a:tbl>
+          </a:graphicData>
+        </a:graphic>
+      </p:graphicFrame>
+    </p:spTree>
+    <p:extLst>
+      <p:ext uri="{BB962C8B-B14F-4D97-AF65-F5344CB8AC3E}">
+        <p14:creationId xmlns:p14="http://schemas.microsoft.com/office/powerpoint/2010/main" val="3799914916"/>
+      </p:ext>
+    </p:extLst>
+  </p:cSld>
+  <p:clrMapOvr>
+    <a:masterClrMapping/>
+  </p:clrMapOvr>
+</p:sld>
+</file>
+
+<file path=ppt/slides/slide11.xml><?xml version="1.0" encoding="utf-8"?>
+<p:sld xmlns:a="http://schemas.openxmlformats.org/drawingml/2006/main" xmlns:r="http://schemas.openxmlformats.org/officeDocument/2006/relationships" xmlns:p="http://schemas.openxmlformats.org/presentationml/2006/main">
+  <p:cSld>
+    <p:spTree>
+      <p:nvGrpSpPr>
+        <p:cNvPr id="1" name=""/>
+        <p:cNvGrpSpPr/>
+        <p:nvPr/>
+      </p:nvGrpSpPr>
+      <p:grpSpPr>
+        <a:xfrm>
+          <a:off x="0" y="0"/>
+          <a:ext cx="0" cy="0"/>
+          <a:chOff x="0" y="0"/>
+          <a:chExt cx="0" cy="0"/>
+        </a:xfrm>
+      </p:grpSpPr>
+      <p:sp>
+        <p:nvSpPr>
+          <p:cNvPr id="6" name="TextBox 5">
+            <a:extLst>
+              <a:ext uri="{FF2B5EF4-FFF2-40B4-BE49-F238E27FC236}">
+                <a16:creationId xmlns:a16="http://schemas.microsoft.com/office/drawing/2014/main" id="{933CA7EB-D821-4578-A186-D330E9178EDE}"/>
+              </a:ext>
+            </a:extLst>
+          </p:cNvPr>
+          <p:cNvSpPr txBox="1"/>
+          <p:nvPr/>
+        </p:nvSpPr>
+        <p:spPr>
+          <a:xfrm>
+            <a:off x="87923" y="28551"/>
+            <a:ext cx="3622432" cy="338554"/>
+          </a:xfrm>
+          <a:prstGeom prst="rect">
+            <a:avLst/>
+          </a:prstGeom>
+          <a:noFill/>
+        </p:spPr>
+        <p:txBody>
+          <a:bodyPr wrap="square" rtlCol="0">
+            <a:spAutoFit/>
+          </a:bodyPr>
+          <a:lstStyle/>
+          <a:p>
+            <a:r>
+              <a:rPr lang="en-PH" sz="1600">
+                <a:solidFill>
+                  <a:schemeClr val="bg1"/>
+                </a:solidFill>
+                <a:latin typeface="Abadi" panose="020B0604020104020204" pitchFamily="34" charset="0"/>
+                <a:cs typeface="Aharoni" panose="020B0604020202020204" pitchFamily="2" charset="-79"/>
+              </a:rPr>
+              <a:t>INTRODUCTION TO COMPUTING</a:t>
+            </a:r>
+          </a:p>
+        </p:txBody>
+      </p:sp>
+      <p:sp>
+        <p:nvSpPr>
+          <p:cNvPr id="7" name="TextBox 6">
+            <a:extLst>
+              <a:ext uri="{FF2B5EF4-FFF2-40B4-BE49-F238E27FC236}">
+                <a16:creationId xmlns:a16="http://schemas.microsoft.com/office/drawing/2014/main" id="{9B128FD4-EE77-4086-837E-5EAF83B0DDD1}"/>
+              </a:ext>
+            </a:extLst>
+          </p:cNvPr>
+          <p:cNvSpPr txBox="1"/>
+          <p:nvPr/>
+        </p:nvSpPr>
+        <p:spPr>
+          <a:xfrm>
+            <a:off x="9182099" y="13190"/>
+            <a:ext cx="2948354" cy="338554"/>
+          </a:xfrm>
+          <a:prstGeom prst="rect">
+            <a:avLst/>
+          </a:prstGeom>
+          <a:noFill/>
+        </p:spPr>
+        <p:txBody>
+          <a:bodyPr wrap="square" rtlCol="0">
+            <a:spAutoFit/>
+          </a:bodyPr>
+          <a:lstStyle/>
+          <a:p>
+            <a:pPr algn="r"/>
+            <a:r>
+              <a:rPr lang="en-US" sz="1600" dirty="0">
+                <a:solidFill>
+                  <a:schemeClr val="bg1"/>
+                </a:solidFill>
+              </a:rPr>
+              <a:t>Course Code: CCINCOM/L</a:t>
+            </a:r>
+            <a:endParaRPr lang="en-PH" sz="1600" dirty="0">
+              <a:solidFill>
+                <a:schemeClr val="bg1"/>
+              </a:solidFill>
+              <a:latin typeface="Abadi" panose="020B0604020202020204" pitchFamily="34" charset="0"/>
+            </a:endParaRPr>
+          </a:p>
+        </p:txBody>
+      </p:sp>
+      <p:sp>
+        <p:nvSpPr>
+          <p:cNvPr id="8" name="TextBox 7">
+            <a:extLst>
+              <a:ext uri="{FF2B5EF4-FFF2-40B4-BE49-F238E27FC236}">
+                <a16:creationId xmlns:a16="http://schemas.microsoft.com/office/drawing/2014/main" id="{B95C7AD6-4918-4294-AA88-B72FB28833FE}"/>
+              </a:ext>
+            </a:extLst>
+          </p:cNvPr>
+          <p:cNvSpPr txBox="1"/>
+          <p:nvPr/>
+        </p:nvSpPr>
+        <p:spPr>
+          <a:xfrm>
+            <a:off x="0" y="6479929"/>
+            <a:ext cx="2461846" cy="338554"/>
+          </a:xfrm>
+          <a:prstGeom prst="rect">
+            <a:avLst/>
+          </a:prstGeom>
+          <a:noFill/>
+        </p:spPr>
+        <p:txBody>
+          <a:bodyPr wrap="square" rtlCol="0">
+            <a:spAutoFit/>
+          </a:bodyPr>
+          <a:lstStyle/>
+          <a:p>
+            <a:pPr algn="ctr"/>
+            <a:r>
+              <a:rPr lang="en-PH" sz="1600">
+                <a:solidFill>
+                  <a:schemeClr val="bg1"/>
+                </a:solidFill>
+                <a:latin typeface="Abadi" panose="020B0604020202020204" pitchFamily="34" charset="0"/>
+              </a:rPr>
+              <a:t>Joseph Marvin R. Imperial</a:t>
+            </a:r>
+          </a:p>
+        </p:txBody>
+      </p:sp>
+      <p:sp>
+        <p:nvSpPr>
+          <p:cNvPr id="9" name="TextBox 8">
+            <a:extLst>
+              <a:ext uri="{FF2B5EF4-FFF2-40B4-BE49-F238E27FC236}">
+                <a16:creationId xmlns:a16="http://schemas.microsoft.com/office/drawing/2014/main" id="{C3136E3D-4CFD-4EFC-98AB-367D0EF3C06B}"/>
+              </a:ext>
+            </a:extLst>
+          </p:cNvPr>
+          <p:cNvSpPr txBox="1"/>
+          <p:nvPr/>
+        </p:nvSpPr>
+        <p:spPr>
+          <a:xfrm>
+            <a:off x="7086601" y="6490896"/>
+            <a:ext cx="5105399" cy="338554"/>
+          </a:xfrm>
+          <a:prstGeom prst="rect">
+            <a:avLst/>
+          </a:prstGeom>
+          <a:noFill/>
+        </p:spPr>
+        <p:txBody>
+          <a:bodyPr wrap="square" rtlCol="0">
+            <a:spAutoFit/>
+          </a:bodyPr>
+          <a:lstStyle/>
+          <a:p>
+            <a:pPr algn="r"/>
+            <a:r>
+              <a:rPr lang="en-PH" sz="1600">
+                <a:solidFill>
+                  <a:schemeClr val="bg1"/>
+                </a:solidFill>
+                <a:latin typeface="Abadi" panose="020B0604020202020204" pitchFamily="34" charset="0"/>
+              </a:rPr>
+              <a:t>NU College of Computing and Information Technologies</a:t>
+            </a:r>
+          </a:p>
+        </p:txBody>
+      </p:sp>
+      <p:sp>
+        <p:nvSpPr>
+          <p:cNvPr id="13" name="Rectangle 12">
+            <a:extLst>
+              <a:ext uri="{FF2B5EF4-FFF2-40B4-BE49-F238E27FC236}">
+                <a16:creationId xmlns:a16="http://schemas.microsoft.com/office/drawing/2014/main" id="{251B30DC-ACC5-404F-B51D-13612F115E3E}"/>
+              </a:ext>
+            </a:extLst>
+          </p:cNvPr>
+          <p:cNvSpPr/>
+          <p:nvPr/>
+        </p:nvSpPr>
+        <p:spPr>
+          <a:xfrm>
+            <a:off x="0" y="6462346"/>
+            <a:ext cx="12192000" cy="395654"/>
+          </a:xfrm>
+          <a:prstGeom prst="rect">
+            <a:avLst/>
+          </a:prstGeom>
+          <a:solidFill>
+            <a:schemeClr val="accent5">
+              <a:lumMod val="50000"/>
+            </a:schemeClr>
+          </a:solidFill>
+          <a:effectLst>
+            <a:outerShdw blurRad="50800" dist="38100" dir="2700000" algn="tl" rotWithShape="0">
+              <a:prstClr val="black">
+                <a:alpha val="40000"/>
+              </a:prstClr>
+            </a:outerShdw>
+          </a:effectLst>
+        </p:spPr>
+        <p:style>
+          <a:lnRef idx="2">
+            <a:schemeClr val="accent1">
+              <a:shade val="50000"/>
+            </a:schemeClr>
+          </a:lnRef>
+          <a:fillRef idx="1">
+            <a:schemeClr val="accent1"/>
+          </a:fillRef>
+          <a:effectRef idx="0">
+            <a:schemeClr val="accent1"/>
+          </a:effectRef>
+          <a:fontRef idx="minor">
+            <a:schemeClr val="lt1"/>
+          </a:fontRef>
+        </p:style>
+        <p:txBody>
+          <a:bodyPr rtlCol="0" anchor="ctr"/>
+          <a:lstStyle/>
+          <a:p>
+            <a:pPr algn="ctr"/>
+            <a:endParaRPr lang="en-PH"/>
+          </a:p>
+        </p:txBody>
+      </p:sp>
+      <p:sp>
+        <p:nvSpPr>
+          <p:cNvPr id="14" name="TextBox 13">
+            <a:extLst>
+              <a:ext uri="{FF2B5EF4-FFF2-40B4-BE49-F238E27FC236}">
+                <a16:creationId xmlns:a16="http://schemas.microsoft.com/office/drawing/2014/main" id="{ACC57CA2-30CA-4DDD-A941-8B9CC393DAFA}"/>
+              </a:ext>
+            </a:extLst>
+          </p:cNvPr>
+          <p:cNvSpPr txBox="1"/>
+          <p:nvPr/>
+        </p:nvSpPr>
+        <p:spPr>
+          <a:xfrm>
+            <a:off x="0" y="6490896"/>
+            <a:ext cx="3622432" cy="338554"/>
+          </a:xfrm>
+          <a:prstGeom prst="rect">
+            <a:avLst/>
+          </a:prstGeom>
+          <a:noFill/>
+        </p:spPr>
+        <p:txBody>
+          <a:bodyPr wrap="square" rtlCol="0">
+            <a:spAutoFit/>
+          </a:bodyPr>
+          <a:lstStyle/>
+          <a:p>
+            <a:r>
+              <a:rPr lang="en-PH" sz="1600">
+                <a:solidFill>
+                  <a:schemeClr val="bg1"/>
+                </a:solidFill>
+                <a:latin typeface="Abadi" panose="020B0604020104020204" pitchFamily="34" charset="0"/>
+                <a:cs typeface="Aharoni" panose="020B0604020202020204" pitchFamily="2" charset="-79"/>
+              </a:rPr>
+              <a:t>REINFORCEMENT LEARNING</a:t>
+            </a:r>
+          </a:p>
+        </p:txBody>
+      </p:sp>
+      <p:sp>
+        <p:nvSpPr>
+          <p:cNvPr id="15" name="TextBox 14">
+            <a:extLst>
+              <a:ext uri="{FF2B5EF4-FFF2-40B4-BE49-F238E27FC236}">
+                <a16:creationId xmlns:a16="http://schemas.microsoft.com/office/drawing/2014/main" id="{31237222-F604-49F1-8989-AF06AF20EDD3}"/>
+              </a:ext>
+            </a:extLst>
+          </p:cNvPr>
+          <p:cNvSpPr txBox="1"/>
+          <p:nvPr/>
+        </p:nvSpPr>
+        <p:spPr>
+          <a:xfrm>
+            <a:off x="9243646" y="6490896"/>
+            <a:ext cx="2948354" cy="338554"/>
+          </a:xfrm>
+          <a:prstGeom prst="rect">
+            <a:avLst/>
+          </a:prstGeom>
+          <a:noFill/>
+        </p:spPr>
+        <p:txBody>
+          <a:bodyPr wrap="square" rtlCol="0">
+            <a:spAutoFit/>
+          </a:bodyPr>
+          <a:lstStyle/>
+          <a:p>
+            <a:pPr algn="r"/>
+            <a:r>
+              <a:rPr lang="en-US" sz="1600">
+                <a:solidFill>
+                  <a:schemeClr val="bg1"/>
+                </a:solidFill>
+                <a:latin typeface="Abadi" panose="020B0604020104020204" pitchFamily="34" charset="0"/>
+              </a:rPr>
+              <a:t>Course Code: CCRNFLRL</a:t>
+            </a:r>
+            <a:endParaRPr lang="en-PH" sz="1600">
+              <a:solidFill>
+                <a:schemeClr val="bg1"/>
+              </a:solidFill>
+              <a:latin typeface="Abadi" panose="020B0604020104020204" pitchFamily="34" charset="0"/>
+            </a:endParaRPr>
+          </a:p>
+        </p:txBody>
+      </p:sp>
+      <p:sp>
+        <p:nvSpPr>
+          <p:cNvPr id="5" name="Title 4">
+            <a:extLst>
+              <a:ext uri="{FF2B5EF4-FFF2-40B4-BE49-F238E27FC236}">
+                <a16:creationId xmlns:a16="http://schemas.microsoft.com/office/drawing/2014/main" id="{EC47D021-EEC4-42AC-B4C3-BC584CB5BC9D}"/>
+              </a:ext>
+            </a:extLst>
+          </p:cNvPr>
+          <p:cNvSpPr>
+            <a:spLocks noGrp="1"/>
+          </p:cNvSpPr>
+          <p:nvPr>
+            <p:ph type="title"/>
+          </p:nvPr>
+        </p:nvSpPr>
+        <p:spPr>
+          <a:xfrm>
+            <a:off x="366713" y="298454"/>
+            <a:ext cx="11458574" cy="869778"/>
+          </a:xfrm>
+        </p:spPr>
+        <p:txBody>
+          <a:bodyPr/>
+          <a:lstStyle/>
+          <a:p>
+            <a:r>
+              <a:rPr lang="en-PH" b="1" dirty="0">
+                <a:latin typeface="+mn-lt"/>
+              </a:rPr>
+              <a:t>Going Home from School Example</a:t>
+            </a:r>
+          </a:p>
+        </p:txBody>
+      </p:sp>
+      <p:graphicFrame>
+        <p:nvGraphicFramePr>
+          <p:cNvPr id="4" name="Chart 3">
+            <a:extLst>
+              <a:ext uri="{FF2B5EF4-FFF2-40B4-BE49-F238E27FC236}">
+                <a16:creationId xmlns:a16="http://schemas.microsoft.com/office/drawing/2014/main" id="{F6BA806B-25CF-B5B2-4D11-0DED20405BFF}"/>
+              </a:ext>
+            </a:extLst>
+          </p:cNvPr>
+          <p:cNvGraphicFramePr/>
+          <p:nvPr>
+            <p:extLst>
+              <p:ext uri="{D42A27DB-BD31-4B8C-83A1-F6EECF244321}">
+                <p14:modId xmlns:p14="http://schemas.microsoft.com/office/powerpoint/2010/main" val="735207977"/>
+              </p:ext>
+            </p:extLst>
+          </p:nvPr>
+        </p:nvGraphicFramePr>
+        <p:xfrm>
+          <a:off x="1911821" y="2171771"/>
+          <a:ext cx="3815776" cy="3321185"/>
+        </p:xfrm>
+        <a:graphic>
+          <a:graphicData uri="http://schemas.openxmlformats.org/drawingml/2006/chart">
+            <c:chart xmlns:c="http://schemas.openxmlformats.org/drawingml/2006/chart" xmlns:r="http://schemas.openxmlformats.org/officeDocument/2006/relationships" r:id="rId2"/>
+          </a:graphicData>
+        </a:graphic>
+      </p:graphicFrame>
+      <p:sp>
+        <p:nvSpPr>
+          <p:cNvPr id="11" name="TextBox 10">
+            <a:extLst>
+              <a:ext uri="{FF2B5EF4-FFF2-40B4-BE49-F238E27FC236}">
+                <a16:creationId xmlns:a16="http://schemas.microsoft.com/office/drawing/2014/main" id="{60BE5815-E605-5ED9-F3F6-A20995C88010}"/>
+              </a:ext>
+            </a:extLst>
+          </p:cNvPr>
+          <p:cNvSpPr txBox="1"/>
+          <p:nvPr/>
+        </p:nvSpPr>
+        <p:spPr>
+          <a:xfrm>
+            <a:off x="3276597" y="2325232"/>
+            <a:ext cx="1214179" cy="276999"/>
+          </a:xfrm>
+          <a:prstGeom prst="rect">
+            <a:avLst/>
+          </a:prstGeom>
+          <a:noFill/>
+        </p:spPr>
+        <p:txBody>
+          <a:bodyPr wrap="none" rtlCol="0">
+            <a:spAutoFit/>
+          </a:bodyPr>
+          <a:lstStyle/>
+          <a:p>
+            <a:r>
+              <a:rPr lang="en-US" sz="1200" b="1" dirty="0"/>
+              <a:t>Actual Outcome</a:t>
+            </a:r>
+            <a:endParaRPr lang="en-PH" sz="1200" b="1" dirty="0"/>
+          </a:p>
+        </p:txBody>
+      </p:sp>
+      <p:graphicFrame>
+        <p:nvGraphicFramePr>
+          <p:cNvPr id="12" name="Chart 11">
+            <a:extLst>
+              <a:ext uri="{FF2B5EF4-FFF2-40B4-BE49-F238E27FC236}">
+                <a16:creationId xmlns:a16="http://schemas.microsoft.com/office/drawing/2014/main" id="{29AF1DF3-C94C-3F22-1D96-838ECA09C3D3}"/>
+              </a:ext>
+            </a:extLst>
+          </p:cNvPr>
+          <p:cNvGraphicFramePr/>
+          <p:nvPr>
+            <p:extLst>
+              <p:ext uri="{D42A27DB-BD31-4B8C-83A1-F6EECF244321}">
+                <p14:modId xmlns:p14="http://schemas.microsoft.com/office/powerpoint/2010/main" val="2930973432"/>
+              </p:ext>
+            </p:extLst>
+          </p:nvPr>
+        </p:nvGraphicFramePr>
+        <p:xfrm>
+          <a:off x="7086601" y="2171771"/>
+          <a:ext cx="3815776" cy="3321185"/>
+        </p:xfrm>
+        <a:graphic>
+          <a:graphicData uri="http://schemas.openxmlformats.org/drawingml/2006/chart">
+            <c:chart xmlns:c="http://schemas.openxmlformats.org/drawingml/2006/chart" xmlns:r="http://schemas.openxmlformats.org/officeDocument/2006/relationships" r:id="rId3"/>
+          </a:graphicData>
+        </a:graphic>
+      </p:graphicFrame>
+      <p:cxnSp>
+        <p:nvCxnSpPr>
+          <p:cNvPr id="17" name="Straight Connector 16">
+            <a:extLst>
+              <a:ext uri="{FF2B5EF4-FFF2-40B4-BE49-F238E27FC236}">
+                <a16:creationId xmlns:a16="http://schemas.microsoft.com/office/drawing/2014/main" id="{BF2DB63B-172D-40E4-27B0-2CEEC4E42D51}"/>
+              </a:ext>
+            </a:extLst>
+          </p:cNvPr>
+          <p:cNvCxnSpPr>
+            <a:cxnSpLocks/>
+          </p:cNvCxnSpPr>
+          <p:nvPr/>
+        </p:nvCxnSpPr>
+        <p:spPr>
+          <a:xfrm>
+            <a:off x="7695065" y="3036396"/>
+            <a:ext cx="527050" cy="0"/>
+          </a:xfrm>
+          <a:prstGeom prst="line">
+            <a:avLst/>
+          </a:prstGeom>
+          <a:ln w="38100" cap="rnd" cmpd="sng" algn="ctr">
+            <a:solidFill>
+              <a:schemeClr val="tx1"/>
+            </a:solidFill>
+            <a:prstDash val="dash"/>
+            <a:round/>
+            <a:headEnd type="none" w="med" len="med"/>
+            <a:tailEnd type="none" w="med" len="med"/>
+          </a:ln>
+        </p:spPr>
+        <p:style>
+          <a:lnRef idx="0">
+            <a:scrgbClr r="0" g="0" b="0"/>
+          </a:lnRef>
+          <a:fillRef idx="0">
+            <a:scrgbClr r="0" g="0" b="0"/>
+          </a:fillRef>
+          <a:effectRef idx="0">
+            <a:scrgbClr r="0" g="0" b="0"/>
+          </a:effectRef>
+          <a:fontRef idx="minor">
+            <a:schemeClr val="tx1"/>
+          </a:fontRef>
+        </p:style>
+      </p:cxnSp>
+      <p:cxnSp>
+        <p:nvCxnSpPr>
+          <p:cNvPr id="19" name="Straight Arrow Connector 18">
+            <a:extLst>
+              <a:ext uri="{FF2B5EF4-FFF2-40B4-BE49-F238E27FC236}">
+                <a16:creationId xmlns:a16="http://schemas.microsoft.com/office/drawing/2014/main" id="{F28FFF3F-EBE4-AE91-DB69-F6642DD70380}"/>
+              </a:ext>
+            </a:extLst>
+          </p:cNvPr>
+          <p:cNvCxnSpPr>
+            <a:cxnSpLocks/>
+          </p:cNvCxnSpPr>
+          <p:nvPr/>
+        </p:nvCxnSpPr>
+        <p:spPr>
+          <a:xfrm flipV="1">
+            <a:off x="7695065" y="3036396"/>
+            <a:ext cx="0" cy="1473200"/>
+          </a:xfrm>
+          <a:prstGeom prst="straightConnector1">
+            <a:avLst/>
+          </a:prstGeom>
+          <a:ln>
+            <a:solidFill>
+              <a:srgbClr val="FF0000"/>
+            </a:solidFill>
+            <a:tailEnd type="triangle"/>
+          </a:ln>
+        </p:spPr>
+        <p:style>
+          <a:lnRef idx="3">
+            <a:schemeClr val="dk1"/>
+          </a:lnRef>
+          <a:fillRef idx="0">
+            <a:schemeClr val="dk1"/>
+          </a:fillRef>
+          <a:effectRef idx="2">
+            <a:schemeClr val="dk1"/>
+          </a:effectRef>
+          <a:fontRef idx="minor">
+            <a:schemeClr val="tx1"/>
+          </a:fontRef>
+        </p:style>
+      </p:cxnSp>
+      <p:cxnSp>
+        <p:nvCxnSpPr>
+          <p:cNvPr id="24" name="Straight Arrow Connector 23">
+            <a:extLst>
+              <a:ext uri="{FF2B5EF4-FFF2-40B4-BE49-F238E27FC236}">
+                <a16:creationId xmlns:a16="http://schemas.microsoft.com/office/drawing/2014/main" id="{A7C59B46-64C0-8ED6-F529-0E37FF1801F7}"/>
+              </a:ext>
+            </a:extLst>
+          </p:cNvPr>
+          <p:cNvCxnSpPr>
+            <a:cxnSpLocks/>
+          </p:cNvCxnSpPr>
+          <p:nvPr/>
+        </p:nvCxnSpPr>
+        <p:spPr>
+          <a:xfrm>
+            <a:off x="8285615" y="3112596"/>
+            <a:ext cx="0" cy="719767"/>
+          </a:xfrm>
+          <a:prstGeom prst="straightConnector1">
+            <a:avLst/>
+          </a:prstGeom>
+          <a:ln>
+            <a:solidFill>
+              <a:srgbClr val="FF0000"/>
+            </a:solidFill>
+            <a:tailEnd type="triangle"/>
+          </a:ln>
+        </p:spPr>
+        <p:style>
+          <a:lnRef idx="3">
+            <a:schemeClr val="dk1"/>
+          </a:lnRef>
+          <a:fillRef idx="0">
+            <a:schemeClr val="dk1"/>
+          </a:fillRef>
+          <a:effectRef idx="2">
+            <a:schemeClr val="dk1"/>
+          </a:effectRef>
+          <a:fontRef idx="minor">
+            <a:schemeClr val="tx1"/>
+          </a:fontRef>
+        </p:style>
+      </p:cxnSp>
+      <p:cxnSp>
+        <p:nvCxnSpPr>
+          <p:cNvPr id="27" name="Straight Arrow Connector 26">
+            <a:extLst>
+              <a:ext uri="{FF2B5EF4-FFF2-40B4-BE49-F238E27FC236}">
+                <a16:creationId xmlns:a16="http://schemas.microsoft.com/office/drawing/2014/main" id="{F0555C7D-D1CB-BACC-AD08-2E40AC5F69D2}"/>
+              </a:ext>
+            </a:extLst>
+          </p:cNvPr>
+          <p:cNvCxnSpPr>
+            <a:cxnSpLocks/>
+          </p:cNvCxnSpPr>
+          <p:nvPr/>
+        </p:nvCxnSpPr>
+        <p:spPr>
+          <a:xfrm flipV="1">
+            <a:off x="8863465" y="3036396"/>
+            <a:ext cx="0" cy="795967"/>
+          </a:xfrm>
+          <a:prstGeom prst="straightConnector1">
+            <a:avLst/>
+          </a:prstGeom>
+          <a:ln>
+            <a:solidFill>
+              <a:srgbClr val="FF0000"/>
+            </a:solidFill>
+            <a:tailEnd type="triangle"/>
+          </a:ln>
+        </p:spPr>
+        <p:style>
+          <a:lnRef idx="3">
+            <a:schemeClr val="dk1"/>
+          </a:lnRef>
+          <a:fillRef idx="0">
+            <a:schemeClr val="dk1"/>
+          </a:fillRef>
+          <a:effectRef idx="2">
+            <a:schemeClr val="dk1"/>
+          </a:effectRef>
+          <a:fontRef idx="minor">
+            <a:schemeClr val="tx1"/>
+          </a:fontRef>
+        </p:style>
+      </p:cxnSp>
+      <p:cxnSp>
+        <p:nvCxnSpPr>
+          <p:cNvPr id="30" name="Straight Arrow Connector 29">
+            <a:extLst>
+              <a:ext uri="{FF2B5EF4-FFF2-40B4-BE49-F238E27FC236}">
+                <a16:creationId xmlns:a16="http://schemas.microsoft.com/office/drawing/2014/main" id="{455D08C4-1BF6-7F6C-4D83-D2271C3F1A27}"/>
+              </a:ext>
+            </a:extLst>
+          </p:cNvPr>
+          <p:cNvCxnSpPr>
+            <a:cxnSpLocks/>
+          </p:cNvCxnSpPr>
+          <p:nvPr/>
+        </p:nvCxnSpPr>
+        <p:spPr>
+          <a:xfrm flipV="1">
+            <a:off x="9466715" y="2591896"/>
+            <a:ext cx="0" cy="444500"/>
+          </a:xfrm>
+          <a:prstGeom prst="straightConnector1">
+            <a:avLst/>
+          </a:prstGeom>
+          <a:ln>
+            <a:solidFill>
+              <a:srgbClr val="FF0000"/>
+            </a:solidFill>
+            <a:tailEnd type="triangle"/>
+          </a:ln>
+        </p:spPr>
+        <p:style>
+          <a:lnRef idx="3">
+            <a:schemeClr val="dk1"/>
+          </a:lnRef>
+          <a:fillRef idx="0">
+            <a:schemeClr val="dk1"/>
+          </a:fillRef>
+          <a:effectRef idx="2">
+            <a:schemeClr val="dk1"/>
+          </a:effectRef>
+          <a:fontRef idx="minor">
+            <a:schemeClr val="tx1"/>
+          </a:fontRef>
+        </p:style>
+      </p:cxnSp>
+      <p:cxnSp>
+        <p:nvCxnSpPr>
+          <p:cNvPr id="32" name="Straight Arrow Connector 31">
+            <a:extLst>
+              <a:ext uri="{FF2B5EF4-FFF2-40B4-BE49-F238E27FC236}">
+                <a16:creationId xmlns:a16="http://schemas.microsoft.com/office/drawing/2014/main" id="{3B1D595B-D403-2461-4CD7-3F0F6E881486}"/>
+              </a:ext>
+            </a:extLst>
+          </p:cNvPr>
+          <p:cNvCxnSpPr>
+            <a:cxnSpLocks/>
+          </p:cNvCxnSpPr>
+          <p:nvPr/>
+        </p:nvCxnSpPr>
+        <p:spPr>
+          <a:xfrm flipV="1">
+            <a:off x="2507300" y="2602231"/>
+            <a:ext cx="0" cy="1917050"/>
+          </a:xfrm>
+          <a:prstGeom prst="straightConnector1">
+            <a:avLst/>
+          </a:prstGeom>
+          <a:ln>
+            <a:solidFill>
+              <a:srgbClr val="FF0000"/>
+            </a:solidFill>
+            <a:tailEnd type="triangle"/>
+          </a:ln>
+        </p:spPr>
+        <p:style>
+          <a:lnRef idx="3">
+            <a:schemeClr val="dk1"/>
+          </a:lnRef>
+          <a:fillRef idx="0">
+            <a:schemeClr val="dk1"/>
+          </a:fillRef>
+          <a:effectRef idx="2">
+            <a:schemeClr val="dk1"/>
+          </a:effectRef>
+          <a:fontRef idx="minor">
+            <a:schemeClr val="tx1"/>
+          </a:fontRef>
+        </p:style>
+      </p:cxnSp>
+      <p:cxnSp>
+        <p:nvCxnSpPr>
+          <p:cNvPr id="34" name="Straight Arrow Connector 33">
+            <a:extLst>
+              <a:ext uri="{FF2B5EF4-FFF2-40B4-BE49-F238E27FC236}">
+                <a16:creationId xmlns:a16="http://schemas.microsoft.com/office/drawing/2014/main" id="{87917D1C-4A46-C3FB-6667-85E0CC488EDD}"/>
+              </a:ext>
+            </a:extLst>
+          </p:cNvPr>
+          <p:cNvCxnSpPr>
+            <a:cxnSpLocks/>
+          </p:cNvCxnSpPr>
+          <p:nvPr/>
+        </p:nvCxnSpPr>
+        <p:spPr>
+          <a:xfrm flipV="1">
+            <a:off x="3104200" y="2601906"/>
+            <a:ext cx="0" cy="473858"/>
+          </a:xfrm>
+          <a:prstGeom prst="straightConnector1">
+            <a:avLst/>
+          </a:prstGeom>
+          <a:ln>
+            <a:solidFill>
+              <a:srgbClr val="FF0000"/>
+            </a:solidFill>
+            <a:tailEnd type="triangle"/>
+          </a:ln>
+        </p:spPr>
+        <p:style>
+          <a:lnRef idx="3">
+            <a:schemeClr val="dk1"/>
+          </a:lnRef>
+          <a:fillRef idx="0">
+            <a:schemeClr val="dk1"/>
+          </a:fillRef>
+          <a:effectRef idx="2">
+            <a:schemeClr val="dk1"/>
+          </a:effectRef>
+          <a:fontRef idx="minor">
+            <a:schemeClr val="tx1"/>
+          </a:fontRef>
+        </p:style>
+      </p:cxnSp>
+      <p:sp>
+        <p:nvSpPr>
+          <p:cNvPr id="39" name="TextBox 38">
+            <a:extLst>
+              <a:ext uri="{FF2B5EF4-FFF2-40B4-BE49-F238E27FC236}">
+                <a16:creationId xmlns:a16="http://schemas.microsoft.com/office/drawing/2014/main" id="{E3CFC67F-EAF2-8274-92C3-EC383D0868DF}"/>
+              </a:ext>
+            </a:extLst>
+          </p:cNvPr>
+          <p:cNvSpPr txBox="1"/>
+          <p:nvPr/>
+        </p:nvSpPr>
+        <p:spPr>
+          <a:xfrm rot="16200000">
+            <a:off x="740592" y="3581852"/>
+            <a:ext cx="1855893" cy="276999"/>
+          </a:xfrm>
+          <a:prstGeom prst="rect">
+            <a:avLst/>
+          </a:prstGeom>
+          <a:noFill/>
+        </p:spPr>
+        <p:txBody>
+          <a:bodyPr wrap="none" rtlCol="0">
+            <a:spAutoFit/>
+          </a:bodyPr>
+          <a:lstStyle/>
+          <a:p>
+            <a:r>
+              <a:rPr lang="en-US" sz="1200" b="1" dirty="0"/>
+              <a:t>Predicted total travel time</a:t>
+            </a:r>
+          </a:p>
+        </p:txBody>
+      </p:sp>
+      <p:sp>
+        <p:nvSpPr>
+          <p:cNvPr id="40" name="TextBox 39">
+            <a:extLst>
+              <a:ext uri="{FF2B5EF4-FFF2-40B4-BE49-F238E27FC236}">
+                <a16:creationId xmlns:a16="http://schemas.microsoft.com/office/drawing/2014/main" id="{B994D901-6C79-9F78-7E17-AE83F87D447F}"/>
+              </a:ext>
+            </a:extLst>
+          </p:cNvPr>
+          <p:cNvSpPr txBox="1"/>
+          <p:nvPr/>
+        </p:nvSpPr>
+        <p:spPr>
+          <a:xfrm>
+            <a:off x="3396619" y="5492956"/>
+            <a:ext cx="763542" cy="461665"/>
+          </a:xfrm>
+          <a:prstGeom prst="rect">
+            <a:avLst/>
+          </a:prstGeom>
+          <a:noFill/>
+        </p:spPr>
+        <p:txBody>
+          <a:bodyPr wrap="none" rtlCol="0">
+            <a:spAutoFit/>
+          </a:bodyPr>
+          <a:lstStyle/>
+          <a:p>
+            <a:r>
+              <a:rPr lang="en-US" sz="1200" b="1" dirty="0"/>
+              <a:t>Situation</a:t>
+            </a:r>
+          </a:p>
+          <a:p>
+            <a:endParaRPr lang="en-US" sz="1200" b="1" dirty="0"/>
+          </a:p>
+        </p:txBody>
+      </p:sp>
+      <p:sp>
+        <p:nvSpPr>
+          <p:cNvPr id="41" name="TextBox 40">
+            <a:extLst>
+              <a:ext uri="{FF2B5EF4-FFF2-40B4-BE49-F238E27FC236}">
+                <a16:creationId xmlns:a16="http://schemas.microsoft.com/office/drawing/2014/main" id="{7161FCD7-6AD2-D0E2-139F-EFA42C6BA787}"/>
+              </a:ext>
+            </a:extLst>
+          </p:cNvPr>
+          <p:cNvSpPr txBox="1"/>
+          <p:nvPr/>
+        </p:nvSpPr>
+        <p:spPr>
+          <a:xfrm rot="16200000">
+            <a:off x="5922007" y="3581852"/>
+            <a:ext cx="1855893" cy="276999"/>
+          </a:xfrm>
+          <a:prstGeom prst="rect">
+            <a:avLst/>
+          </a:prstGeom>
+          <a:noFill/>
+        </p:spPr>
+        <p:txBody>
+          <a:bodyPr wrap="none" rtlCol="0">
+            <a:spAutoFit/>
+          </a:bodyPr>
+          <a:lstStyle/>
+          <a:p>
+            <a:r>
+              <a:rPr lang="en-US" sz="1200" b="1" dirty="0"/>
+              <a:t>Predicted total travel time</a:t>
+            </a:r>
+          </a:p>
+        </p:txBody>
+      </p:sp>
+      <p:sp>
+        <p:nvSpPr>
+          <p:cNvPr id="42" name="TextBox 41">
+            <a:extLst>
+              <a:ext uri="{FF2B5EF4-FFF2-40B4-BE49-F238E27FC236}">
+                <a16:creationId xmlns:a16="http://schemas.microsoft.com/office/drawing/2014/main" id="{82D5AE9F-B989-95DA-6265-CFCD51E70F8A}"/>
+              </a:ext>
+            </a:extLst>
+          </p:cNvPr>
+          <p:cNvSpPr txBox="1"/>
+          <p:nvPr/>
+        </p:nvSpPr>
+        <p:spPr>
+          <a:xfrm>
+            <a:off x="8693199" y="5492956"/>
+            <a:ext cx="763542" cy="461665"/>
+          </a:xfrm>
+          <a:prstGeom prst="rect">
+            <a:avLst/>
+          </a:prstGeom>
+          <a:noFill/>
+        </p:spPr>
+        <p:txBody>
+          <a:bodyPr wrap="none" rtlCol="0">
+            <a:spAutoFit/>
+          </a:bodyPr>
+          <a:lstStyle/>
+          <a:p>
+            <a:r>
+              <a:rPr lang="en-US" sz="1200" b="1" dirty="0"/>
+              <a:t>Situation</a:t>
+            </a:r>
+          </a:p>
+          <a:p>
+            <a:endParaRPr lang="en-US" sz="1200" b="1" dirty="0"/>
+          </a:p>
+        </p:txBody>
+      </p:sp>
+      <p:sp>
+        <p:nvSpPr>
+          <p:cNvPr id="43" name="TextBox 42">
+            <a:extLst>
+              <a:ext uri="{FF2B5EF4-FFF2-40B4-BE49-F238E27FC236}">
+                <a16:creationId xmlns:a16="http://schemas.microsoft.com/office/drawing/2014/main" id="{54FCD4F5-D03D-E5B9-E332-A7516D814C81}"/>
+              </a:ext>
+            </a:extLst>
+          </p:cNvPr>
+          <p:cNvSpPr txBox="1"/>
+          <p:nvPr/>
+        </p:nvSpPr>
+        <p:spPr>
+          <a:xfrm>
+            <a:off x="2913421" y="1589628"/>
+            <a:ext cx="1800236" cy="646331"/>
+          </a:xfrm>
+          <a:prstGeom prst="rect">
+            <a:avLst/>
+          </a:prstGeom>
+          <a:noFill/>
+        </p:spPr>
+        <p:txBody>
+          <a:bodyPr wrap="none" rtlCol="0">
+            <a:spAutoFit/>
+          </a:bodyPr>
+          <a:lstStyle/>
+          <a:p>
+            <a:r>
+              <a:rPr lang="en-US" sz="2400" b="1" dirty="0"/>
+              <a:t>Monte-Carlo</a:t>
+            </a:r>
+          </a:p>
+          <a:p>
+            <a:endParaRPr lang="en-US" sz="1200" b="1" dirty="0"/>
+          </a:p>
+        </p:txBody>
+      </p:sp>
+      <p:sp>
+        <p:nvSpPr>
+          <p:cNvPr id="44" name="TextBox 43">
+            <a:extLst>
+              <a:ext uri="{FF2B5EF4-FFF2-40B4-BE49-F238E27FC236}">
+                <a16:creationId xmlns:a16="http://schemas.microsoft.com/office/drawing/2014/main" id="{A0E54D84-F325-54CA-5C19-5F660ABDC5BD}"/>
+              </a:ext>
+            </a:extLst>
+          </p:cNvPr>
+          <p:cNvSpPr txBox="1"/>
+          <p:nvPr/>
+        </p:nvSpPr>
+        <p:spPr>
+          <a:xfrm>
+            <a:off x="7661361" y="1622506"/>
+            <a:ext cx="2769797" cy="461665"/>
+          </a:xfrm>
+          <a:prstGeom prst="rect">
+            <a:avLst/>
+          </a:prstGeom>
+          <a:noFill/>
+        </p:spPr>
+        <p:txBody>
+          <a:bodyPr wrap="none" rtlCol="0">
+            <a:spAutoFit/>
+          </a:bodyPr>
+          <a:lstStyle/>
+          <a:p>
+            <a:r>
+              <a:rPr lang="en-US" sz="2400" b="1" dirty="0"/>
+              <a:t>Temporal Difference</a:t>
+            </a:r>
+          </a:p>
+        </p:txBody>
+      </p:sp>
+    </p:spTree>
+    <p:extLst>
+      <p:ext uri="{BB962C8B-B14F-4D97-AF65-F5344CB8AC3E}">
+        <p14:creationId xmlns:p14="http://schemas.microsoft.com/office/powerpoint/2010/main" val="4229934998"/>
+      </p:ext>
+    </p:extLst>
+  </p:cSld>
+  <p:clrMapOvr>
+    <a:masterClrMapping/>
+  </p:clrMapOvr>
+</p:sld>
+</file>
+
+<file path=ppt/slides/slide12.xml><?xml version="1.0" encoding="utf-8"?>
+<p:sld xmlns:a="http://schemas.openxmlformats.org/drawingml/2006/main" xmlns:r="http://schemas.openxmlformats.org/officeDocument/2006/relationships" xmlns:p="http://schemas.openxmlformats.org/presentationml/2006/main">
+  <p:cSld>
+    <p:spTree>
+      <p:nvGrpSpPr>
+        <p:cNvPr id="1" name=""/>
+        <p:cNvGrpSpPr/>
+        <p:nvPr/>
+      </p:nvGrpSpPr>
+      <p:grpSpPr>
+        <a:xfrm>
+          <a:off x="0" y="0"/>
+          <a:ext cx="0" cy="0"/>
+          <a:chOff x="0" y="0"/>
+          <a:chExt cx="0" cy="0"/>
+        </a:xfrm>
+      </p:grpSpPr>
+      <p:sp>
+        <p:nvSpPr>
+          <p:cNvPr id="6" name="TextBox 5">
+            <a:extLst>
+              <a:ext uri="{FF2B5EF4-FFF2-40B4-BE49-F238E27FC236}">
+                <a16:creationId xmlns:a16="http://schemas.microsoft.com/office/drawing/2014/main" id="{933CA7EB-D821-4578-A186-D330E9178EDE}"/>
+              </a:ext>
+            </a:extLst>
+          </p:cNvPr>
+          <p:cNvSpPr txBox="1"/>
+          <p:nvPr/>
+        </p:nvSpPr>
+        <p:spPr>
+          <a:xfrm>
+            <a:off x="87923" y="28551"/>
+            <a:ext cx="3622432" cy="338554"/>
+          </a:xfrm>
+          <a:prstGeom prst="rect">
+            <a:avLst/>
+          </a:prstGeom>
+          <a:noFill/>
+        </p:spPr>
+        <p:txBody>
+          <a:bodyPr wrap="square" rtlCol="0">
+            <a:spAutoFit/>
+          </a:bodyPr>
+          <a:lstStyle/>
+          <a:p>
+            <a:r>
+              <a:rPr lang="en-PH" sz="1600">
+                <a:solidFill>
+                  <a:schemeClr val="bg1"/>
+                </a:solidFill>
+                <a:latin typeface="Abadi" panose="020B0604020104020204" pitchFamily="34" charset="0"/>
+                <a:cs typeface="Aharoni" panose="020B0604020202020204" pitchFamily="2" charset="-79"/>
+              </a:rPr>
+              <a:t>INTRODUCTION TO COMPUTING</a:t>
+            </a:r>
+          </a:p>
+        </p:txBody>
+      </p:sp>
+      <p:sp>
+        <p:nvSpPr>
+          <p:cNvPr id="7" name="TextBox 6">
+            <a:extLst>
+              <a:ext uri="{FF2B5EF4-FFF2-40B4-BE49-F238E27FC236}">
+                <a16:creationId xmlns:a16="http://schemas.microsoft.com/office/drawing/2014/main" id="{9B128FD4-EE77-4086-837E-5EAF83B0DDD1}"/>
+              </a:ext>
+            </a:extLst>
+          </p:cNvPr>
+          <p:cNvSpPr txBox="1"/>
+          <p:nvPr/>
+        </p:nvSpPr>
+        <p:spPr>
+          <a:xfrm>
+            <a:off x="9182099" y="13190"/>
+            <a:ext cx="2948354" cy="338554"/>
+          </a:xfrm>
+          <a:prstGeom prst="rect">
+            <a:avLst/>
+          </a:prstGeom>
+          <a:noFill/>
+        </p:spPr>
+        <p:txBody>
+          <a:bodyPr wrap="square" rtlCol="0">
+            <a:spAutoFit/>
+          </a:bodyPr>
+          <a:lstStyle/>
+          <a:p>
+            <a:pPr algn="r"/>
+            <a:r>
+              <a:rPr lang="en-US" sz="1600" dirty="0">
+                <a:solidFill>
+                  <a:schemeClr val="bg1"/>
+                </a:solidFill>
+              </a:rPr>
+              <a:t>Course Code: CCINCOM/L</a:t>
+            </a:r>
+            <a:endParaRPr lang="en-PH" sz="1600" dirty="0">
+              <a:solidFill>
+                <a:schemeClr val="bg1"/>
+              </a:solidFill>
+              <a:latin typeface="Abadi" panose="020B0604020202020204" pitchFamily="34" charset="0"/>
+            </a:endParaRPr>
+          </a:p>
+        </p:txBody>
+      </p:sp>
+      <p:sp>
+        <p:nvSpPr>
+          <p:cNvPr id="8" name="TextBox 7">
+            <a:extLst>
+              <a:ext uri="{FF2B5EF4-FFF2-40B4-BE49-F238E27FC236}">
+                <a16:creationId xmlns:a16="http://schemas.microsoft.com/office/drawing/2014/main" id="{B95C7AD6-4918-4294-AA88-B72FB28833FE}"/>
+              </a:ext>
+            </a:extLst>
+          </p:cNvPr>
+          <p:cNvSpPr txBox="1"/>
+          <p:nvPr/>
+        </p:nvSpPr>
+        <p:spPr>
+          <a:xfrm>
+            <a:off x="0" y="6479929"/>
+            <a:ext cx="2461846" cy="338554"/>
+          </a:xfrm>
+          <a:prstGeom prst="rect">
+            <a:avLst/>
+          </a:prstGeom>
+          <a:noFill/>
+        </p:spPr>
+        <p:txBody>
+          <a:bodyPr wrap="square" rtlCol="0">
+            <a:spAutoFit/>
+          </a:bodyPr>
+          <a:lstStyle/>
+          <a:p>
+            <a:pPr algn="ctr"/>
+            <a:r>
+              <a:rPr lang="en-PH" sz="1600">
+                <a:solidFill>
+                  <a:schemeClr val="bg1"/>
+                </a:solidFill>
+                <a:latin typeface="Abadi" panose="020B0604020202020204" pitchFamily="34" charset="0"/>
+              </a:rPr>
+              <a:t>Joseph Marvin R. Imperial</a:t>
+            </a:r>
+          </a:p>
+        </p:txBody>
+      </p:sp>
+      <p:sp>
+        <p:nvSpPr>
+          <p:cNvPr id="9" name="TextBox 8">
+            <a:extLst>
+              <a:ext uri="{FF2B5EF4-FFF2-40B4-BE49-F238E27FC236}">
+                <a16:creationId xmlns:a16="http://schemas.microsoft.com/office/drawing/2014/main" id="{C3136E3D-4CFD-4EFC-98AB-367D0EF3C06B}"/>
+              </a:ext>
+            </a:extLst>
+          </p:cNvPr>
+          <p:cNvSpPr txBox="1"/>
+          <p:nvPr/>
+        </p:nvSpPr>
+        <p:spPr>
+          <a:xfrm>
+            <a:off x="7086601" y="6490896"/>
+            <a:ext cx="5105399" cy="338554"/>
+          </a:xfrm>
+          <a:prstGeom prst="rect">
+            <a:avLst/>
+          </a:prstGeom>
+          <a:noFill/>
+        </p:spPr>
+        <p:txBody>
+          <a:bodyPr wrap="square" rtlCol="0">
+            <a:spAutoFit/>
+          </a:bodyPr>
+          <a:lstStyle/>
+          <a:p>
+            <a:pPr algn="r"/>
+            <a:r>
+              <a:rPr lang="en-PH" sz="1600">
+                <a:solidFill>
+                  <a:schemeClr val="bg1"/>
+                </a:solidFill>
+                <a:latin typeface="Abadi" panose="020B0604020202020204" pitchFamily="34" charset="0"/>
+              </a:rPr>
+              <a:t>NU College of Computing and Information Technologies</a:t>
+            </a:r>
+          </a:p>
+        </p:txBody>
+      </p:sp>
+      <p:sp>
+        <p:nvSpPr>
+          <p:cNvPr id="13" name="Rectangle 12">
+            <a:extLst>
+              <a:ext uri="{FF2B5EF4-FFF2-40B4-BE49-F238E27FC236}">
+                <a16:creationId xmlns:a16="http://schemas.microsoft.com/office/drawing/2014/main" id="{251B30DC-ACC5-404F-B51D-13612F115E3E}"/>
+              </a:ext>
+            </a:extLst>
+          </p:cNvPr>
+          <p:cNvSpPr/>
+          <p:nvPr/>
+        </p:nvSpPr>
+        <p:spPr>
+          <a:xfrm>
+            <a:off x="0" y="6462346"/>
+            <a:ext cx="12192000" cy="395654"/>
+          </a:xfrm>
+          <a:prstGeom prst="rect">
+            <a:avLst/>
+          </a:prstGeom>
+          <a:solidFill>
+            <a:schemeClr val="accent5">
+              <a:lumMod val="50000"/>
+            </a:schemeClr>
+          </a:solidFill>
+          <a:effectLst>
+            <a:outerShdw blurRad="50800" dist="38100" dir="2700000" algn="tl" rotWithShape="0">
+              <a:prstClr val="black">
+                <a:alpha val="40000"/>
+              </a:prstClr>
+            </a:outerShdw>
+          </a:effectLst>
+        </p:spPr>
+        <p:style>
+          <a:lnRef idx="2">
+            <a:schemeClr val="accent1">
+              <a:shade val="50000"/>
+            </a:schemeClr>
+          </a:lnRef>
+          <a:fillRef idx="1">
+            <a:schemeClr val="accent1"/>
+          </a:fillRef>
+          <a:effectRef idx="0">
+            <a:schemeClr val="accent1"/>
+          </a:effectRef>
+          <a:fontRef idx="minor">
+            <a:schemeClr val="lt1"/>
+          </a:fontRef>
+        </p:style>
+        <p:txBody>
+          <a:bodyPr rtlCol="0" anchor="ctr"/>
+          <a:lstStyle/>
+          <a:p>
+            <a:pPr algn="ctr"/>
+            <a:endParaRPr lang="en-PH"/>
+          </a:p>
+        </p:txBody>
+      </p:sp>
+      <p:sp>
+        <p:nvSpPr>
+          <p:cNvPr id="14" name="TextBox 13">
+            <a:extLst>
+              <a:ext uri="{FF2B5EF4-FFF2-40B4-BE49-F238E27FC236}">
+                <a16:creationId xmlns:a16="http://schemas.microsoft.com/office/drawing/2014/main" id="{ACC57CA2-30CA-4DDD-A941-8B9CC393DAFA}"/>
+              </a:ext>
+            </a:extLst>
+          </p:cNvPr>
+          <p:cNvSpPr txBox="1"/>
+          <p:nvPr/>
+        </p:nvSpPr>
+        <p:spPr>
+          <a:xfrm>
+            <a:off x="0" y="6490896"/>
+            <a:ext cx="3622432" cy="338554"/>
+          </a:xfrm>
+          <a:prstGeom prst="rect">
+            <a:avLst/>
+          </a:prstGeom>
+          <a:noFill/>
+        </p:spPr>
+        <p:txBody>
+          <a:bodyPr wrap="square" rtlCol="0">
+            <a:spAutoFit/>
+          </a:bodyPr>
+          <a:lstStyle/>
+          <a:p>
+            <a:r>
+              <a:rPr lang="en-PH" sz="1600">
+                <a:solidFill>
+                  <a:schemeClr val="bg1"/>
+                </a:solidFill>
+                <a:latin typeface="Abadi" panose="020B0604020104020204" pitchFamily="34" charset="0"/>
+                <a:cs typeface="Aharoni" panose="020B0604020202020204" pitchFamily="2" charset="-79"/>
+              </a:rPr>
+              <a:t>REINFORCEMENT LEARNING</a:t>
+            </a:r>
+          </a:p>
+        </p:txBody>
+      </p:sp>
+      <p:sp>
+        <p:nvSpPr>
+          <p:cNvPr id="15" name="TextBox 14">
+            <a:extLst>
+              <a:ext uri="{FF2B5EF4-FFF2-40B4-BE49-F238E27FC236}">
+                <a16:creationId xmlns:a16="http://schemas.microsoft.com/office/drawing/2014/main" id="{31237222-F604-49F1-8989-AF06AF20EDD3}"/>
+              </a:ext>
+            </a:extLst>
+          </p:cNvPr>
+          <p:cNvSpPr txBox="1"/>
+          <p:nvPr/>
+        </p:nvSpPr>
+        <p:spPr>
+          <a:xfrm>
+            <a:off x="9243646" y="6490896"/>
+            <a:ext cx="2948354" cy="338554"/>
+          </a:xfrm>
+          <a:prstGeom prst="rect">
+            <a:avLst/>
+          </a:prstGeom>
+          <a:noFill/>
+        </p:spPr>
+        <p:txBody>
+          <a:bodyPr wrap="square" rtlCol="0">
+            <a:spAutoFit/>
+          </a:bodyPr>
+          <a:lstStyle/>
+          <a:p>
+            <a:pPr algn="r"/>
+            <a:r>
+              <a:rPr lang="en-US" sz="1600">
+                <a:solidFill>
+                  <a:schemeClr val="bg1"/>
+                </a:solidFill>
+                <a:latin typeface="Abadi" panose="020B0604020104020204" pitchFamily="34" charset="0"/>
+              </a:rPr>
+              <a:t>Course Code: CCRNFLRL</a:t>
+            </a:r>
+            <a:endParaRPr lang="en-PH" sz="1600">
+              <a:solidFill>
+                <a:schemeClr val="bg1"/>
+              </a:solidFill>
+              <a:latin typeface="Abadi" panose="020B0604020104020204" pitchFamily="34" charset="0"/>
+            </a:endParaRPr>
+          </a:p>
+        </p:txBody>
+      </p:sp>
+      <p:sp>
+        <p:nvSpPr>
+          <p:cNvPr id="5" name="Title 4">
+            <a:extLst>
+              <a:ext uri="{FF2B5EF4-FFF2-40B4-BE49-F238E27FC236}">
+                <a16:creationId xmlns:a16="http://schemas.microsoft.com/office/drawing/2014/main" id="{EC47D021-EEC4-42AC-B4C3-BC584CB5BC9D}"/>
+              </a:ext>
+            </a:extLst>
+          </p:cNvPr>
+          <p:cNvSpPr>
+            <a:spLocks noGrp="1"/>
+          </p:cNvSpPr>
+          <p:nvPr>
+            <p:ph type="title"/>
+          </p:nvPr>
+        </p:nvSpPr>
+        <p:spPr>
+          <a:xfrm>
+            <a:off x="352425" y="292273"/>
+            <a:ext cx="11458574" cy="869778"/>
+          </a:xfrm>
+        </p:spPr>
+        <p:txBody>
+          <a:bodyPr/>
+          <a:lstStyle/>
+          <a:p>
+            <a:r>
+              <a:rPr lang="en-PH" b="1" dirty="0">
+                <a:latin typeface="+mn-lt"/>
+              </a:rPr>
+              <a:t>Advantages vs Disadvantages of MC vs TD</a:t>
             </a:r>
           </a:p>
         </p:txBody>
@@ -8038,8 +9950,8 @@
         </p:nvSpPr>
         <p:spPr>
           <a:xfrm>
-            <a:off x="574039" y="2235494"/>
-            <a:ext cx="11043922" cy="766397"/>
+            <a:off x="574039" y="1537756"/>
+            <a:ext cx="11043922" cy="1273490"/>
           </a:xfrm>
         </p:spPr>
         <p:txBody>
@@ -8054,7 +9966,7 @@
             </a:pPr>
             <a:r>
               <a:rPr lang="en-US" sz="2400" dirty="0"/>
-              <a:t>Recall that </a:t>
+              <a:t>TD can learn </a:t>
             </a:r>
             <a:r>
               <a:rPr lang="en-US" sz="2400" b="1" i="1" dirty="0">
@@ -8062,22 +9974,41 @@
                   <a:srgbClr val="0070C0"/>
                 </a:solidFill>
               </a:rPr>
-              <a:t>bias</a:t>
+              <a:t>before</a:t>
             </a:r>
             <a:r>
               <a:rPr lang="en-US" sz="2400" dirty="0"/>
-              <a:t> is the difference between the predicted value and the expected value</a:t>
-            </a:r>
-            <a:endParaRPr lang="en-US" dirty="0"/>
-          </a:p>
-        </p:txBody>
-      </p:sp>
-      <p:sp>
-        <p:nvSpPr>
-          <p:cNvPr id="11" name="Content Placeholder 9">
-            <a:extLst>
-              <a:ext uri="{FF2B5EF4-FFF2-40B4-BE49-F238E27FC236}">
-                <a16:creationId xmlns:a16="http://schemas.microsoft.com/office/drawing/2014/main" id="{E146F7A1-BE80-5BFB-F121-63986AFB8A2B}"/>
+              <a:t> knowing the final outcome</a:t>
+            </a:r>
+          </a:p>
+          <a:p>
+            <a:pPr lvl="1" algn="just">
+              <a:buFont typeface="Wingdings" panose="05000000000000000000" pitchFamily="2" charset="2"/>
+              <a:buChar char="§"/>
+            </a:pPr>
+            <a:r>
+              <a:rPr lang="en-US" dirty="0"/>
+              <a:t>TD can learn online after every step</a:t>
+            </a:r>
+          </a:p>
+          <a:p>
+            <a:pPr lvl="1" algn="just">
+              <a:buFont typeface="Wingdings" panose="05000000000000000000" pitchFamily="2" charset="2"/>
+              <a:buChar char="§"/>
+            </a:pPr>
+            <a:r>
+              <a:rPr lang="en-US" dirty="0"/>
+              <a:t>MC must wait until end of episode before return is known</a:t>
+            </a:r>
+          </a:p>
+        </p:txBody>
+      </p:sp>
+      <p:sp>
+        <p:nvSpPr>
+          <p:cNvPr id="3" name="Content Placeholder 9">
+            <a:extLst>
+              <a:ext uri="{FF2B5EF4-FFF2-40B4-BE49-F238E27FC236}">
+                <a16:creationId xmlns:a16="http://schemas.microsoft.com/office/drawing/2014/main" id="{04086562-7A84-8832-1194-A5D8068012EE}"/>
               </a:ext>
             </a:extLst>
           </p:cNvPr>
@@ -8088,8 +10019,8 @@
         </p:nvSpPr>
         <p:spPr>
           <a:xfrm>
-            <a:off x="574039" y="1483172"/>
-            <a:ext cx="11043922" cy="766397"/>
+            <a:off x="574039" y="3255803"/>
+            <a:ext cx="11043922" cy="2064441"/>
           </a:xfrm>
           <a:prstGeom prst="rect">
             <a:avLst/>
@@ -8270,7 +10201,7 @@
             </a:pPr>
             <a:r>
               <a:rPr lang="en-US" sz="2400" dirty="0"/>
-              <a:t>Recall that bias and variance are </a:t>
+              <a:t>TD can learn </a:t>
             </a:r>
             <a:r>
               <a:rPr lang="en-US" sz="2400" b="1" i="1" dirty="0">
@@ -8278,157 +10209,66 @@
                   <a:srgbClr val="0070C0"/>
                 </a:solidFill>
               </a:rPr>
-              <a:t>prediction errors</a:t>
+              <a:t>without</a:t>
             </a:r>
             <a:r>
               <a:rPr lang="en-US" sz="2400" dirty="0"/>
-              <a:t>.</a:t>
-            </a:r>
-            <a:endParaRPr lang="en-US" dirty="0"/>
-          </a:p>
-        </p:txBody>
-      </p:sp>
-      <p:pic>
-        <p:nvPicPr>
-          <p:cNvPr id="16" name="Picture 15" descr="A diagram of a model&#10;&#10;Description automatically generated with low confidence">
-            <a:extLst>
-              <a:ext uri="{FF2B5EF4-FFF2-40B4-BE49-F238E27FC236}">
-                <a16:creationId xmlns:a16="http://schemas.microsoft.com/office/drawing/2014/main" id="{26EA4752-A10D-20A8-F555-08D828396C72}"/>
-              </a:ext>
-            </a:extLst>
-          </p:cNvPr>
-          <p:cNvPicPr>
-            <a:picLocks noChangeAspect="1"/>
-          </p:cNvPicPr>
-          <p:nvPr/>
-        </p:nvPicPr>
-        <p:blipFill>
-          <a:blip r:embed="rId2">
-            <a:extLst>
-              <a:ext uri="{28A0092B-C50C-407E-A947-70E740481C1C}">
-                <a14:useLocalDpi xmlns:a14="http://schemas.microsoft.com/office/drawing/2010/main" val="0"/>
-              </a:ext>
-            </a:extLst>
-          </a:blip>
-          <a:stretch>
-            <a:fillRect/>
-          </a:stretch>
-        </p:blipFill>
-        <p:spPr>
-          <a:xfrm>
-            <a:off x="4876799" y="2839622"/>
-            <a:ext cx="2409825" cy="2190750"/>
-          </a:xfrm>
-          <a:prstGeom prst="rect">
-            <a:avLst/>
-          </a:prstGeom>
-        </p:spPr>
-      </p:pic>
-      <p:sp>
-        <p:nvSpPr>
-          <p:cNvPr id="18" name="TextBox 17">
-            <a:extLst>
-              <a:ext uri="{FF2B5EF4-FFF2-40B4-BE49-F238E27FC236}">
-                <a16:creationId xmlns:a16="http://schemas.microsoft.com/office/drawing/2014/main" id="{25ABD85A-9BEB-FF69-C5A8-EB16DA7EE78B}"/>
-              </a:ext>
-            </a:extLst>
-          </p:cNvPr>
-          <p:cNvSpPr txBox="1"/>
-          <p:nvPr/>
-        </p:nvSpPr>
-        <p:spPr>
-          <a:xfrm>
-            <a:off x="574040" y="5251901"/>
-            <a:ext cx="7013663" cy="830997"/>
-          </a:xfrm>
-          <a:prstGeom prst="rect">
-            <a:avLst/>
-          </a:prstGeom>
-          <a:noFill/>
-        </p:spPr>
-        <p:txBody>
-          <a:bodyPr wrap="square">
-            <a:spAutoFit/>
-          </a:bodyPr>
-          <a:lstStyle/>
-          <a:p>
-            <a:pPr marL="342900" indent="-342900" algn="just">
+              <a:t> the final outcome</a:t>
+            </a:r>
+          </a:p>
+          <a:p>
+            <a:pPr lvl="1" algn="just">
               <a:buFont typeface="Wingdings" panose="05000000000000000000" pitchFamily="2" charset="2"/>
               <a:buChar char="§"/>
             </a:pPr>
             <a:r>
-              <a:rPr lang="en-US" sz="2400" b="0" i="0" dirty="0">
-                <a:solidFill>
-                  <a:srgbClr val="000000"/>
-                </a:solidFill>
-                <a:effectLst/>
-                <a:latin typeface="Calibri (Body)"/>
-              </a:rPr>
-              <a:t>A </a:t>
-            </a:r>
-            <a:r>
-              <a:rPr lang="en-US" sz="2400" b="1" i="1" dirty="0">
-                <a:solidFill>
-                  <a:srgbClr val="0070C0"/>
-                </a:solidFill>
-                <a:effectLst/>
-                <a:latin typeface="Calibri (Body)"/>
-              </a:rPr>
-              <a:t>low bias </a:t>
-            </a:r>
-            <a:r>
-              <a:rPr lang="en-US" sz="2400" b="0" i="0" dirty="0">
-                <a:solidFill>
-                  <a:srgbClr val="000000"/>
-                </a:solidFill>
-                <a:effectLst/>
-                <a:latin typeface="Calibri (Body)"/>
-              </a:rPr>
-              <a:t>model will make fewer assumptions.</a:t>
-            </a:r>
-          </a:p>
-          <a:p>
-            <a:pPr marL="342900" indent="-342900" algn="just">
+              <a:rPr lang="en-US" dirty="0"/>
+              <a:t>TD can learn from incomplete sequences</a:t>
+            </a:r>
+          </a:p>
+          <a:p>
+            <a:pPr lvl="1" algn="just">
               <a:buFont typeface="Wingdings" panose="05000000000000000000" pitchFamily="2" charset="2"/>
               <a:buChar char="§"/>
             </a:pPr>
             <a:r>
-              <a:rPr lang="en-US" sz="2400" b="0" i="0" dirty="0">
-                <a:solidFill>
-                  <a:srgbClr val="000000"/>
-                </a:solidFill>
-                <a:effectLst/>
-                <a:latin typeface="Calibri (Body)"/>
-              </a:rPr>
-              <a:t>A model with a </a:t>
-            </a:r>
-            <a:r>
-              <a:rPr lang="en-US" sz="2400" b="1" i="1" dirty="0">
-                <a:solidFill>
-                  <a:srgbClr val="0070C0"/>
-                </a:solidFill>
-                <a:effectLst/>
-                <a:latin typeface="Calibri (Body)"/>
-              </a:rPr>
-              <a:t>high bias </a:t>
-            </a:r>
-            <a:r>
-              <a:rPr lang="en-US" sz="2400" b="0" i="0" dirty="0">
-                <a:solidFill>
-                  <a:srgbClr val="000000"/>
-                </a:solidFill>
-                <a:effectLst/>
-                <a:latin typeface="Calibri (Body)"/>
-              </a:rPr>
-              <a:t>makes more assumptions. </a:t>
-            </a:r>
+              <a:rPr lang="en-US" dirty="0"/>
+              <a:t>MC can only learn from complete sequences</a:t>
+            </a:r>
+          </a:p>
+          <a:p>
+            <a:pPr lvl="1" algn="just">
+              <a:buFont typeface="Wingdings" panose="05000000000000000000" pitchFamily="2" charset="2"/>
+              <a:buChar char="§"/>
+            </a:pPr>
+            <a:r>
+              <a:rPr lang="en-US" dirty="0"/>
+              <a:t>TD works in continuing (non-terminating) environments</a:t>
+            </a:r>
+          </a:p>
+          <a:p>
+            <a:pPr lvl="1" algn="just">
+              <a:buFont typeface="Wingdings" panose="05000000000000000000" pitchFamily="2" charset="2"/>
+              <a:buChar char="§"/>
+            </a:pPr>
+            <a:r>
+              <a:rPr lang="en-US" dirty="0"/>
+              <a:t>MC only works for episodic (terminating) environments</a:t>
+            </a:r>
+          </a:p>
+          <a:p>
+            <a:pPr lvl="1" algn="just">
+              <a:buFont typeface="Wingdings" panose="05000000000000000000" pitchFamily="2" charset="2"/>
+              <a:buChar char="§"/>
+            </a:pPr>
+            <a:endParaRPr lang="en-US" dirty="0"/>
           </a:p>
         </p:txBody>
       </p:sp>
     </p:spTree>
     <p:extLst>
       <p:ext uri="{BB962C8B-B14F-4D97-AF65-F5344CB8AC3E}">
-        <p14:creationId xmlns:p14="http://schemas.microsoft.com/office/powerpoint/2010/main" val="1166358074"/>
+        <p14:creationId xmlns:p14="http://schemas.microsoft.com/office/powerpoint/2010/main" val="1969793757"/>
       </p:ext>
     </p:extLst>
   </p:cSld>
@@ -8438,7 +10278,7 @@
 </p:sld>
 </file>
 
-<file path=ppt/slides/slide11.xml><?xml version="1.0" encoding="utf-8"?>
+<file path=ppt/slides/slide13.xml><?xml version="1.0" encoding="utf-8"?>
 <p:sld xmlns:a="http://schemas.openxmlformats.org/drawingml/2006/main" xmlns:r="http://schemas.openxmlformats.org/officeDocument/2006/relationships" xmlns:p="http://schemas.openxmlformats.org/presentationml/2006/main">
   <p:cSld>
     <p:spTree>
@@ -8807,10 +10647,62 @@
       </p:sp>
       <p:sp>
         <p:nvSpPr>
-          <p:cNvPr id="12" name="Content Placeholder 9">
-            <a:extLst>
-              <a:ext uri="{FF2B5EF4-FFF2-40B4-BE49-F238E27FC236}">
-                <a16:creationId xmlns:a16="http://schemas.microsoft.com/office/drawing/2014/main" id="{8D17FD6B-B592-0B6B-7DF4-22394AFBDCCA}"/>
+          <p:cNvPr id="10" name="Content Placeholder 9">
+            <a:extLst>
+              <a:ext uri="{FF2B5EF4-FFF2-40B4-BE49-F238E27FC236}">
+                <a16:creationId xmlns:a16="http://schemas.microsoft.com/office/drawing/2014/main" id="{D5BBEC35-40CA-42D4-BC38-E13B39A6DA8E}"/>
+              </a:ext>
+            </a:extLst>
+          </p:cNvPr>
+          <p:cNvSpPr>
+            <a:spLocks noGrp="1"/>
+          </p:cNvSpPr>
+          <p:nvPr>
+            <p:ph idx="1"/>
+          </p:nvPr>
+        </p:nvSpPr>
+        <p:spPr>
+          <a:xfrm>
+            <a:off x="574039" y="2235494"/>
+            <a:ext cx="11043922" cy="766397"/>
+          </a:xfrm>
+        </p:spPr>
+        <p:txBody>
+          <a:bodyPr>
+            <a:normAutofit/>
+          </a:bodyPr>
+          <a:lstStyle/>
+          <a:p>
+            <a:pPr algn="just">
+              <a:buFont typeface="Wingdings" panose="05000000000000000000" pitchFamily="2" charset="2"/>
+              <a:buChar char="§"/>
+            </a:pPr>
+            <a:r>
+              <a:rPr lang="en-US" sz="2400" dirty="0"/>
+              <a:t>Recall that </a:t>
+            </a:r>
+            <a:r>
+              <a:rPr lang="en-US" sz="2400" b="1" i="1" dirty="0">
+                <a:solidFill>
+                  <a:srgbClr val="0070C0"/>
+                </a:solidFill>
+              </a:rPr>
+              <a:t>bias</a:t>
+            </a:r>
+            <a:r>
+              <a:rPr lang="en-US" sz="2400" dirty="0"/>
+              <a:t> is the difference between the predicted value and the expected value</a:t>
+            </a:r>
+            <a:endParaRPr lang="en-US" dirty="0"/>
+          </a:p>
+        </p:txBody>
+      </p:sp>
+      <p:sp>
+        <p:nvSpPr>
+          <p:cNvPr id="11" name="Content Placeholder 9">
+            <a:extLst>
+              <a:ext uri="{FF2B5EF4-FFF2-40B4-BE49-F238E27FC236}">
+                <a16:creationId xmlns:a16="http://schemas.microsoft.com/office/drawing/2014/main" id="{E146F7A1-BE80-5BFB-F121-63986AFB8A2B}"/>
               </a:ext>
             </a:extLst>
           </p:cNvPr>
@@ -8821,8 +10713,8 @@
         </p:nvSpPr>
         <p:spPr>
           <a:xfrm>
-            <a:off x="574039" y="1473483"/>
-            <a:ext cx="11043922" cy="878554"/>
+            <a:off x="574039" y="1483172"/>
+            <a:ext cx="11043922" cy="766397"/>
           </a:xfrm>
           <a:prstGeom prst="rect">
             <a:avLst/>
@@ -9002,6 +10894,739 @@
               <a:buChar char="§"/>
             </a:pPr>
             <a:r>
+              <a:rPr lang="en-US" sz="2400" dirty="0"/>
+              <a:t>Recall that bias and variance are </a:t>
+            </a:r>
+            <a:r>
+              <a:rPr lang="en-US" sz="2400" b="1" i="1" dirty="0">
+                <a:solidFill>
+                  <a:srgbClr val="0070C0"/>
+                </a:solidFill>
+              </a:rPr>
+              <a:t>prediction errors</a:t>
+            </a:r>
+            <a:r>
+              <a:rPr lang="en-US" sz="2400" dirty="0"/>
+              <a:t>.</a:t>
+            </a:r>
+            <a:endParaRPr lang="en-US" dirty="0"/>
+          </a:p>
+        </p:txBody>
+      </p:sp>
+      <p:pic>
+        <p:nvPicPr>
+          <p:cNvPr id="16" name="Picture 15" descr="A diagram of a model&#10;&#10;Description automatically generated with low confidence">
+            <a:extLst>
+              <a:ext uri="{FF2B5EF4-FFF2-40B4-BE49-F238E27FC236}">
+                <a16:creationId xmlns:a16="http://schemas.microsoft.com/office/drawing/2014/main" id="{26EA4752-A10D-20A8-F555-08D828396C72}"/>
+              </a:ext>
+            </a:extLst>
+          </p:cNvPr>
+          <p:cNvPicPr>
+            <a:picLocks noChangeAspect="1"/>
+          </p:cNvPicPr>
+          <p:nvPr/>
+        </p:nvPicPr>
+        <p:blipFill>
+          <a:blip r:embed="rId2">
+            <a:extLst>
+              <a:ext uri="{28A0092B-C50C-407E-A947-70E740481C1C}">
+                <a14:useLocalDpi xmlns:a14="http://schemas.microsoft.com/office/drawing/2010/main" val="0"/>
+              </a:ext>
+            </a:extLst>
+          </a:blip>
+          <a:stretch>
+            <a:fillRect/>
+          </a:stretch>
+        </p:blipFill>
+        <p:spPr>
+          <a:xfrm>
+            <a:off x="4876799" y="2839622"/>
+            <a:ext cx="2409825" cy="2190750"/>
+          </a:xfrm>
+          <a:prstGeom prst="rect">
+            <a:avLst/>
+          </a:prstGeom>
+        </p:spPr>
+      </p:pic>
+      <p:sp>
+        <p:nvSpPr>
+          <p:cNvPr id="18" name="TextBox 17">
+            <a:extLst>
+              <a:ext uri="{FF2B5EF4-FFF2-40B4-BE49-F238E27FC236}">
+                <a16:creationId xmlns:a16="http://schemas.microsoft.com/office/drawing/2014/main" id="{25ABD85A-9BEB-FF69-C5A8-EB16DA7EE78B}"/>
+              </a:ext>
+            </a:extLst>
+          </p:cNvPr>
+          <p:cNvSpPr txBox="1"/>
+          <p:nvPr/>
+        </p:nvSpPr>
+        <p:spPr>
+          <a:xfrm>
+            <a:off x="574040" y="5251901"/>
+            <a:ext cx="7013663" cy="830997"/>
+          </a:xfrm>
+          <a:prstGeom prst="rect">
+            <a:avLst/>
+          </a:prstGeom>
+          <a:noFill/>
+        </p:spPr>
+        <p:txBody>
+          <a:bodyPr wrap="square">
+            <a:spAutoFit/>
+          </a:bodyPr>
+          <a:lstStyle/>
+          <a:p>
+            <a:pPr marL="342900" indent="-342900" algn="just">
+              <a:buFont typeface="Wingdings" panose="05000000000000000000" pitchFamily="2" charset="2"/>
+              <a:buChar char="§"/>
+            </a:pPr>
+            <a:r>
+              <a:rPr lang="en-US" sz="2400" b="0" i="0" dirty="0">
+                <a:solidFill>
+                  <a:srgbClr val="000000"/>
+                </a:solidFill>
+                <a:effectLst/>
+                <a:latin typeface="Calibri (Body)"/>
+              </a:rPr>
+              <a:t>A </a:t>
+            </a:r>
+            <a:r>
+              <a:rPr lang="en-US" sz="2400" b="1" i="1" dirty="0">
+                <a:solidFill>
+                  <a:srgbClr val="0070C0"/>
+                </a:solidFill>
+                <a:effectLst/>
+                <a:latin typeface="Calibri (Body)"/>
+              </a:rPr>
+              <a:t>low bias </a:t>
+            </a:r>
+            <a:r>
+              <a:rPr lang="en-US" sz="2400" b="0" i="0" dirty="0">
+                <a:solidFill>
+                  <a:srgbClr val="000000"/>
+                </a:solidFill>
+                <a:effectLst/>
+                <a:latin typeface="Calibri (Body)"/>
+              </a:rPr>
+              <a:t>model will make fewer assumptions.</a:t>
+            </a:r>
+          </a:p>
+          <a:p>
+            <a:pPr marL="342900" indent="-342900" algn="just">
+              <a:buFont typeface="Wingdings" panose="05000000000000000000" pitchFamily="2" charset="2"/>
+              <a:buChar char="§"/>
+            </a:pPr>
+            <a:r>
+              <a:rPr lang="en-US" sz="2400" b="0" i="0" dirty="0">
+                <a:solidFill>
+                  <a:srgbClr val="000000"/>
+                </a:solidFill>
+                <a:effectLst/>
+                <a:latin typeface="Calibri (Body)"/>
+              </a:rPr>
+              <a:t>A model with a </a:t>
+            </a:r>
+            <a:r>
+              <a:rPr lang="en-US" sz="2400" b="1" i="1" dirty="0">
+                <a:solidFill>
+                  <a:srgbClr val="0070C0"/>
+                </a:solidFill>
+                <a:effectLst/>
+                <a:latin typeface="Calibri (Body)"/>
+              </a:rPr>
+              <a:t>high bias </a:t>
+            </a:r>
+            <a:r>
+              <a:rPr lang="en-US" sz="2400" b="0" i="0" dirty="0">
+                <a:solidFill>
+                  <a:srgbClr val="000000"/>
+                </a:solidFill>
+                <a:effectLst/>
+                <a:latin typeface="Calibri (Body)"/>
+              </a:rPr>
+              <a:t>makes more assumptions. </a:t>
+            </a:r>
+          </a:p>
+        </p:txBody>
+      </p:sp>
+    </p:spTree>
+    <p:extLst>
+      <p:ext uri="{BB962C8B-B14F-4D97-AF65-F5344CB8AC3E}">
+        <p14:creationId xmlns:p14="http://schemas.microsoft.com/office/powerpoint/2010/main" val="1166358074"/>
+      </p:ext>
+    </p:extLst>
+  </p:cSld>
+  <p:clrMapOvr>
+    <a:masterClrMapping/>
+  </p:clrMapOvr>
+</p:sld>
+</file>
+
+<file path=ppt/slides/slide14.xml><?xml version="1.0" encoding="utf-8"?>
+<p:sld xmlns:a="http://schemas.openxmlformats.org/drawingml/2006/main" xmlns:r="http://schemas.openxmlformats.org/officeDocument/2006/relationships" xmlns:p="http://schemas.openxmlformats.org/presentationml/2006/main">
+  <p:cSld>
+    <p:spTree>
+      <p:nvGrpSpPr>
+        <p:cNvPr id="1" name=""/>
+        <p:cNvGrpSpPr/>
+        <p:nvPr/>
+      </p:nvGrpSpPr>
+      <p:grpSpPr>
+        <a:xfrm>
+          <a:off x="0" y="0"/>
+          <a:ext cx="0" cy="0"/>
+          <a:chOff x="0" y="0"/>
+          <a:chExt cx="0" cy="0"/>
+        </a:xfrm>
+      </p:grpSpPr>
+      <p:sp>
+        <p:nvSpPr>
+          <p:cNvPr id="6" name="TextBox 5">
+            <a:extLst>
+              <a:ext uri="{FF2B5EF4-FFF2-40B4-BE49-F238E27FC236}">
+                <a16:creationId xmlns:a16="http://schemas.microsoft.com/office/drawing/2014/main" id="{933CA7EB-D821-4578-A186-D330E9178EDE}"/>
+              </a:ext>
+            </a:extLst>
+          </p:cNvPr>
+          <p:cNvSpPr txBox="1"/>
+          <p:nvPr/>
+        </p:nvSpPr>
+        <p:spPr>
+          <a:xfrm>
+            <a:off x="87923" y="28551"/>
+            <a:ext cx="3622432" cy="338554"/>
+          </a:xfrm>
+          <a:prstGeom prst="rect">
+            <a:avLst/>
+          </a:prstGeom>
+          <a:noFill/>
+        </p:spPr>
+        <p:txBody>
+          <a:bodyPr wrap="square" rtlCol="0">
+            <a:spAutoFit/>
+          </a:bodyPr>
+          <a:lstStyle/>
+          <a:p>
+            <a:r>
+              <a:rPr lang="en-PH" sz="1600">
+                <a:solidFill>
+                  <a:schemeClr val="bg1"/>
+                </a:solidFill>
+                <a:latin typeface="Abadi" panose="020B0604020104020204" pitchFamily="34" charset="0"/>
+                <a:cs typeface="Aharoni" panose="020B0604020202020204" pitchFamily="2" charset="-79"/>
+              </a:rPr>
+              <a:t>INTRODUCTION TO COMPUTING</a:t>
+            </a:r>
+          </a:p>
+        </p:txBody>
+      </p:sp>
+      <p:sp>
+        <p:nvSpPr>
+          <p:cNvPr id="7" name="TextBox 6">
+            <a:extLst>
+              <a:ext uri="{FF2B5EF4-FFF2-40B4-BE49-F238E27FC236}">
+                <a16:creationId xmlns:a16="http://schemas.microsoft.com/office/drawing/2014/main" id="{9B128FD4-EE77-4086-837E-5EAF83B0DDD1}"/>
+              </a:ext>
+            </a:extLst>
+          </p:cNvPr>
+          <p:cNvSpPr txBox="1"/>
+          <p:nvPr/>
+        </p:nvSpPr>
+        <p:spPr>
+          <a:xfrm>
+            <a:off x="9182099" y="13190"/>
+            <a:ext cx="2948354" cy="338554"/>
+          </a:xfrm>
+          <a:prstGeom prst="rect">
+            <a:avLst/>
+          </a:prstGeom>
+          <a:noFill/>
+        </p:spPr>
+        <p:txBody>
+          <a:bodyPr wrap="square" rtlCol="0">
+            <a:spAutoFit/>
+          </a:bodyPr>
+          <a:lstStyle/>
+          <a:p>
+            <a:pPr algn="r"/>
+            <a:r>
+              <a:rPr lang="en-US" sz="1600" dirty="0">
+                <a:solidFill>
+                  <a:schemeClr val="bg1"/>
+                </a:solidFill>
+              </a:rPr>
+              <a:t>Course Code: CCINCOM/L</a:t>
+            </a:r>
+            <a:endParaRPr lang="en-PH" sz="1600" dirty="0">
+              <a:solidFill>
+                <a:schemeClr val="bg1"/>
+              </a:solidFill>
+              <a:latin typeface="Abadi" panose="020B0604020202020204" pitchFamily="34" charset="0"/>
+            </a:endParaRPr>
+          </a:p>
+        </p:txBody>
+      </p:sp>
+      <p:sp>
+        <p:nvSpPr>
+          <p:cNvPr id="8" name="TextBox 7">
+            <a:extLst>
+              <a:ext uri="{FF2B5EF4-FFF2-40B4-BE49-F238E27FC236}">
+                <a16:creationId xmlns:a16="http://schemas.microsoft.com/office/drawing/2014/main" id="{B95C7AD6-4918-4294-AA88-B72FB28833FE}"/>
+              </a:ext>
+            </a:extLst>
+          </p:cNvPr>
+          <p:cNvSpPr txBox="1"/>
+          <p:nvPr/>
+        </p:nvSpPr>
+        <p:spPr>
+          <a:xfrm>
+            <a:off x="0" y="6479929"/>
+            <a:ext cx="2461846" cy="338554"/>
+          </a:xfrm>
+          <a:prstGeom prst="rect">
+            <a:avLst/>
+          </a:prstGeom>
+          <a:noFill/>
+        </p:spPr>
+        <p:txBody>
+          <a:bodyPr wrap="square" rtlCol="0">
+            <a:spAutoFit/>
+          </a:bodyPr>
+          <a:lstStyle/>
+          <a:p>
+            <a:pPr algn="ctr"/>
+            <a:r>
+              <a:rPr lang="en-PH" sz="1600">
+                <a:solidFill>
+                  <a:schemeClr val="bg1"/>
+                </a:solidFill>
+                <a:latin typeface="Abadi" panose="020B0604020202020204" pitchFamily="34" charset="0"/>
+              </a:rPr>
+              <a:t>Joseph Marvin R. Imperial</a:t>
+            </a:r>
+          </a:p>
+        </p:txBody>
+      </p:sp>
+      <p:sp>
+        <p:nvSpPr>
+          <p:cNvPr id="9" name="TextBox 8">
+            <a:extLst>
+              <a:ext uri="{FF2B5EF4-FFF2-40B4-BE49-F238E27FC236}">
+                <a16:creationId xmlns:a16="http://schemas.microsoft.com/office/drawing/2014/main" id="{C3136E3D-4CFD-4EFC-98AB-367D0EF3C06B}"/>
+              </a:ext>
+            </a:extLst>
+          </p:cNvPr>
+          <p:cNvSpPr txBox="1"/>
+          <p:nvPr/>
+        </p:nvSpPr>
+        <p:spPr>
+          <a:xfrm>
+            <a:off x="7086601" y="6490896"/>
+            <a:ext cx="5105399" cy="338554"/>
+          </a:xfrm>
+          <a:prstGeom prst="rect">
+            <a:avLst/>
+          </a:prstGeom>
+          <a:noFill/>
+        </p:spPr>
+        <p:txBody>
+          <a:bodyPr wrap="square" rtlCol="0">
+            <a:spAutoFit/>
+          </a:bodyPr>
+          <a:lstStyle/>
+          <a:p>
+            <a:pPr algn="r"/>
+            <a:r>
+              <a:rPr lang="en-PH" sz="1600">
+                <a:solidFill>
+                  <a:schemeClr val="bg1"/>
+                </a:solidFill>
+                <a:latin typeface="Abadi" panose="020B0604020202020204" pitchFamily="34" charset="0"/>
+              </a:rPr>
+              <a:t>NU College of Computing and Information Technologies</a:t>
+            </a:r>
+          </a:p>
+        </p:txBody>
+      </p:sp>
+      <p:sp>
+        <p:nvSpPr>
+          <p:cNvPr id="13" name="Rectangle 12">
+            <a:extLst>
+              <a:ext uri="{FF2B5EF4-FFF2-40B4-BE49-F238E27FC236}">
+                <a16:creationId xmlns:a16="http://schemas.microsoft.com/office/drawing/2014/main" id="{251B30DC-ACC5-404F-B51D-13612F115E3E}"/>
+              </a:ext>
+            </a:extLst>
+          </p:cNvPr>
+          <p:cNvSpPr/>
+          <p:nvPr/>
+        </p:nvSpPr>
+        <p:spPr>
+          <a:xfrm>
+            <a:off x="0" y="6462346"/>
+            <a:ext cx="12192000" cy="395654"/>
+          </a:xfrm>
+          <a:prstGeom prst="rect">
+            <a:avLst/>
+          </a:prstGeom>
+          <a:solidFill>
+            <a:schemeClr val="accent5">
+              <a:lumMod val="50000"/>
+            </a:schemeClr>
+          </a:solidFill>
+          <a:effectLst>
+            <a:outerShdw blurRad="50800" dist="38100" dir="2700000" algn="tl" rotWithShape="0">
+              <a:prstClr val="black">
+                <a:alpha val="40000"/>
+              </a:prstClr>
+            </a:outerShdw>
+          </a:effectLst>
+        </p:spPr>
+        <p:style>
+          <a:lnRef idx="2">
+            <a:schemeClr val="accent1">
+              <a:shade val="50000"/>
+            </a:schemeClr>
+          </a:lnRef>
+          <a:fillRef idx="1">
+            <a:schemeClr val="accent1"/>
+          </a:fillRef>
+          <a:effectRef idx="0">
+            <a:schemeClr val="accent1"/>
+          </a:effectRef>
+          <a:fontRef idx="minor">
+            <a:schemeClr val="lt1"/>
+          </a:fontRef>
+        </p:style>
+        <p:txBody>
+          <a:bodyPr rtlCol="0" anchor="ctr"/>
+          <a:lstStyle/>
+          <a:p>
+            <a:pPr algn="ctr"/>
+            <a:endParaRPr lang="en-PH"/>
+          </a:p>
+        </p:txBody>
+      </p:sp>
+      <p:sp>
+        <p:nvSpPr>
+          <p:cNvPr id="14" name="TextBox 13">
+            <a:extLst>
+              <a:ext uri="{FF2B5EF4-FFF2-40B4-BE49-F238E27FC236}">
+                <a16:creationId xmlns:a16="http://schemas.microsoft.com/office/drawing/2014/main" id="{ACC57CA2-30CA-4DDD-A941-8B9CC393DAFA}"/>
+              </a:ext>
+            </a:extLst>
+          </p:cNvPr>
+          <p:cNvSpPr txBox="1"/>
+          <p:nvPr/>
+        </p:nvSpPr>
+        <p:spPr>
+          <a:xfrm>
+            <a:off x="0" y="6490896"/>
+            <a:ext cx="3622432" cy="338554"/>
+          </a:xfrm>
+          <a:prstGeom prst="rect">
+            <a:avLst/>
+          </a:prstGeom>
+          <a:noFill/>
+        </p:spPr>
+        <p:txBody>
+          <a:bodyPr wrap="square" rtlCol="0">
+            <a:spAutoFit/>
+          </a:bodyPr>
+          <a:lstStyle/>
+          <a:p>
+            <a:r>
+              <a:rPr lang="en-PH" sz="1600">
+                <a:solidFill>
+                  <a:schemeClr val="bg1"/>
+                </a:solidFill>
+                <a:latin typeface="Abadi" panose="020B0604020104020204" pitchFamily="34" charset="0"/>
+                <a:cs typeface="Aharoni" panose="020B0604020202020204" pitchFamily="2" charset="-79"/>
+              </a:rPr>
+              <a:t>REINFORCEMENT LEARNING</a:t>
+            </a:r>
+          </a:p>
+        </p:txBody>
+      </p:sp>
+      <p:sp>
+        <p:nvSpPr>
+          <p:cNvPr id="15" name="TextBox 14">
+            <a:extLst>
+              <a:ext uri="{FF2B5EF4-FFF2-40B4-BE49-F238E27FC236}">
+                <a16:creationId xmlns:a16="http://schemas.microsoft.com/office/drawing/2014/main" id="{31237222-F604-49F1-8989-AF06AF20EDD3}"/>
+              </a:ext>
+            </a:extLst>
+          </p:cNvPr>
+          <p:cNvSpPr txBox="1"/>
+          <p:nvPr/>
+        </p:nvSpPr>
+        <p:spPr>
+          <a:xfrm>
+            <a:off x="9243646" y="6490896"/>
+            <a:ext cx="2948354" cy="338554"/>
+          </a:xfrm>
+          <a:prstGeom prst="rect">
+            <a:avLst/>
+          </a:prstGeom>
+          <a:noFill/>
+        </p:spPr>
+        <p:txBody>
+          <a:bodyPr wrap="square" rtlCol="0">
+            <a:spAutoFit/>
+          </a:bodyPr>
+          <a:lstStyle/>
+          <a:p>
+            <a:pPr algn="r"/>
+            <a:r>
+              <a:rPr lang="en-US" sz="1600">
+                <a:solidFill>
+                  <a:schemeClr val="bg1"/>
+                </a:solidFill>
+                <a:latin typeface="Abadi" panose="020B0604020104020204" pitchFamily="34" charset="0"/>
+              </a:rPr>
+              <a:t>Course Code: CCRNFLRL</a:t>
+            </a:r>
+            <a:endParaRPr lang="en-PH" sz="1600">
+              <a:solidFill>
+                <a:schemeClr val="bg1"/>
+              </a:solidFill>
+              <a:latin typeface="Abadi" panose="020B0604020104020204" pitchFamily="34" charset="0"/>
+            </a:endParaRPr>
+          </a:p>
+        </p:txBody>
+      </p:sp>
+      <p:sp>
+        <p:nvSpPr>
+          <p:cNvPr id="5" name="Title 4">
+            <a:extLst>
+              <a:ext uri="{FF2B5EF4-FFF2-40B4-BE49-F238E27FC236}">
+                <a16:creationId xmlns:a16="http://schemas.microsoft.com/office/drawing/2014/main" id="{EC47D021-EEC4-42AC-B4C3-BC584CB5BC9D}"/>
+              </a:ext>
+            </a:extLst>
+          </p:cNvPr>
+          <p:cNvSpPr>
+            <a:spLocks noGrp="1"/>
+          </p:cNvSpPr>
+          <p:nvPr>
+            <p:ph type="title"/>
+          </p:nvPr>
+        </p:nvSpPr>
+        <p:spPr>
+          <a:xfrm>
+            <a:off x="352425" y="292273"/>
+            <a:ext cx="11458574" cy="869778"/>
+          </a:xfrm>
+        </p:spPr>
+        <p:txBody>
+          <a:bodyPr/>
+          <a:lstStyle/>
+          <a:p>
+            <a:r>
+              <a:rPr lang="en-PH" b="1" dirty="0">
+                <a:latin typeface="+mn-lt"/>
+              </a:rPr>
+              <a:t>Bias/Variance Trade-off</a:t>
+            </a:r>
+          </a:p>
+        </p:txBody>
+      </p:sp>
+      <p:sp>
+        <p:nvSpPr>
+          <p:cNvPr id="12" name="Content Placeholder 9">
+            <a:extLst>
+              <a:ext uri="{FF2B5EF4-FFF2-40B4-BE49-F238E27FC236}">
+                <a16:creationId xmlns:a16="http://schemas.microsoft.com/office/drawing/2014/main" id="{8D17FD6B-B592-0B6B-7DF4-22394AFBDCCA}"/>
+              </a:ext>
+            </a:extLst>
+          </p:cNvPr>
+          <p:cNvSpPr txBox="1">
+            <a:spLocks/>
+          </p:cNvSpPr>
+          <p:nvPr/>
+        </p:nvSpPr>
+        <p:spPr>
+          <a:xfrm>
+            <a:off x="574039" y="1473483"/>
+            <a:ext cx="11043922" cy="878554"/>
+          </a:xfrm>
+          <a:prstGeom prst="rect">
+            <a:avLst/>
+          </a:prstGeom>
+        </p:spPr>
+        <p:txBody>
+          <a:bodyPr vert="horz" lIns="91440" tIns="45720" rIns="91440" bIns="45720" rtlCol="0">
+            <a:normAutofit/>
+          </a:bodyPr>
+          <a:lstStyle>
+            <a:lvl1pPr marL="228600" indent="-228600" algn="l" defTabSz="914400" rtl="0" eaLnBrk="1" latinLnBrk="0" hangingPunct="1">
+              <a:lnSpc>
+                <a:spcPct val="90000"/>
+              </a:lnSpc>
+              <a:spcBef>
+                <a:spcPts val="1000"/>
+              </a:spcBef>
+              <a:buFont typeface="Arial" panose="020B0604020202020204" pitchFamily="34" charset="0"/>
+              <a:buChar char="•"/>
+              <a:defRPr sz="2800" kern="1200">
+                <a:solidFill>
+                  <a:schemeClr val="tx1"/>
+                </a:solidFill>
+                <a:latin typeface="+mn-lt"/>
+                <a:ea typeface="+mn-ea"/>
+                <a:cs typeface="+mn-cs"/>
+              </a:defRPr>
+            </a:lvl1pPr>
+            <a:lvl2pPr marL="685800" indent="-228600" algn="l" defTabSz="914400" rtl="0" eaLnBrk="1" latinLnBrk="0" hangingPunct="1">
+              <a:lnSpc>
+                <a:spcPct val="90000"/>
+              </a:lnSpc>
+              <a:spcBef>
+                <a:spcPts val="500"/>
+              </a:spcBef>
+              <a:buFont typeface="Arial" panose="020B0604020202020204" pitchFamily="34" charset="0"/>
+              <a:buChar char="•"/>
+              <a:defRPr sz="2400" kern="1200">
+                <a:solidFill>
+                  <a:schemeClr val="tx1"/>
+                </a:solidFill>
+                <a:latin typeface="+mn-lt"/>
+                <a:ea typeface="+mn-ea"/>
+                <a:cs typeface="+mn-cs"/>
+              </a:defRPr>
+            </a:lvl2pPr>
+            <a:lvl3pPr marL="1143000" indent="-228600" algn="l" defTabSz="914400" rtl="0" eaLnBrk="1" latinLnBrk="0" hangingPunct="1">
+              <a:lnSpc>
+                <a:spcPct val="90000"/>
+              </a:lnSpc>
+              <a:spcBef>
+                <a:spcPts val="500"/>
+              </a:spcBef>
+              <a:buFont typeface="Arial" panose="020B0604020202020204" pitchFamily="34" charset="0"/>
+              <a:buChar char="•"/>
+              <a:defRPr sz="2000" kern="1200">
+                <a:solidFill>
+                  <a:schemeClr val="tx1"/>
+                </a:solidFill>
+                <a:latin typeface="+mn-lt"/>
+                <a:ea typeface="+mn-ea"/>
+                <a:cs typeface="+mn-cs"/>
+              </a:defRPr>
+            </a:lvl3pPr>
+            <a:lvl4pPr marL="1600200" indent="-228600" algn="l" defTabSz="914400" rtl="0" eaLnBrk="1" latinLnBrk="0" hangingPunct="1">
+              <a:lnSpc>
+                <a:spcPct val="90000"/>
+              </a:lnSpc>
+              <a:spcBef>
+                <a:spcPts val="500"/>
+              </a:spcBef>
+              <a:buFont typeface="Arial" panose="020B0604020202020204" pitchFamily="34" charset="0"/>
+              <a:buChar char="•"/>
+              <a:defRPr sz="1800" kern="1200">
+                <a:solidFill>
+                  <a:schemeClr val="tx1"/>
+                </a:solidFill>
+                <a:latin typeface="+mn-lt"/>
+                <a:ea typeface="+mn-ea"/>
+                <a:cs typeface="+mn-cs"/>
+              </a:defRPr>
+            </a:lvl4pPr>
+            <a:lvl5pPr marL="2057400" indent="-228600" algn="l" defTabSz="914400" rtl="0" eaLnBrk="1" latinLnBrk="0" hangingPunct="1">
+              <a:lnSpc>
+                <a:spcPct val="90000"/>
+              </a:lnSpc>
+              <a:spcBef>
+                <a:spcPts val="500"/>
+              </a:spcBef>
+              <a:buFont typeface="Arial" panose="020B0604020202020204" pitchFamily="34" charset="0"/>
+              <a:buChar char="•"/>
+              <a:defRPr sz="1800" kern="1200">
+                <a:solidFill>
+                  <a:schemeClr val="tx1"/>
+                </a:solidFill>
+                <a:latin typeface="+mn-lt"/>
+                <a:ea typeface="+mn-ea"/>
+                <a:cs typeface="+mn-cs"/>
+              </a:defRPr>
+            </a:lvl5pPr>
+            <a:lvl6pPr marL="2514600" indent="-228600" algn="l" defTabSz="914400" rtl="0" eaLnBrk="1" latinLnBrk="0" hangingPunct="1">
+              <a:lnSpc>
+                <a:spcPct val="90000"/>
+              </a:lnSpc>
+              <a:spcBef>
+                <a:spcPts val="500"/>
+              </a:spcBef>
+              <a:buFont typeface="Arial" panose="020B0604020202020204" pitchFamily="34" charset="0"/>
+              <a:buChar char="•"/>
+              <a:defRPr sz="1800" kern="1200">
+                <a:solidFill>
+                  <a:schemeClr val="tx1"/>
+                </a:solidFill>
+                <a:latin typeface="+mn-lt"/>
+                <a:ea typeface="+mn-ea"/>
+                <a:cs typeface="+mn-cs"/>
+              </a:defRPr>
+            </a:lvl6pPr>
+            <a:lvl7pPr marL="2971800" indent="-228600" algn="l" defTabSz="914400" rtl="0" eaLnBrk="1" latinLnBrk="0" hangingPunct="1">
+              <a:lnSpc>
+                <a:spcPct val="90000"/>
+              </a:lnSpc>
+              <a:spcBef>
+                <a:spcPts val="500"/>
+              </a:spcBef>
+              <a:buFont typeface="Arial" panose="020B0604020202020204" pitchFamily="34" charset="0"/>
+              <a:buChar char="•"/>
+              <a:defRPr sz="1800" kern="1200">
+                <a:solidFill>
+                  <a:schemeClr val="tx1"/>
+                </a:solidFill>
+                <a:latin typeface="+mn-lt"/>
+                <a:ea typeface="+mn-ea"/>
+                <a:cs typeface="+mn-cs"/>
+              </a:defRPr>
+            </a:lvl7pPr>
+            <a:lvl8pPr marL="3429000" indent="-228600" algn="l" defTabSz="914400" rtl="0" eaLnBrk="1" latinLnBrk="0" hangingPunct="1">
+              <a:lnSpc>
+                <a:spcPct val="90000"/>
+              </a:lnSpc>
+              <a:spcBef>
+                <a:spcPts val="500"/>
+              </a:spcBef>
+              <a:buFont typeface="Arial" panose="020B0604020202020204" pitchFamily="34" charset="0"/>
+              <a:buChar char="•"/>
+              <a:defRPr sz="1800" kern="1200">
+                <a:solidFill>
+                  <a:schemeClr val="tx1"/>
+                </a:solidFill>
+                <a:latin typeface="+mn-lt"/>
+                <a:ea typeface="+mn-ea"/>
+                <a:cs typeface="+mn-cs"/>
+              </a:defRPr>
+            </a:lvl8pPr>
+            <a:lvl9pPr marL="3886200" indent="-228600" algn="l" defTabSz="914400" rtl="0" eaLnBrk="1" latinLnBrk="0" hangingPunct="1">
+              <a:lnSpc>
+                <a:spcPct val="90000"/>
+              </a:lnSpc>
+              <a:spcBef>
+                <a:spcPts val="500"/>
+              </a:spcBef>
+              <a:buFont typeface="Arial" panose="020B0604020202020204" pitchFamily="34" charset="0"/>
+              <a:buChar char="•"/>
+              <a:defRPr sz="1800" kern="1200">
+                <a:solidFill>
+                  <a:schemeClr val="tx1"/>
+                </a:solidFill>
+                <a:latin typeface="+mn-lt"/>
+                <a:ea typeface="+mn-ea"/>
+                <a:cs typeface="+mn-cs"/>
+              </a:defRPr>
+            </a:lvl9pPr>
+          </a:lstStyle>
+          <a:p>
+            <a:pPr algn="just">
+              <a:buFont typeface="Wingdings" panose="05000000000000000000" pitchFamily="2" charset="2"/>
+              <a:buChar char="§"/>
+            </a:pPr>
+            <a:r>
               <a:rPr lang="en-US" sz="2400" dirty="0">
                 <a:latin typeface="Calibri (Body)"/>
               </a:rPr>
@@ -9191,7 +11816,7 @@
 </p:sld>
 </file>
 
-<file path=ppt/slides/slide12.xml><?xml version="1.0" encoding="utf-8"?>
+<file path=ppt/slides/slide15.xml><?xml version="1.0" encoding="utf-8"?>
 <p:sld xmlns:a="http://schemas.openxmlformats.org/drawingml/2006/main" xmlns:r="http://schemas.openxmlformats.org/officeDocument/2006/relationships" xmlns:p="http://schemas.openxmlformats.org/presentationml/2006/main">
   <p:cSld>
     <p:spTree>
@@ -10603,7 +13228,7 @@
 </p:sld>
 </file>
 
-<file path=ppt/slides/slide13.xml><?xml version="1.0" encoding="utf-8"?>
+<file path=ppt/slides/slide16.xml><?xml version="1.0" encoding="utf-8"?>
 <p:sld xmlns:a="http://schemas.openxmlformats.org/drawingml/2006/main" xmlns:r="http://schemas.openxmlformats.org/officeDocument/2006/relationships" xmlns:p="http://schemas.openxmlformats.org/presentationml/2006/main">
   <p:cSld>
     <p:spTree>
@@ -11193,1254 +13818,6 @@
 </p:sld>
 </file>
 
-<file path=ppt/slides/slide14.xml><?xml version="1.0" encoding="utf-8"?>
-<p:sld xmlns:a="http://schemas.openxmlformats.org/drawingml/2006/main" xmlns:r="http://schemas.openxmlformats.org/officeDocument/2006/relationships" xmlns:p="http://schemas.openxmlformats.org/presentationml/2006/main">
-  <p:cSld>
-    <p:spTree>
-      <p:nvGrpSpPr>
-        <p:cNvPr id="1" name=""/>
-        <p:cNvGrpSpPr/>
-        <p:nvPr/>
-      </p:nvGrpSpPr>
-      <p:grpSpPr>
-        <a:xfrm>
-          <a:off x="0" y="0"/>
-          <a:ext cx="0" cy="0"/>
-          <a:chOff x="0" y="0"/>
-          <a:chExt cx="0" cy="0"/>
-        </a:xfrm>
-      </p:grpSpPr>
-      <p:sp>
-        <p:nvSpPr>
-          <p:cNvPr id="6" name="TextBox 5">
-            <a:extLst>
-              <a:ext uri="{FF2B5EF4-FFF2-40B4-BE49-F238E27FC236}">
-                <a16:creationId xmlns:a16="http://schemas.microsoft.com/office/drawing/2014/main" id="{933CA7EB-D821-4578-A186-D330E9178EDE}"/>
-              </a:ext>
-            </a:extLst>
-          </p:cNvPr>
-          <p:cNvSpPr txBox="1"/>
-          <p:nvPr/>
-        </p:nvSpPr>
-        <p:spPr>
-          <a:xfrm>
-            <a:off x="87923" y="28551"/>
-            <a:ext cx="3622432" cy="338554"/>
-          </a:xfrm>
-          <a:prstGeom prst="rect">
-            <a:avLst/>
-          </a:prstGeom>
-          <a:noFill/>
-        </p:spPr>
-        <p:txBody>
-          <a:bodyPr wrap="square" rtlCol="0">
-            <a:spAutoFit/>
-          </a:bodyPr>
-          <a:lstStyle/>
-          <a:p>
-            <a:r>
-              <a:rPr lang="en-PH" sz="1600">
-                <a:solidFill>
-                  <a:schemeClr val="bg1"/>
-                </a:solidFill>
-                <a:latin typeface="Abadi" panose="020B0604020104020204" pitchFamily="34" charset="0"/>
-                <a:cs typeface="Aharoni" panose="020B0604020202020204" pitchFamily="2" charset="-79"/>
-              </a:rPr>
-              <a:t>INTRODUCTION TO COMPUTING</a:t>
-            </a:r>
-          </a:p>
-        </p:txBody>
-      </p:sp>
-      <p:sp>
-        <p:nvSpPr>
-          <p:cNvPr id="7" name="TextBox 6">
-            <a:extLst>
-              <a:ext uri="{FF2B5EF4-FFF2-40B4-BE49-F238E27FC236}">
-                <a16:creationId xmlns:a16="http://schemas.microsoft.com/office/drawing/2014/main" id="{9B128FD4-EE77-4086-837E-5EAF83B0DDD1}"/>
-              </a:ext>
-            </a:extLst>
-          </p:cNvPr>
-          <p:cNvSpPr txBox="1"/>
-          <p:nvPr/>
-        </p:nvSpPr>
-        <p:spPr>
-          <a:xfrm>
-            <a:off x="9182099" y="13190"/>
-            <a:ext cx="2948354" cy="338554"/>
-          </a:xfrm>
-          <a:prstGeom prst="rect">
-            <a:avLst/>
-          </a:prstGeom>
-          <a:noFill/>
-        </p:spPr>
-        <p:txBody>
-          <a:bodyPr wrap="square" rtlCol="0">
-            <a:spAutoFit/>
-          </a:bodyPr>
-          <a:lstStyle/>
-          <a:p>
-            <a:pPr algn="r"/>
-            <a:r>
-              <a:rPr lang="en-US" sz="1600" dirty="0">
-                <a:solidFill>
-                  <a:schemeClr val="bg1"/>
-                </a:solidFill>
-              </a:rPr>
-              <a:t>Course Code: CCINCOM/L</a:t>
-            </a:r>
-            <a:endParaRPr lang="en-PH" sz="1600" dirty="0">
-              <a:solidFill>
-                <a:schemeClr val="bg1"/>
-              </a:solidFill>
-              <a:latin typeface="Abadi" panose="020B0604020202020204" pitchFamily="34" charset="0"/>
-            </a:endParaRPr>
-          </a:p>
-        </p:txBody>
-      </p:sp>
-      <p:sp>
-        <p:nvSpPr>
-          <p:cNvPr id="8" name="TextBox 7">
-            <a:extLst>
-              <a:ext uri="{FF2B5EF4-FFF2-40B4-BE49-F238E27FC236}">
-                <a16:creationId xmlns:a16="http://schemas.microsoft.com/office/drawing/2014/main" id="{B95C7AD6-4918-4294-AA88-B72FB28833FE}"/>
-              </a:ext>
-            </a:extLst>
-          </p:cNvPr>
-          <p:cNvSpPr txBox="1"/>
-          <p:nvPr/>
-        </p:nvSpPr>
-        <p:spPr>
-          <a:xfrm>
-            <a:off x="0" y="6479929"/>
-            <a:ext cx="2461846" cy="338554"/>
-          </a:xfrm>
-          <a:prstGeom prst="rect">
-            <a:avLst/>
-          </a:prstGeom>
-          <a:noFill/>
-        </p:spPr>
-        <p:txBody>
-          <a:bodyPr wrap="square" rtlCol="0">
-            <a:spAutoFit/>
-          </a:bodyPr>
-          <a:lstStyle/>
-          <a:p>
-            <a:pPr algn="ctr"/>
-            <a:r>
-              <a:rPr lang="en-PH" sz="1600">
-                <a:solidFill>
-                  <a:schemeClr val="bg1"/>
-                </a:solidFill>
-                <a:latin typeface="Abadi" panose="020B0604020202020204" pitchFamily="34" charset="0"/>
-              </a:rPr>
-              <a:t>Joseph Marvin R. Imperial</a:t>
-            </a:r>
-          </a:p>
-        </p:txBody>
-      </p:sp>
-      <p:sp>
-        <p:nvSpPr>
-          <p:cNvPr id="9" name="TextBox 8">
-            <a:extLst>
-              <a:ext uri="{FF2B5EF4-FFF2-40B4-BE49-F238E27FC236}">
-                <a16:creationId xmlns:a16="http://schemas.microsoft.com/office/drawing/2014/main" id="{C3136E3D-4CFD-4EFC-98AB-367D0EF3C06B}"/>
-              </a:ext>
-            </a:extLst>
-          </p:cNvPr>
-          <p:cNvSpPr txBox="1"/>
-          <p:nvPr/>
-        </p:nvSpPr>
-        <p:spPr>
-          <a:xfrm>
-            <a:off x="7086601" y="6490896"/>
-            <a:ext cx="5105399" cy="338554"/>
-          </a:xfrm>
-          <a:prstGeom prst="rect">
-            <a:avLst/>
-          </a:prstGeom>
-          <a:noFill/>
-        </p:spPr>
-        <p:txBody>
-          <a:bodyPr wrap="square" rtlCol="0">
-            <a:spAutoFit/>
-          </a:bodyPr>
-          <a:lstStyle/>
-          <a:p>
-            <a:pPr algn="r"/>
-            <a:r>
-              <a:rPr lang="en-PH" sz="1600">
-                <a:solidFill>
-                  <a:schemeClr val="bg1"/>
-                </a:solidFill>
-                <a:latin typeface="Abadi" panose="020B0604020202020204" pitchFamily="34" charset="0"/>
-              </a:rPr>
-              <a:t>NU College of Computing and Information Technologies</a:t>
-            </a:r>
-          </a:p>
-        </p:txBody>
-      </p:sp>
-      <p:sp>
-        <p:nvSpPr>
-          <p:cNvPr id="13" name="Rectangle 12">
-            <a:extLst>
-              <a:ext uri="{FF2B5EF4-FFF2-40B4-BE49-F238E27FC236}">
-                <a16:creationId xmlns:a16="http://schemas.microsoft.com/office/drawing/2014/main" id="{251B30DC-ACC5-404F-B51D-13612F115E3E}"/>
-              </a:ext>
-            </a:extLst>
-          </p:cNvPr>
-          <p:cNvSpPr/>
-          <p:nvPr/>
-        </p:nvSpPr>
-        <p:spPr>
-          <a:xfrm>
-            <a:off x="0" y="6462346"/>
-            <a:ext cx="12192000" cy="395654"/>
-          </a:xfrm>
-          <a:prstGeom prst="rect">
-            <a:avLst/>
-          </a:prstGeom>
-          <a:solidFill>
-            <a:schemeClr val="accent5">
-              <a:lumMod val="50000"/>
-            </a:schemeClr>
-          </a:solidFill>
-          <a:effectLst>
-            <a:outerShdw blurRad="50800" dist="38100" dir="2700000" algn="tl" rotWithShape="0">
-              <a:prstClr val="black">
-                <a:alpha val="40000"/>
-              </a:prstClr>
-            </a:outerShdw>
-          </a:effectLst>
-        </p:spPr>
-        <p:style>
-          <a:lnRef idx="2">
-            <a:schemeClr val="accent1">
-              <a:shade val="50000"/>
-            </a:schemeClr>
-          </a:lnRef>
-          <a:fillRef idx="1">
-            <a:schemeClr val="accent1"/>
-          </a:fillRef>
-          <a:effectRef idx="0">
-            <a:schemeClr val="accent1"/>
-          </a:effectRef>
-          <a:fontRef idx="minor">
-            <a:schemeClr val="lt1"/>
-          </a:fontRef>
-        </p:style>
-        <p:txBody>
-          <a:bodyPr rtlCol="0" anchor="ctr"/>
-          <a:lstStyle/>
-          <a:p>
-            <a:pPr algn="ctr"/>
-            <a:endParaRPr lang="en-PH"/>
-          </a:p>
-        </p:txBody>
-      </p:sp>
-      <p:sp>
-        <p:nvSpPr>
-          <p:cNvPr id="14" name="TextBox 13">
-            <a:extLst>
-              <a:ext uri="{FF2B5EF4-FFF2-40B4-BE49-F238E27FC236}">
-                <a16:creationId xmlns:a16="http://schemas.microsoft.com/office/drawing/2014/main" id="{ACC57CA2-30CA-4DDD-A941-8B9CC393DAFA}"/>
-              </a:ext>
-            </a:extLst>
-          </p:cNvPr>
-          <p:cNvSpPr txBox="1"/>
-          <p:nvPr/>
-        </p:nvSpPr>
-        <p:spPr>
-          <a:xfrm>
-            <a:off x="0" y="6490896"/>
-            <a:ext cx="3622432" cy="338554"/>
-          </a:xfrm>
-          <a:prstGeom prst="rect">
-            <a:avLst/>
-          </a:prstGeom>
-          <a:noFill/>
-        </p:spPr>
-        <p:txBody>
-          <a:bodyPr wrap="square" rtlCol="0">
-            <a:spAutoFit/>
-          </a:bodyPr>
-          <a:lstStyle/>
-          <a:p>
-            <a:r>
-              <a:rPr lang="en-PH" sz="1600">
-                <a:solidFill>
-                  <a:schemeClr val="bg1"/>
-                </a:solidFill>
-                <a:latin typeface="Abadi" panose="020B0604020104020204" pitchFamily="34" charset="0"/>
-                <a:cs typeface="Aharoni" panose="020B0604020202020204" pitchFamily="2" charset="-79"/>
-              </a:rPr>
-              <a:t>REINFORCEMENT LEARNING</a:t>
-            </a:r>
-          </a:p>
-        </p:txBody>
-      </p:sp>
-      <p:sp>
-        <p:nvSpPr>
-          <p:cNvPr id="15" name="TextBox 14">
-            <a:extLst>
-              <a:ext uri="{FF2B5EF4-FFF2-40B4-BE49-F238E27FC236}">
-                <a16:creationId xmlns:a16="http://schemas.microsoft.com/office/drawing/2014/main" id="{31237222-F604-49F1-8989-AF06AF20EDD3}"/>
-              </a:ext>
-            </a:extLst>
-          </p:cNvPr>
-          <p:cNvSpPr txBox="1"/>
-          <p:nvPr/>
-        </p:nvSpPr>
-        <p:spPr>
-          <a:xfrm>
-            <a:off x="9243646" y="6490896"/>
-            <a:ext cx="2948354" cy="338554"/>
-          </a:xfrm>
-          <a:prstGeom prst="rect">
-            <a:avLst/>
-          </a:prstGeom>
-          <a:noFill/>
-        </p:spPr>
-        <p:txBody>
-          <a:bodyPr wrap="square" rtlCol="0">
-            <a:spAutoFit/>
-          </a:bodyPr>
-          <a:lstStyle/>
-          <a:p>
-            <a:pPr algn="r"/>
-            <a:r>
-              <a:rPr lang="en-US" sz="1600">
-                <a:solidFill>
-                  <a:schemeClr val="bg1"/>
-                </a:solidFill>
-                <a:latin typeface="Abadi" panose="020B0604020104020204" pitchFamily="34" charset="0"/>
-              </a:rPr>
-              <a:t>Course Code: CCRNFLRL</a:t>
-            </a:r>
-            <a:endParaRPr lang="en-PH" sz="1600">
-              <a:solidFill>
-                <a:schemeClr val="bg1"/>
-              </a:solidFill>
-              <a:latin typeface="Abadi" panose="020B0604020104020204" pitchFamily="34" charset="0"/>
-            </a:endParaRPr>
-          </a:p>
-        </p:txBody>
-      </p:sp>
-      <p:sp>
-        <p:nvSpPr>
-          <p:cNvPr id="5" name="Title 4">
-            <a:extLst>
-              <a:ext uri="{FF2B5EF4-FFF2-40B4-BE49-F238E27FC236}">
-                <a16:creationId xmlns:a16="http://schemas.microsoft.com/office/drawing/2014/main" id="{EC47D021-EEC4-42AC-B4C3-BC584CB5BC9D}"/>
-              </a:ext>
-            </a:extLst>
-          </p:cNvPr>
-          <p:cNvSpPr>
-            <a:spLocks noGrp="1"/>
-          </p:cNvSpPr>
-          <p:nvPr>
-            <p:ph type="title"/>
-          </p:nvPr>
-        </p:nvSpPr>
-        <p:spPr>
-          <a:xfrm>
-            <a:off x="352425" y="292273"/>
-            <a:ext cx="11458574" cy="869778"/>
-          </a:xfrm>
-        </p:spPr>
-        <p:txBody>
-          <a:bodyPr/>
-          <a:lstStyle/>
-          <a:p>
-            <a:r>
-              <a:rPr lang="en-PH" b="1" dirty="0">
-                <a:latin typeface="+mn-lt"/>
-              </a:rPr>
-              <a:t>Dynamic Programming</a:t>
-            </a:r>
-          </a:p>
-        </p:txBody>
-      </p:sp>
-      <p:pic>
-        <p:nvPicPr>
-          <p:cNvPr id="3" name="Picture 2">
-            <a:extLst>
-              <a:ext uri="{FF2B5EF4-FFF2-40B4-BE49-F238E27FC236}">
-                <a16:creationId xmlns:a16="http://schemas.microsoft.com/office/drawing/2014/main" id="{9E62B824-FAF0-30CA-FBC7-F5E98740B7B8}"/>
-              </a:ext>
-            </a:extLst>
-          </p:cNvPr>
-          <p:cNvPicPr>
-            <a:picLocks noChangeAspect="1"/>
-          </p:cNvPicPr>
-          <p:nvPr/>
-        </p:nvPicPr>
-        <p:blipFill>
-          <a:blip r:embed="rId2">
-            <a:extLst>
-              <a:ext uri="{28A0092B-C50C-407E-A947-70E740481C1C}">
-                <a14:useLocalDpi xmlns:a14="http://schemas.microsoft.com/office/drawing/2010/main" val="0"/>
-              </a:ext>
-            </a:extLst>
-          </a:blip>
-          <a:stretch>
-            <a:fillRect/>
-          </a:stretch>
-        </p:blipFill>
-        <p:spPr>
-          <a:xfrm>
-            <a:off x="2863324" y="1337552"/>
-            <a:ext cx="6465352" cy="4430105"/>
-          </a:xfrm>
-          <a:prstGeom prst="rect">
-            <a:avLst/>
-          </a:prstGeom>
-        </p:spPr>
-      </p:pic>
-    </p:spTree>
-    <p:extLst>
-      <p:ext uri="{BB962C8B-B14F-4D97-AF65-F5344CB8AC3E}">
-        <p14:creationId xmlns:p14="http://schemas.microsoft.com/office/powerpoint/2010/main" val="1161498190"/>
-      </p:ext>
-    </p:extLst>
-  </p:cSld>
-  <p:clrMapOvr>
-    <a:masterClrMapping/>
-  </p:clrMapOvr>
-</p:sld>
-</file>
-
-<file path=ppt/slides/slide15.xml><?xml version="1.0" encoding="utf-8"?>
-<p:sld xmlns:a="http://schemas.openxmlformats.org/drawingml/2006/main" xmlns:r="http://schemas.openxmlformats.org/officeDocument/2006/relationships" xmlns:p="http://schemas.openxmlformats.org/presentationml/2006/main">
-  <p:cSld>
-    <p:spTree>
-      <p:nvGrpSpPr>
-        <p:cNvPr id="1" name=""/>
-        <p:cNvGrpSpPr/>
-        <p:nvPr/>
-      </p:nvGrpSpPr>
-      <p:grpSpPr>
-        <a:xfrm>
-          <a:off x="0" y="0"/>
-          <a:ext cx="0" cy="0"/>
-          <a:chOff x="0" y="0"/>
-          <a:chExt cx="0" cy="0"/>
-        </a:xfrm>
-      </p:grpSpPr>
-      <p:sp>
-        <p:nvSpPr>
-          <p:cNvPr id="6" name="TextBox 5">
-            <a:extLst>
-              <a:ext uri="{FF2B5EF4-FFF2-40B4-BE49-F238E27FC236}">
-                <a16:creationId xmlns:a16="http://schemas.microsoft.com/office/drawing/2014/main" id="{933CA7EB-D821-4578-A186-D330E9178EDE}"/>
-              </a:ext>
-            </a:extLst>
-          </p:cNvPr>
-          <p:cNvSpPr txBox="1"/>
-          <p:nvPr/>
-        </p:nvSpPr>
-        <p:spPr>
-          <a:xfrm>
-            <a:off x="87923" y="28551"/>
-            <a:ext cx="3622432" cy="338554"/>
-          </a:xfrm>
-          <a:prstGeom prst="rect">
-            <a:avLst/>
-          </a:prstGeom>
-          <a:noFill/>
-        </p:spPr>
-        <p:txBody>
-          <a:bodyPr wrap="square" rtlCol="0">
-            <a:spAutoFit/>
-          </a:bodyPr>
-          <a:lstStyle/>
-          <a:p>
-            <a:r>
-              <a:rPr lang="en-PH" sz="1600">
-                <a:solidFill>
-                  <a:schemeClr val="bg1"/>
-                </a:solidFill>
-                <a:latin typeface="Abadi" panose="020B0604020104020204" pitchFamily="34" charset="0"/>
-                <a:cs typeface="Aharoni" panose="020B0604020202020204" pitchFamily="2" charset="-79"/>
-              </a:rPr>
-              <a:t>INTRODUCTION TO COMPUTING</a:t>
-            </a:r>
-          </a:p>
-        </p:txBody>
-      </p:sp>
-      <p:sp>
-        <p:nvSpPr>
-          <p:cNvPr id="7" name="TextBox 6">
-            <a:extLst>
-              <a:ext uri="{FF2B5EF4-FFF2-40B4-BE49-F238E27FC236}">
-                <a16:creationId xmlns:a16="http://schemas.microsoft.com/office/drawing/2014/main" id="{9B128FD4-EE77-4086-837E-5EAF83B0DDD1}"/>
-              </a:ext>
-            </a:extLst>
-          </p:cNvPr>
-          <p:cNvSpPr txBox="1"/>
-          <p:nvPr/>
-        </p:nvSpPr>
-        <p:spPr>
-          <a:xfrm>
-            <a:off x="9182099" y="13190"/>
-            <a:ext cx="2948354" cy="338554"/>
-          </a:xfrm>
-          <a:prstGeom prst="rect">
-            <a:avLst/>
-          </a:prstGeom>
-          <a:noFill/>
-        </p:spPr>
-        <p:txBody>
-          <a:bodyPr wrap="square" rtlCol="0">
-            <a:spAutoFit/>
-          </a:bodyPr>
-          <a:lstStyle/>
-          <a:p>
-            <a:pPr algn="r"/>
-            <a:r>
-              <a:rPr lang="en-US" sz="1600" dirty="0">
-                <a:solidFill>
-                  <a:schemeClr val="bg1"/>
-                </a:solidFill>
-              </a:rPr>
-              <a:t>Course Code: CCINCOM/L</a:t>
-            </a:r>
-            <a:endParaRPr lang="en-PH" sz="1600" dirty="0">
-              <a:solidFill>
-                <a:schemeClr val="bg1"/>
-              </a:solidFill>
-              <a:latin typeface="Abadi" panose="020B0604020202020204" pitchFamily="34" charset="0"/>
-            </a:endParaRPr>
-          </a:p>
-        </p:txBody>
-      </p:sp>
-      <p:sp>
-        <p:nvSpPr>
-          <p:cNvPr id="8" name="TextBox 7">
-            <a:extLst>
-              <a:ext uri="{FF2B5EF4-FFF2-40B4-BE49-F238E27FC236}">
-                <a16:creationId xmlns:a16="http://schemas.microsoft.com/office/drawing/2014/main" id="{B95C7AD6-4918-4294-AA88-B72FB28833FE}"/>
-              </a:ext>
-            </a:extLst>
-          </p:cNvPr>
-          <p:cNvSpPr txBox="1"/>
-          <p:nvPr/>
-        </p:nvSpPr>
-        <p:spPr>
-          <a:xfrm>
-            <a:off x="0" y="6479929"/>
-            <a:ext cx="2461846" cy="338554"/>
-          </a:xfrm>
-          <a:prstGeom prst="rect">
-            <a:avLst/>
-          </a:prstGeom>
-          <a:noFill/>
-        </p:spPr>
-        <p:txBody>
-          <a:bodyPr wrap="square" rtlCol="0">
-            <a:spAutoFit/>
-          </a:bodyPr>
-          <a:lstStyle/>
-          <a:p>
-            <a:pPr algn="ctr"/>
-            <a:r>
-              <a:rPr lang="en-PH" sz="1600">
-                <a:solidFill>
-                  <a:schemeClr val="bg1"/>
-                </a:solidFill>
-                <a:latin typeface="Abadi" panose="020B0604020202020204" pitchFamily="34" charset="0"/>
-              </a:rPr>
-              <a:t>Joseph Marvin R. Imperial</a:t>
-            </a:r>
-          </a:p>
-        </p:txBody>
-      </p:sp>
-      <p:sp>
-        <p:nvSpPr>
-          <p:cNvPr id="9" name="TextBox 8">
-            <a:extLst>
-              <a:ext uri="{FF2B5EF4-FFF2-40B4-BE49-F238E27FC236}">
-                <a16:creationId xmlns:a16="http://schemas.microsoft.com/office/drawing/2014/main" id="{C3136E3D-4CFD-4EFC-98AB-367D0EF3C06B}"/>
-              </a:ext>
-            </a:extLst>
-          </p:cNvPr>
-          <p:cNvSpPr txBox="1"/>
-          <p:nvPr/>
-        </p:nvSpPr>
-        <p:spPr>
-          <a:xfrm>
-            <a:off x="7086601" y="6490896"/>
-            <a:ext cx="5105399" cy="338554"/>
-          </a:xfrm>
-          <a:prstGeom prst="rect">
-            <a:avLst/>
-          </a:prstGeom>
-          <a:noFill/>
-        </p:spPr>
-        <p:txBody>
-          <a:bodyPr wrap="square" rtlCol="0">
-            <a:spAutoFit/>
-          </a:bodyPr>
-          <a:lstStyle/>
-          <a:p>
-            <a:pPr algn="r"/>
-            <a:r>
-              <a:rPr lang="en-PH" sz="1600">
-                <a:solidFill>
-                  <a:schemeClr val="bg1"/>
-                </a:solidFill>
-                <a:latin typeface="Abadi" panose="020B0604020202020204" pitchFamily="34" charset="0"/>
-              </a:rPr>
-              <a:t>NU College of Computing and Information Technologies</a:t>
-            </a:r>
-          </a:p>
-        </p:txBody>
-      </p:sp>
-      <p:sp>
-        <p:nvSpPr>
-          <p:cNvPr id="13" name="Rectangle 12">
-            <a:extLst>
-              <a:ext uri="{FF2B5EF4-FFF2-40B4-BE49-F238E27FC236}">
-                <a16:creationId xmlns:a16="http://schemas.microsoft.com/office/drawing/2014/main" id="{251B30DC-ACC5-404F-B51D-13612F115E3E}"/>
-              </a:ext>
-            </a:extLst>
-          </p:cNvPr>
-          <p:cNvSpPr/>
-          <p:nvPr/>
-        </p:nvSpPr>
-        <p:spPr>
-          <a:xfrm>
-            <a:off x="0" y="6462346"/>
-            <a:ext cx="12192000" cy="395654"/>
-          </a:xfrm>
-          <a:prstGeom prst="rect">
-            <a:avLst/>
-          </a:prstGeom>
-          <a:solidFill>
-            <a:schemeClr val="accent5">
-              <a:lumMod val="50000"/>
-            </a:schemeClr>
-          </a:solidFill>
-          <a:effectLst>
-            <a:outerShdw blurRad="50800" dist="38100" dir="2700000" algn="tl" rotWithShape="0">
-              <a:prstClr val="black">
-                <a:alpha val="40000"/>
-              </a:prstClr>
-            </a:outerShdw>
-          </a:effectLst>
-        </p:spPr>
-        <p:style>
-          <a:lnRef idx="2">
-            <a:schemeClr val="accent1">
-              <a:shade val="50000"/>
-            </a:schemeClr>
-          </a:lnRef>
-          <a:fillRef idx="1">
-            <a:schemeClr val="accent1"/>
-          </a:fillRef>
-          <a:effectRef idx="0">
-            <a:schemeClr val="accent1"/>
-          </a:effectRef>
-          <a:fontRef idx="minor">
-            <a:schemeClr val="lt1"/>
-          </a:fontRef>
-        </p:style>
-        <p:txBody>
-          <a:bodyPr rtlCol="0" anchor="ctr"/>
-          <a:lstStyle/>
-          <a:p>
-            <a:pPr algn="ctr"/>
-            <a:endParaRPr lang="en-PH"/>
-          </a:p>
-        </p:txBody>
-      </p:sp>
-      <p:sp>
-        <p:nvSpPr>
-          <p:cNvPr id="14" name="TextBox 13">
-            <a:extLst>
-              <a:ext uri="{FF2B5EF4-FFF2-40B4-BE49-F238E27FC236}">
-                <a16:creationId xmlns:a16="http://schemas.microsoft.com/office/drawing/2014/main" id="{ACC57CA2-30CA-4DDD-A941-8B9CC393DAFA}"/>
-              </a:ext>
-            </a:extLst>
-          </p:cNvPr>
-          <p:cNvSpPr txBox="1"/>
-          <p:nvPr/>
-        </p:nvSpPr>
-        <p:spPr>
-          <a:xfrm>
-            <a:off x="0" y="6490896"/>
-            <a:ext cx="3622432" cy="338554"/>
-          </a:xfrm>
-          <a:prstGeom prst="rect">
-            <a:avLst/>
-          </a:prstGeom>
-          <a:noFill/>
-        </p:spPr>
-        <p:txBody>
-          <a:bodyPr wrap="square" rtlCol="0">
-            <a:spAutoFit/>
-          </a:bodyPr>
-          <a:lstStyle/>
-          <a:p>
-            <a:r>
-              <a:rPr lang="en-PH" sz="1600">
-                <a:solidFill>
-                  <a:schemeClr val="bg1"/>
-                </a:solidFill>
-                <a:latin typeface="Abadi" panose="020B0604020104020204" pitchFamily="34" charset="0"/>
-                <a:cs typeface="Aharoni" panose="020B0604020202020204" pitchFamily="2" charset="-79"/>
-              </a:rPr>
-              <a:t>REINFORCEMENT LEARNING</a:t>
-            </a:r>
-          </a:p>
-        </p:txBody>
-      </p:sp>
-      <p:sp>
-        <p:nvSpPr>
-          <p:cNvPr id="15" name="TextBox 14">
-            <a:extLst>
-              <a:ext uri="{FF2B5EF4-FFF2-40B4-BE49-F238E27FC236}">
-                <a16:creationId xmlns:a16="http://schemas.microsoft.com/office/drawing/2014/main" id="{31237222-F604-49F1-8989-AF06AF20EDD3}"/>
-              </a:ext>
-            </a:extLst>
-          </p:cNvPr>
-          <p:cNvSpPr txBox="1"/>
-          <p:nvPr/>
-        </p:nvSpPr>
-        <p:spPr>
-          <a:xfrm>
-            <a:off x="9243646" y="6490896"/>
-            <a:ext cx="2948354" cy="338554"/>
-          </a:xfrm>
-          <a:prstGeom prst="rect">
-            <a:avLst/>
-          </a:prstGeom>
-          <a:noFill/>
-        </p:spPr>
-        <p:txBody>
-          <a:bodyPr wrap="square" rtlCol="0">
-            <a:spAutoFit/>
-          </a:bodyPr>
-          <a:lstStyle/>
-          <a:p>
-            <a:pPr algn="r"/>
-            <a:r>
-              <a:rPr lang="en-US" sz="1600">
-                <a:solidFill>
-                  <a:schemeClr val="bg1"/>
-                </a:solidFill>
-                <a:latin typeface="Abadi" panose="020B0604020104020204" pitchFamily="34" charset="0"/>
-              </a:rPr>
-              <a:t>Course Code: CCRNFLRL</a:t>
-            </a:r>
-            <a:endParaRPr lang="en-PH" sz="1600">
-              <a:solidFill>
-                <a:schemeClr val="bg1"/>
-              </a:solidFill>
-              <a:latin typeface="Abadi" panose="020B0604020104020204" pitchFamily="34" charset="0"/>
-            </a:endParaRPr>
-          </a:p>
-        </p:txBody>
-      </p:sp>
-      <p:sp>
-        <p:nvSpPr>
-          <p:cNvPr id="5" name="Title 4">
-            <a:extLst>
-              <a:ext uri="{FF2B5EF4-FFF2-40B4-BE49-F238E27FC236}">
-                <a16:creationId xmlns:a16="http://schemas.microsoft.com/office/drawing/2014/main" id="{EC47D021-EEC4-42AC-B4C3-BC584CB5BC9D}"/>
-              </a:ext>
-            </a:extLst>
-          </p:cNvPr>
-          <p:cNvSpPr>
-            <a:spLocks noGrp="1"/>
-          </p:cNvSpPr>
-          <p:nvPr>
-            <p:ph type="title"/>
-          </p:nvPr>
-        </p:nvSpPr>
-        <p:spPr>
-          <a:xfrm>
-            <a:off x="352425" y="292273"/>
-            <a:ext cx="11458574" cy="869778"/>
-          </a:xfrm>
-        </p:spPr>
-        <p:txBody>
-          <a:bodyPr/>
-          <a:lstStyle/>
-          <a:p>
-            <a:r>
-              <a:rPr lang="en-PH" b="1" dirty="0">
-                <a:latin typeface="+mn-lt"/>
-              </a:rPr>
-              <a:t>Monte-Carlo Backup</a:t>
-            </a:r>
-          </a:p>
-        </p:txBody>
-      </p:sp>
-      <p:pic>
-        <p:nvPicPr>
-          <p:cNvPr id="4" name="Picture 3">
-            <a:extLst>
-              <a:ext uri="{FF2B5EF4-FFF2-40B4-BE49-F238E27FC236}">
-                <a16:creationId xmlns:a16="http://schemas.microsoft.com/office/drawing/2014/main" id="{9EF157D2-BB50-E182-33BC-847560D60AA7}"/>
-              </a:ext>
-            </a:extLst>
-          </p:cNvPr>
-          <p:cNvPicPr>
-            <a:picLocks noChangeAspect="1"/>
-          </p:cNvPicPr>
-          <p:nvPr/>
-        </p:nvPicPr>
-        <p:blipFill>
-          <a:blip r:embed="rId2">
-            <a:extLst>
-              <a:ext uri="{28A0092B-C50C-407E-A947-70E740481C1C}">
-                <a14:useLocalDpi xmlns:a14="http://schemas.microsoft.com/office/drawing/2010/main" val="0"/>
-              </a:ext>
-            </a:extLst>
-          </a:blip>
-          <a:stretch>
-            <a:fillRect/>
-          </a:stretch>
-        </p:blipFill>
-        <p:spPr>
-          <a:xfrm>
-            <a:off x="2195512" y="1006997"/>
-            <a:ext cx="7772400" cy="5121278"/>
-          </a:xfrm>
-          <a:prstGeom prst="rect">
-            <a:avLst/>
-          </a:prstGeom>
-        </p:spPr>
-      </p:pic>
-    </p:spTree>
-    <p:extLst>
-      <p:ext uri="{BB962C8B-B14F-4D97-AF65-F5344CB8AC3E}">
-        <p14:creationId xmlns:p14="http://schemas.microsoft.com/office/powerpoint/2010/main" val="3189044618"/>
-      </p:ext>
-    </p:extLst>
-  </p:cSld>
-  <p:clrMapOvr>
-    <a:masterClrMapping/>
-  </p:clrMapOvr>
-</p:sld>
-</file>
-
-<file path=ppt/slides/slide16.xml><?xml version="1.0" encoding="utf-8"?>
-<p:sld xmlns:a="http://schemas.openxmlformats.org/drawingml/2006/main" xmlns:r="http://schemas.openxmlformats.org/officeDocument/2006/relationships" xmlns:p="http://schemas.openxmlformats.org/presentationml/2006/main">
-  <p:cSld>
-    <p:spTree>
-      <p:nvGrpSpPr>
-        <p:cNvPr id="1" name=""/>
-        <p:cNvGrpSpPr/>
-        <p:nvPr/>
-      </p:nvGrpSpPr>
-      <p:grpSpPr>
-        <a:xfrm>
-          <a:off x="0" y="0"/>
-          <a:ext cx="0" cy="0"/>
-          <a:chOff x="0" y="0"/>
-          <a:chExt cx="0" cy="0"/>
-        </a:xfrm>
-      </p:grpSpPr>
-      <p:sp>
-        <p:nvSpPr>
-          <p:cNvPr id="6" name="TextBox 5">
-            <a:extLst>
-              <a:ext uri="{FF2B5EF4-FFF2-40B4-BE49-F238E27FC236}">
-                <a16:creationId xmlns:a16="http://schemas.microsoft.com/office/drawing/2014/main" id="{933CA7EB-D821-4578-A186-D330E9178EDE}"/>
-              </a:ext>
-            </a:extLst>
-          </p:cNvPr>
-          <p:cNvSpPr txBox="1"/>
-          <p:nvPr/>
-        </p:nvSpPr>
-        <p:spPr>
-          <a:xfrm>
-            <a:off x="87923" y="28551"/>
-            <a:ext cx="3622432" cy="338554"/>
-          </a:xfrm>
-          <a:prstGeom prst="rect">
-            <a:avLst/>
-          </a:prstGeom>
-          <a:noFill/>
-        </p:spPr>
-        <p:txBody>
-          <a:bodyPr wrap="square" rtlCol="0">
-            <a:spAutoFit/>
-          </a:bodyPr>
-          <a:lstStyle/>
-          <a:p>
-            <a:r>
-              <a:rPr lang="en-PH" sz="1600">
-                <a:solidFill>
-                  <a:schemeClr val="bg1"/>
-                </a:solidFill>
-                <a:latin typeface="Abadi" panose="020B0604020104020204" pitchFamily="34" charset="0"/>
-                <a:cs typeface="Aharoni" panose="020B0604020202020204" pitchFamily="2" charset="-79"/>
-              </a:rPr>
-              <a:t>INTRODUCTION TO COMPUTING</a:t>
-            </a:r>
-          </a:p>
-        </p:txBody>
-      </p:sp>
-      <p:sp>
-        <p:nvSpPr>
-          <p:cNvPr id="7" name="TextBox 6">
-            <a:extLst>
-              <a:ext uri="{FF2B5EF4-FFF2-40B4-BE49-F238E27FC236}">
-                <a16:creationId xmlns:a16="http://schemas.microsoft.com/office/drawing/2014/main" id="{9B128FD4-EE77-4086-837E-5EAF83B0DDD1}"/>
-              </a:ext>
-            </a:extLst>
-          </p:cNvPr>
-          <p:cNvSpPr txBox="1"/>
-          <p:nvPr/>
-        </p:nvSpPr>
-        <p:spPr>
-          <a:xfrm>
-            <a:off x="9182099" y="13190"/>
-            <a:ext cx="2948354" cy="338554"/>
-          </a:xfrm>
-          <a:prstGeom prst="rect">
-            <a:avLst/>
-          </a:prstGeom>
-          <a:noFill/>
-        </p:spPr>
-        <p:txBody>
-          <a:bodyPr wrap="square" rtlCol="0">
-            <a:spAutoFit/>
-          </a:bodyPr>
-          <a:lstStyle/>
-          <a:p>
-            <a:pPr algn="r"/>
-            <a:r>
-              <a:rPr lang="en-US" sz="1600" dirty="0">
-                <a:solidFill>
-                  <a:schemeClr val="bg1"/>
-                </a:solidFill>
-              </a:rPr>
-              <a:t>Course Code: CCINCOM/L</a:t>
-            </a:r>
-            <a:endParaRPr lang="en-PH" sz="1600" dirty="0">
-              <a:solidFill>
-                <a:schemeClr val="bg1"/>
-              </a:solidFill>
-              <a:latin typeface="Abadi" panose="020B0604020202020204" pitchFamily="34" charset="0"/>
-            </a:endParaRPr>
-          </a:p>
-        </p:txBody>
-      </p:sp>
-      <p:sp>
-        <p:nvSpPr>
-          <p:cNvPr id="8" name="TextBox 7">
-            <a:extLst>
-              <a:ext uri="{FF2B5EF4-FFF2-40B4-BE49-F238E27FC236}">
-                <a16:creationId xmlns:a16="http://schemas.microsoft.com/office/drawing/2014/main" id="{B95C7AD6-4918-4294-AA88-B72FB28833FE}"/>
-              </a:ext>
-            </a:extLst>
-          </p:cNvPr>
-          <p:cNvSpPr txBox="1"/>
-          <p:nvPr/>
-        </p:nvSpPr>
-        <p:spPr>
-          <a:xfrm>
-            <a:off x="0" y="6479929"/>
-            <a:ext cx="2461846" cy="338554"/>
-          </a:xfrm>
-          <a:prstGeom prst="rect">
-            <a:avLst/>
-          </a:prstGeom>
-          <a:noFill/>
-        </p:spPr>
-        <p:txBody>
-          <a:bodyPr wrap="square" rtlCol="0">
-            <a:spAutoFit/>
-          </a:bodyPr>
-          <a:lstStyle/>
-          <a:p>
-            <a:pPr algn="ctr"/>
-            <a:r>
-              <a:rPr lang="en-PH" sz="1600">
-                <a:solidFill>
-                  <a:schemeClr val="bg1"/>
-                </a:solidFill>
-                <a:latin typeface="Abadi" panose="020B0604020202020204" pitchFamily="34" charset="0"/>
-              </a:rPr>
-              <a:t>Joseph Marvin R. Imperial</a:t>
-            </a:r>
-          </a:p>
-        </p:txBody>
-      </p:sp>
-      <p:sp>
-        <p:nvSpPr>
-          <p:cNvPr id="9" name="TextBox 8">
-            <a:extLst>
-              <a:ext uri="{FF2B5EF4-FFF2-40B4-BE49-F238E27FC236}">
-                <a16:creationId xmlns:a16="http://schemas.microsoft.com/office/drawing/2014/main" id="{C3136E3D-4CFD-4EFC-98AB-367D0EF3C06B}"/>
-              </a:ext>
-            </a:extLst>
-          </p:cNvPr>
-          <p:cNvSpPr txBox="1"/>
-          <p:nvPr/>
-        </p:nvSpPr>
-        <p:spPr>
-          <a:xfrm>
-            <a:off x="7086601" y="6490896"/>
-            <a:ext cx="5105399" cy="338554"/>
-          </a:xfrm>
-          <a:prstGeom prst="rect">
-            <a:avLst/>
-          </a:prstGeom>
-          <a:noFill/>
-        </p:spPr>
-        <p:txBody>
-          <a:bodyPr wrap="square" rtlCol="0">
-            <a:spAutoFit/>
-          </a:bodyPr>
-          <a:lstStyle/>
-          <a:p>
-            <a:pPr algn="r"/>
-            <a:r>
-              <a:rPr lang="en-PH" sz="1600">
-                <a:solidFill>
-                  <a:schemeClr val="bg1"/>
-                </a:solidFill>
-                <a:latin typeface="Abadi" panose="020B0604020202020204" pitchFamily="34" charset="0"/>
-              </a:rPr>
-              <a:t>NU College of Computing and Information Technologies</a:t>
-            </a:r>
-          </a:p>
-        </p:txBody>
-      </p:sp>
-      <p:sp>
-        <p:nvSpPr>
-          <p:cNvPr id="13" name="Rectangle 12">
-            <a:extLst>
-              <a:ext uri="{FF2B5EF4-FFF2-40B4-BE49-F238E27FC236}">
-                <a16:creationId xmlns:a16="http://schemas.microsoft.com/office/drawing/2014/main" id="{251B30DC-ACC5-404F-B51D-13612F115E3E}"/>
-              </a:ext>
-            </a:extLst>
-          </p:cNvPr>
-          <p:cNvSpPr/>
-          <p:nvPr/>
-        </p:nvSpPr>
-        <p:spPr>
-          <a:xfrm>
-            <a:off x="0" y="6462346"/>
-            <a:ext cx="12192000" cy="395654"/>
-          </a:xfrm>
-          <a:prstGeom prst="rect">
-            <a:avLst/>
-          </a:prstGeom>
-          <a:solidFill>
-            <a:schemeClr val="accent5">
-              <a:lumMod val="50000"/>
-            </a:schemeClr>
-          </a:solidFill>
-          <a:effectLst>
-            <a:outerShdw blurRad="50800" dist="38100" dir="2700000" algn="tl" rotWithShape="0">
-              <a:prstClr val="black">
-                <a:alpha val="40000"/>
-              </a:prstClr>
-            </a:outerShdw>
-          </a:effectLst>
-        </p:spPr>
-        <p:style>
-          <a:lnRef idx="2">
-            <a:schemeClr val="accent1">
-              <a:shade val="50000"/>
-            </a:schemeClr>
-          </a:lnRef>
-          <a:fillRef idx="1">
-            <a:schemeClr val="accent1"/>
-          </a:fillRef>
-          <a:effectRef idx="0">
-            <a:schemeClr val="accent1"/>
-          </a:effectRef>
-          <a:fontRef idx="minor">
-            <a:schemeClr val="lt1"/>
-          </a:fontRef>
-        </p:style>
-        <p:txBody>
-          <a:bodyPr rtlCol="0" anchor="ctr"/>
-          <a:lstStyle/>
-          <a:p>
-            <a:pPr algn="ctr"/>
-            <a:endParaRPr lang="en-PH"/>
-          </a:p>
-        </p:txBody>
-      </p:sp>
-      <p:sp>
-        <p:nvSpPr>
-          <p:cNvPr id="14" name="TextBox 13">
-            <a:extLst>
-              <a:ext uri="{FF2B5EF4-FFF2-40B4-BE49-F238E27FC236}">
-                <a16:creationId xmlns:a16="http://schemas.microsoft.com/office/drawing/2014/main" id="{ACC57CA2-30CA-4DDD-A941-8B9CC393DAFA}"/>
-              </a:ext>
-            </a:extLst>
-          </p:cNvPr>
-          <p:cNvSpPr txBox="1"/>
-          <p:nvPr/>
-        </p:nvSpPr>
-        <p:spPr>
-          <a:xfrm>
-            <a:off x="0" y="6490896"/>
-            <a:ext cx="3622432" cy="338554"/>
-          </a:xfrm>
-          <a:prstGeom prst="rect">
-            <a:avLst/>
-          </a:prstGeom>
-          <a:noFill/>
-        </p:spPr>
-        <p:txBody>
-          <a:bodyPr wrap="square" rtlCol="0">
-            <a:spAutoFit/>
-          </a:bodyPr>
-          <a:lstStyle/>
-          <a:p>
-            <a:r>
-              <a:rPr lang="en-PH" sz="1600">
-                <a:solidFill>
-                  <a:schemeClr val="bg1"/>
-                </a:solidFill>
-                <a:latin typeface="Abadi" panose="020B0604020104020204" pitchFamily="34" charset="0"/>
-                <a:cs typeface="Aharoni" panose="020B0604020202020204" pitchFamily="2" charset="-79"/>
-              </a:rPr>
-              <a:t>REINFORCEMENT LEARNING</a:t>
-            </a:r>
-          </a:p>
-        </p:txBody>
-      </p:sp>
-      <p:sp>
-        <p:nvSpPr>
-          <p:cNvPr id="15" name="TextBox 14">
-            <a:extLst>
-              <a:ext uri="{FF2B5EF4-FFF2-40B4-BE49-F238E27FC236}">
-                <a16:creationId xmlns:a16="http://schemas.microsoft.com/office/drawing/2014/main" id="{31237222-F604-49F1-8989-AF06AF20EDD3}"/>
-              </a:ext>
-            </a:extLst>
-          </p:cNvPr>
-          <p:cNvSpPr txBox="1"/>
-          <p:nvPr/>
-        </p:nvSpPr>
-        <p:spPr>
-          <a:xfrm>
-            <a:off x="9243646" y="6490896"/>
-            <a:ext cx="2948354" cy="338554"/>
-          </a:xfrm>
-          <a:prstGeom prst="rect">
-            <a:avLst/>
-          </a:prstGeom>
-          <a:noFill/>
-        </p:spPr>
-        <p:txBody>
-          <a:bodyPr wrap="square" rtlCol="0">
-            <a:spAutoFit/>
-          </a:bodyPr>
-          <a:lstStyle/>
-          <a:p>
-            <a:pPr algn="r"/>
-            <a:r>
-              <a:rPr lang="en-US" sz="1600">
-                <a:solidFill>
-                  <a:schemeClr val="bg1"/>
-                </a:solidFill>
-                <a:latin typeface="Abadi" panose="020B0604020104020204" pitchFamily="34" charset="0"/>
-              </a:rPr>
-              <a:t>Course Code: CCRNFLRL</a:t>
-            </a:r>
-            <a:endParaRPr lang="en-PH" sz="1600">
-              <a:solidFill>
-                <a:schemeClr val="bg1"/>
-              </a:solidFill>
-              <a:latin typeface="Abadi" panose="020B0604020104020204" pitchFamily="34" charset="0"/>
-            </a:endParaRPr>
-          </a:p>
-        </p:txBody>
-      </p:sp>
-      <p:sp>
-        <p:nvSpPr>
-          <p:cNvPr id="5" name="Title 4">
-            <a:extLst>
-              <a:ext uri="{FF2B5EF4-FFF2-40B4-BE49-F238E27FC236}">
-                <a16:creationId xmlns:a16="http://schemas.microsoft.com/office/drawing/2014/main" id="{EC47D021-EEC4-42AC-B4C3-BC584CB5BC9D}"/>
-              </a:ext>
-            </a:extLst>
-          </p:cNvPr>
-          <p:cNvSpPr>
-            <a:spLocks noGrp="1"/>
-          </p:cNvSpPr>
-          <p:nvPr>
-            <p:ph type="title"/>
-          </p:nvPr>
-        </p:nvSpPr>
-        <p:spPr>
-          <a:xfrm>
-            <a:off x="352425" y="292273"/>
-            <a:ext cx="11458574" cy="869778"/>
-          </a:xfrm>
-        </p:spPr>
-        <p:txBody>
-          <a:bodyPr/>
-          <a:lstStyle/>
-          <a:p>
-            <a:r>
-              <a:rPr lang="en-PH" b="1" dirty="0">
-                <a:latin typeface="+mn-lt"/>
-              </a:rPr>
-              <a:t>Temporal Difference Backup</a:t>
-            </a:r>
-          </a:p>
-        </p:txBody>
-      </p:sp>
-      <p:pic>
-        <p:nvPicPr>
-          <p:cNvPr id="4" name="Picture 3">
-            <a:extLst>
-              <a:ext uri="{FF2B5EF4-FFF2-40B4-BE49-F238E27FC236}">
-                <a16:creationId xmlns:a16="http://schemas.microsoft.com/office/drawing/2014/main" id="{E21AA8FF-0601-4936-FE21-394165DF8A81}"/>
-              </a:ext>
-            </a:extLst>
-          </p:cNvPr>
-          <p:cNvPicPr>
-            <a:picLocks noChangeAspect="1"/>
-          </p:cNvPicPr>
-          <p:nvPr/>
-        </p:nvPicPr>
-        <p:blipFill>
-          <a:blip r:embed="rId2">
-            <a:extLst>
-              <a:ext uri="{28A0092B-C50C-407E-A947-70E740481C1C}">
-                <a14:useLocalDpi xmlns:a14="http://schemas.microsoft.com/office/drawing/2010/main" val="0"/>
-              </a:ext>
-            </a:extLst>
-          </a:blip>
-          <a:stretch>
-            <a:fillRect/>
-          </a:stretch>
-        </p:blipFill>
-        <p:spPr>
-          <a:xfrm>
-            <a:off x="2195512" y="1162051"/>
-            <a:ext cx="7772400" cy="4986228"/>
-          </a:xfrm>
-          <a:prstGeom prst="rect">
-            <a:avLst/>
-          </a:prstGeom>
-        </p:spPr>
-      </p:pic>
-    </p:spTree>
-    <p:extLst>
-      <p:ext uri="{BB962C8B-B14F-4D97-AF65-F5344CB8AC3E}">
-        <p14:creationId xmlns:p14="http://schemas.microsoft.com/office/powerpoint/2010/main" val="3677392528"/>
-      </p:ext>
-    </p:extLst>
-  </p:cSld>
-  <p:clrMapOvr>
-    <a:masterClrMapping/>
-  </p:clrMapOvr>
-</p:sld>
-</file>
-
 <file path=ppt/slides/slide17.xml><?xml version="1.0" encoding="utf-8"?>
 <p:sld xmlns:a="http://schemas.openxmlformats.org/drawingml/2006/main" xmlns:r="http://schemas.openxmlformats.org/officeDocument/2006/relationships" xmlns:p="http://schemas.openxmlformats.org/presentationml/2006/main">
   <p:cSld>
@@ -12803,197 +14180,51 @@
               <a:rPr lang="en-PH" b="1" dirty="0">
                 <a:latin typeface="+mn-lt"/>
               </a:rPr>
-              <a:t>Bootstrapping and Sampling</a:t>
-            </a:r>
-          </a:p>
-        </p:txBody>
-      </p:sp>
-      <p:sp>
-        <p:nvSpPr>
-          <p:cNvPr id="4" name="TextBox 3">
-            <a:extLst>
-              <a:ext uri="{FF2B5EF4-FFF2-40B4-BE49-F238E27FC236}">
-                <a16:creationId xmlns:a16="http://schemas.microsoft.com/office/drawing/2014/main" id="{DC942B3B-17B6-C02A-21CC-8B17B06224B7}"/>
-              </a:ext>
-            </a:extLst>
-          </p:cNvPr>
-          <p:cNvSpPr txBox="1"/>
+              <a:t>Dynamic Programming</a:t>
+            </a:r>
+          </a:p>
+        </p:txBody>
+      </p:sp>
+      <p:pic>
+        <p:nvPicPr>
+          <p:cNvPr id="3" name="Picture 2">
+            <a:extLst>
+              <a:ext uri="{FF2B5EF4-FFF2-40B4-BE49-F238E27FC236}">
+                <a16:creationId xmlns:a16="http://schemas.microsoft.com/office/drawing/2014/main" id="{9E62B824-FAF0-30CA-FBC7-F5E98740B7B8}"/>
+              </a:ext>
+            </a:extLst>
+          </p:cNvPr>
+          <p:cNvPicPr>
+            <a:picLocks noChangeAspect="1"/>
+          </p:cNvPicPr>
           <p:nvPr/>
-        </p:nvSpPr>
-        <p:spPr>
-          <a:xfrm>
-            <a:off x="520861" y="1441134"/>
-            <a:ext cx="4626523" cy="1200329"/>
+        </p:nvPicPr>
+        <p:blipFill>
+          <a:blip r:embed="rId2">
+            <a:extLst>
+              <a:ext uri="{28A0092B-C50C-407E-A947-70E740481C1C}">
+                <a14:useLocalDpi xmlns:a14="http://schemas.microsoft.com/office/drawing/2010/main" val="0"/>
+              </a:ext>
+            </a:extLst>
+          </a:blip>
+          <a:stretch>
+            <a:fillRect/>
+          </a:stretch>
+        </p:blipFill>
+        <p:spPr>
+          <a:xfrm>
+            <a:off x="2863324" y="1337552"/>
+            <a:ext cx="6465352" cy="4430105"/>
           </a:xfrm>
           <a:prstGeom prst="rect">
             <a:avLst/>
           </a:prstGeom>
-          <a:noFill/>
-        </p:spPr>
-        <p:txBody>
-          <a:bodyPr wrap="none" rtlCol="0">
-            <a:spAutoFit/>
-          </a:bodyPr>
-          <a:lstStyle/>
-          <a:p>
-            <a:pPr marL="285750" indent="-285750">
-              <a:buFont typeface="Wingdings" pitchFamily="2" charset="2"/>
-              <a:buChar char="§"/>
-            </a:pPr>
-            <a:r>
-              <a:rPr lang="en-US" b="1" dirty="0">
-                <a:solidFill>
-                  <a:srgbClr val="0070C0"/>
-                </a:solidFill>
-              </a:rPr>
-              <a:t>Bootstrapping</a:t>
-            </a:r>
-            <a:r>
-              <a:rPr lang="en-US" dirty="0"/>
-              <a:t>: updates involves an estimate</a:t>
-            </a:r>
-          </a:p>
-          <a:p>
-            <a:pPr marL="742950" lvl="1" indent="-285750">
-              <a:buFont typeface="Wingdings" pitchFamily="2" charset="2"/>
-              <a:buChar char="§"/>
-            </a:pPr>
-            <a:r>
-              <a:rPr lang="en-US" dirty="0"/>
-              <a:t>MC does not bootstrap</a:t>
-            </a:r>
-          </a:p>
-          <a:p>
-            <a:pPr marL="742950" lvl="1" indent="-285750">
-              <a:buFont typeface="Wingdings" pitchFamily="2" charset="2"/>
-              <a:buChar char="§"/>
-            </a:pPr>
-            <a:r>
-              <a:rPr lang="en-US" dirty="0"/>
-              <a:t>DP bootstraps</a:t>
-            </a:r>
-          </a:p>
-          <a:p>
-            <a:pPr marL="742950" lvl="1" indent="-285750">
-              <a:buFont typeface="Wingdings" pitchFamily="2" charset="2"/>
-              <a:buChar char="§"/>
-            </a:pPr>
-            <a:r>
-              <a:rPr lang="en-US" dirty="0"/>
-              <a:t>TD bootstraps</a:t>
-            </a:r>
-          </a:p>
-        </p:txBody>
-      </p:sp>
-      <p:sp>
-        <p:nvSpPr>
-          <p:cNvPr id="11" name="TextBox 10">
-            <a:extLst>
-              <a:ext uri="{FF2B5EF4-FFF2-40B4-BE49-F238E27FC236}">
-                <a16:creationId xmlns:a16="http://schemas.microsoft.com/office/drawing/2014/main" id="{BD7E4D0B-3E42-AE2F-D5BF-6042471EF122}"/>
-              </a:ext>
-            </a:extLst>
-          </p:cNvPr>
-          <p:cNvSpPr txBox="1"/>
-          <p:nvPr/>
-        </p:nvSpPr>
-        <p:spPr>
-          <a:xfrm>
-            <a:off x="520860" y="3062376"/>
-            <a:ext cx="4449873" cy="2308324"/>
-          </a:xfrm>
-          <a:prstGeom prst="rect">
-            <a:avLst/>
-          </a:prstGeom>
-          <a:noFill/>
-        </p:spPr>
-        <p:txBody>
-          <a:bodyPr wrap="none" rtlCol="0">
-            <a:spAutoFit/>
-          </a:bodyPr>
-          <a:lstStyle/>
-          <a:p>
-            <a:pPr marL="285750" indent="-285750">
-              <a:buFont typeface="Wingdings" pitchFamily="2" charset="2"/>
-              <a:buChar char="§"/>
-            </a:pPr>
-            <a:r>
-              <a:rPr lang="en-US" b="1" dirty="0">
-                <a:solidFill>
-                  <a:srgbClr val="0070C0"/>
-                </a:solidFill>
-              </a:rPr>
-              <a:t>Sampling</a:t>
-            </a:r>
-            <a:r>
-              <a:rPr lang="en-US" dirty="0"/>
-              <a:t>: updates involves an expectation</a:t>
-            </a:r>
-          </a:p>
-          <a:p>
-            <a:pPr marL="742950" lvl="1" indent="-285750">
-              <a:buFont typeface="Wingdings" pitchFamily="2" charset="2"/>
-              <a:buChar char="§"/>
-            </a:pPr>
-            <a:r>
-              <a:rPr lang="en-US" dirty="0"/>
-              <a:t>MC samples</a:t>
-            </a:r>
-          </a:p>
-          <a:p>
-            <a:pPr marL="742950" lvl="1" indent="-285750">
-              <a:buFont typeface="Wingdings" pitchFamily="2" charset="2"/>
-              <a:buChar char="§"/>
-            </a:pPr>
-            <a:r>
-              <a:rPr lang="en-US" dirty="0"/>
-              <a:t>DP does not sample</a:t>
-            </a:r>
-          </a:p>
-          <a:p>
-            <a:pPr marL="742950" lvl="1" indent="-285750">
-              <a:buFont typeface="Wingdings" pitchFamily="2" charset="2"/>
-              <a:buChar char="§"/>
-            </a:pPr>
-            <a:r>
-              <a:rPr lang="en-US" dirty="0"/>
-              <a:t>TD samples</a:t>
-            </a:r>
-          </a:p>
-          <a:p>
-            <a:pPr marL="742950" lvl="1" indent="-285750">
-              <a:buFont typeface="Wingdings" pitchFamily="2" charset="2"/>
-              <a:buChar char="§"/>
-            </a:pPr>
-            <a:endParaRPr lang="en-US" dirty="0"/>
-          </a:p>
-          <a:p>
-            <a:pPr marL="742950" lvl="1" indent="-285750">
-              <a:buFont typeface="Wingdings" pitchFamily="2" charset="2"/>
-              <a:buChar char="§"/>
-            </a:pPr>
-            <a:endParaRPr lang="en-US" dirty="0"/>
-          </a:p>
-          <a:p>
-            <a:pPr marL="742950" lvl="1" indent="-285750">
-              <a:buFont typeface="Wingdings" pitchFamily="2" charset="2"/>
-              <a:buChar char="§"/>
-            </a:pPr>
-            <a:endParaRPr lang="en-US" dirty="0"/>
-          </a:p>
-          <a:p>
-            <a:pPr marL="742950" lvl="1" indent="-285750">
-              <a:buFont typeface="Wingdings" pitchFamily="2" charset="2"/>
-              <a:buChar char="§"/>
-            </a:pPr>
-            <a:endParaRPr lang="en-US" dirty="0"/>
-          </a:p>
-        </p:txBody>
-      </p:sp>
+        </p:spPr>
+      </p:pic>
     </p:spTree>
     <p:extLst>
       <p:ext uri="{BB962C8B-B14F-4D97-AF65-F5344CB8AC3E}">
-        <p14:creationId xmlns:p14="http://schemas.microsoft.com/office/powerpoint/2010/main" val="1919620898"/>
+        <p14:creationId xmlns:p14="http://schemas.microsoft.com/office/powerpoint/2010/main" val="1161498190"/>
       </p:ext>
     </p:extLst>
   </p:cSld>
@@ -13365,17 +14596,17 @@
               <a:rPr lang="en-PH" b="1" dirty="0">
                 <a:latin typeface="+mn-lt"/>
               </a:rPr>
-              <a:t>Unified view of Reinforcement Learning</a:t>
+              <a:t>Monte-Carlo Backup</a:t>
             </a:r>
           </a:p>
         </p:txBody>
       </p:sp>
       <p:pic>
         <p:nvPicPr>
-          <p:cNvPr id="16" name="Picture 15">
-            <a:extLst>
-              <a:ext uri="{FF2B5EF4-FFF2-40B4-BE49-F238E27FC236}">
-                <a16:creationId xmlns:a16="http://schemas.microsoft.com/office/drawing/2014/main" id="{1147C984-87D1-A1F3-2CAD-5A4CFCFD2316}"/>
+          <p:cNvPr id="4" name="Picture 3">
+            <a:extLst>
+              <a:ext uri="{FF2B5EF4-FFF2-40B4-BE49-F238E27FC236}">
+                <a16:creationId xmlns:a16="http://schemas.microsoft.com/office/drawing/2014/main" id="{9EF157D2-BB50-E182-33BC-847560D60AA7}"/>
               </a:ext>
             </a:extLst>
           </p:cNvPr>
@@ -13398,8 +14629,8 @@
         </p:blipFill>
         <p:spPr>
           <a:xfrm>
-            <a:off x="2195512" y="1233935"/>
-            <a:ext cx="7772400" cy="5156527"/>
+            <a:off x="2195512" y="1006997"/>
+            <a:ext cx="7772400" cy="5121278"/>
           </a:xfrm>
           <a:prstGeom prst="rect">
             <a:avLst/>
@@ -13409,7 +14640,7 @@
     </p:spTree>
     <p:extLst>
       <p:ext uri="{BB962C8B-B14F-4D97-AF65-F5344CB8AC3E}">
-        <p14:creationId xmlns:p14="http://schemas.microsoft.com/office/powerpoint/2010/main" val="3307047475"/>
+        <p14:creationId xmlns:p14="http://schemas.microsoft.com/office/powerpoint/2010/main" val="3189044618"/>
       </p:ext>
     </p:extLst>
   </p:cSld>
@@ -13781,40 +15012,17 @@
               <a:rPr lang="en-PH" b="1" dirty="0">
                 <a:latin typeface="+mn-lt"/>
               </a:rPr>
-              <a:t>TD (</a:t>
-            </a:r>
-            <a:r>
-              <a:rPr lang="el-GR" b="1" i="0" u="none" strike="noStrike" dirty="0">
-                <a:solidFill>
-                  <a:srgbClr val="222222"/>
-                </a:solidFill>
-                <a:effectLst/>
-                <a:latin typeface="times new roman" panose="02020603050405020304" pitchFamily="18" charset="0"/>
-              </a:rPr>
-              <a:t>λ</a:t>
-            </a:r>
-            <a:r>
-              <a:rPr lang="en-US" b="1" i="0" u="none" strike="noStrike" dirty="0">
-                <a:solidFill>
-                  <a:srgbClr val="222222"/>
-                </a:solidFill>
-                <a:effectLst/>
-                <a:latin typeface="times new roman" panose="02020603050405020304" pitchFamily="18" charset="0"/>
-              </a:rPr>
-              <a:t>)</a:t>
-            </a:r>
-            <a:endParaRPr lang="en-PH" b="1" dirty="0">
-              <a:latin typeface="+mn-lt"/>
-            </a:endParaRPr>
+              <a:t>Temporal Difference Backup</a:t>
+            </a:r>
           </a:p>
         </p:txBody>
       </p:sp>
       <p:pic>
         <p:nvPicPr>
-          <p:cNvPr id="3" name="Picture 2">
-            <a:extLst>
-              <a:ext uri="{FF2B5EF4-FFF2-40B4-BE49-F238E27FC236}">
-                <a16:creationId xmlns:a16="http://schemas.microsoft.com/office/drawing/2014/main" id="{77767BE5-ED46-D56A-B20C-4D57D1019883}"/>
+          <p:cNvPr id="4" name="Picture 3">
+            <a:extLst>
+              <a:ext uri="{FF2B5EF4-FFF2-40B4-BE49-F238E27FC236}">
+                <a16:creationId xmlns:a16="http://schemas.microsoft.com/office/drawing/2014/main" id="{E21AA8FF-0601-4936-FE21-394165DF8A81}"/>
               </a:ext>
             </a:extLst>
           </p:cNvPr>
@@ -13838,7 +15046,7 @@
         <p:spPr>
           <a:xfrm>
             <a:off x="2195512" y="1162051"/>
-            <a:ext cx="7772400" cy="4779199"/>
+            <a:ext cx="7772400" cy="4986228"/>
           </a:xfrm>
           <a:prstGeom prst="rect">
             <a:avLst/>
@@ -13848,7 +15056,7 @@
     </p:spTree>
     <p:extLst>
       <p:ext uri="{BB962C8B-B14F-4D97-AF65-F5344CB8AC3E}">
-        <p14:creationId xmlns:p14="http://schemas.microsoft.com/office/powerpoint/2010/main" val="2941283396"/>
+        <p14:creationId xmlns:p14="http://schemas.microsoft.com/office/powerpoint/2010/main" val="3677392528"/>
       </p:ext>
     </p:extLst>
   </p:cSld>
@@ -14700,6 +15908,1423 @@
               <a:rPr lang="en-PH" b="1" dirty="0">
                 <a:latin typeface="+mn-lt"/>
               </a:rPr>
+              <a:t>Bootstrapping and Sampling</a:t>
+            </a:r>
+          </a:p>
+        </p:txBody>
+      </p:sp>
+      <p:sp>
+        <p:nvSpPr>
+          <p:cNvPr id="4" name="TextBox 3">
+            <a:extLst>
+              <a:ext uri="{FF2B5EF4-FFF2-40B4-BE49-F238E27FC236}">
+                <a16:creationId xmlns:a16="http://schemas.microsoft.com/office/drawing/2014/main" id="{DC942B3B-17B6-C02A-21CC-8B17B06224B7}"/>
+              </a:ext>
+            </a:extLst>
+          </p:cNvPr>
+          <p:cNvSpPr txBox="1"/>
+          <p:nvPr/>
+        </p:nvSpPr>
+        <p:spPr>
+          <a:xfrm>
+            <a:off x="520861" y="1441134"/>
+            <a:ext cx="4626523" cy="1200329"/>
+          </a:xfrm>
+          <a:prstGeom prst="rect">
+            <a:avLst/>
+          </a:prstGeom>
+          <a:noFill/>
+        </p:spPr>
+        <p:txBody>
+          <a:bodyPr wrap="none" rtlCol="0">
+            <a:spAutoFit/>
+          </a:bodyPr>
+          <a:lstStyle/>
+          <a:p>
+            <a:pPr marL="285750" indent="-285750">
+              <a:buFont typeface="Wingdings" pitchFamily="2" charset="2"/>
+              <a:buChar char="§"/>
+            </a:pPr>
+            <a:r>
+              <a:rPr lang="en-US" b="1" dirty="0">
+                <a:solidFill>
+                  <a:srgbClr val="0070C0"/>
+                </a:solidFill>
+              </a:rPr>
+              <a:t>Bootstrapping</a:t>
+            </a:r>
+            <a:r>
+              <a:rPr lang="en-US" dirty="0"/>
+              <a:t>: updates involves an estimate</a:t>
+            </a:r>
+          </a:p>
+          <a:p>
+            <a:pPr marL="742950" lvl="1" indent="-285750">
+              <a:buFont typeface="Wingdings" pitchFamily="2" charset="2"/>
+              <a:buChar char="§"/>
+            </a:pPr>
+            <a:r>
+              <a:rPr lang="en-US" dirty="0"/>
+              <a:t>MC does not bootstrap</a:t>
+            </a:r>
+          </a:p>
+          <a:p>
+            <a:pPr marL="742950" lvl="1" indent="-285750">
+              <a:buFont typeface="Wingdings" pitchFamily="2" charset="2"/>
+              <a:buChar char="§"/>
+            </a:pPr>
+            <a:r>
+              <a:rPr lang="en-US" dirty="0"/>
+              <a:t>DP bootstraps</a:t>
+            </a:r>
+          </a:p>
+          <a:p>
+            <a:pPr marL="742950" lvl="1" indent="-285750">
+              <a:buFont typeface="Wingdings" pitchFamily="2" charset="2"/>
+              <a:buChar char="§"/>
+            </a:pPr>
+            <a:r>
+              <a:rPr lang="en-US" dirty="0"/>
+              <a:t>TD bootstraps</a:t>
+            </a:r>
+          </a:p>
+        </p:txBody>
+      </p:sp>
+      <p:sp>
+        <p:nvSpPr>
+          <p:cNvPr id="11" name="TextBox 10">
+            <a:extLst>
+              <a:ext uri="{FF2B5EF4-FFF2-40B4-BE49-F238E27FC236}">
+                <a16:creationId xmlns:a16="http://schemas.microsoft.com/office/drawing/2014/main" id="{BD7E4D0B-3E42-AE2F-D5BF-6042471EF122}"/>
+              </a:ext>
+            </a:extLst>
+          </p:cNvPr>
+          <p:cNvSpPr txBox="1"/>
+          <p:nvPr/>
+        </p:nvSpPr>
+        <p:spPr>
+          <a:xfrm>
+            <a:off x="520860" y="3062376"/>
+            <a:ext cx="4449873" cy="2308324"/>
+          </a:xfrm>
+          <a:prstGeom prst="rect">
+            <a:avLst/>
+          </a:prstGeom>
+          <a:noFill/>
+        </p:spPr>
+        <p:txBody>
+          <a:bodyPr wrap="none" rtlCol="0">
+            <a:spAutoFit/>
+          </a:bodyPr>
+          <a:lstStyle/>
+          <a:p>
+            <a:pPr marL="285750" indent="-285750">
+              <a:buFont typeface="Wingdings" pitchFamily="2" charset="2"/>
+              <a:buChar char="§"/>
+            </a:pPr>
+            <a:r>
+              <a:rPr lang="en-US" b="1" dirty="0">
+                <a:solidFill>
+                  <a:srgbClr val="0070C0"/>
+                </a:solidFill>
+              </a:rPr>
+              <a:t>Sampling</a:t>
+            </a:r>
+            <a:r>
+              <a:rPr lang="en-US" dirty="0"/>
+              <a:t>: updates involves an expectation</a:t>
+            </a:r>
+          </a:p>
+          <a:p>
+            <a:pPr marL="742950" lvl="1" indent="-285750">
+              <a:buFont typeface="Wingdings" pitchFamily="2" charset="2"/>
+              <a:buChar char="§"/>
+            </a:pPr>
+            <a:r>
+              <a:rPr lang="en-US" dirty="0"/>
+              <a:t>MC samples</a:t>
+            </a:r>
+          </a:p>
+          <a:p>
+            <a:pPr marL="742950" lvl="1" indent="-285750">
+              <a:buFont typeface="Wingdings" pitchFamily="2" charset="2"/>
+              <a:buChar char="§"/>
+            </a:pPr>
+            <a:r>
+              <a:rPr lang="en-US" dirty="0"/>
+              <a:t>DP does not sample</a:t>
+            </a:r>
+          </a:p>
+          <a:p>
+            <a:pPr marL="742950" lvl="1" indent="-285750">
+              <a:buFont typeface="Wingdings" pitchFamily="2" charset="2"/>
+              <a:buChar char="§"/>
+            </a:pPr>
+            <a:r>
+              <a:rPr lang="en-US" dirty="0"/>
+              <a:t>TD samples</a:t>
+            </a:r>
+          </a:p>
+          <a:p>
+            <a:pPr marL="742950" lvl="1" indent="-285750">
+              <a:buFont typeface="Wingdings" pitchFamily="2" charset="2"/>
+              <a:buChar char="§"/>
+            </a:pPr>
+            <a:endParaRPr lang="en-US" dirty="0"/>
+          </a:p>
+          <a:p>
+            <a:pPr marL="742950" lvl="1" indent="-285750">
+              <a:buFont typeface="Wingdings" pitchFamily="2" charset="2"/>
+              <a:buChar char="§"/>
+            </a:pPr>
+            <a:endParaRPr lang="en-US" dirty="0"/>
+          </a:p>
+          <a:p>
+            <a:pPr marL="742950" lvl="1" indent="-285750">
+              <a:buFont typeface="Wingdings" pitchFamily="2" charset="2"/>
+              <a:buChar char="§"/>
+            </a:pPr>
+            <a:endParaRPr lang="en-US" dirty="0"/>
+          </a:p>
+          <a:p>
+            <a:pPr marL="742950" lvl="1" indent="-285750">
+              <a:buFont typeface="Wingdings" pitchFamily="2" charset="2"/>
+              <a:buChar char="§"/>
+            </a:pPr>
+            <a:endParaRPr lang="en-US" dirty="0"/>
+          </a:p>
+        </p:txBody>
+      </p:sp>
+    </p:spTree>
+    <p:extLst>
+      <p:ext uri="{BB962C8B-B14F-4D97-AF65-F5344CB8AC3E}">
+        <p14:creationId xmlns:p14="http://schemas.microsoft.com/office/powerpoint/2010/main" val="1919620898"/>
+      </p:ext>
+    </p:extLst>
+  </p:cSld>
+  <p:clrMapOvr>
+    <a:masterClrMapping/>
+  </p:clrMapOvr>
+</p:sld>
+</file>
+
+<file path=ppt/slides/slide21.xml><?xml version="1.0" encoding="utf-8"?>
+<p:sld xmlns:a="http://schemas.openxmlformats.org/drawingml/2006/main" xmlns:r="http://schemas.openxmlformats.org/officeDocument/2006/relationships" xmlns:p="http://schemas.openxmlformats.org/presentationml/2006/main">
+  <p:cSld>
+    <p:spTree>
+      <p:nvGrpSpPr>
+        <p:cNvPr id="1" name=""/>
+        <p:cNvGrpSpPr/>
+        <p:nvPr/>
+      </p:nvGrpSpPr>
+      <p:grpSpPr>
+        <a:xfrm>
+          <a:off x="0" y="0"/>
+          <a:ext cx="0" cy="0"/>
+          <a:chOff x="0" y="0"/>
+          <a:chExt cx="0" cy="0"/>
+        </a:xfrm>
+      </p:grpSpPr>
+      <p:sp>
+        <p:nvSpPr>
+          <p:cNvPr id="6" name="TextBox 5">
+            <a:extLst>
+              <a:ext uri="{FF2B5EF4-FFF2-40B4-BE49-F238E27FC236}">
+                <a16:creationId xmlns:a16="http://schemas.microsoft.com/office/drawing/2014/main" id="{933CA7EB-D821-4578-A186-D330E9178EDE}"/>
+              </a:ext>
+            </a:extLst>
+          </p:cNvPr>
+          <p:cNvSpPr txBox="1"/>
+          <p:nvPr/>
+        </p:nvSpPr>
+        <p:spPr>
+          <a:xfrm>
+            <a:off x="87923" y="28551"/>
+            <a:ext cx="3622432" cy="338554"/>
+          </a:xfrm>
+          <a:prstGeom prst="rect">
+            <a:avLst/>
+          </a:prstGeom>
+          <a:noFill/>
+        </p:spPr>
+        <p:txBody>
+          <a:bodyPr wrap="square" rtlCol="0">
+            <a:spAutoFit/>
+          </a:bodyPr>
+          <a:lstStyle/>
+          <a:p>
+            <a:r>
+              <a:rPr lang="en-PH" sz="1600">
+                <a:solidFill>
+                  <a:schemeClr val="bg1"/>
+                </a:solidFill>
+                <a:latin typeface="Abadi" panose="020B0604020104020204" pitchFamily="34" charset="0"/>
+                <a:cs typeface="Aharoni" panose="020B0604020202020204" pitchFamily="2" charset="-79"/>
+              </a:rPr>
+              <a:t>INTRODUCTION TO COMPUTING</a:t>
+            </a:r>
+          </a:p>
+        </p:txBody>
+      </p:sp>
+      <p:sp>
+        <p:nvSpPr>
+          <p:cNvPr id="7" name="TextBox 6">
+            <a:extLst>
+              <a:ext uri="{FF2B5EF4-FFF2-40B4-BE49-F238E27FC236}">
+                <a16:creationId xmlns:a16="http://schemas.microsoft.com/office/drawing/2014/main" id="{9B128FD4-EE77-4086-837E-5EAF83B0DDD1}"/>
+              </a:ext>
+            </a:extLst>
+          </p:cNvPr>
+          <p:cNvSpPr txBox="1"/>
+          <p:nvPr/>
+        </p:nvSpPr>
+        <p:spPr>
+          <a:xfrm>
+            <a:off x="9182099" y="13190"/>
+            <a:ext cx="2948354" cy="338554"/>
+          </a:xfrm>
+          <a:prstGeom prst="rect">
+            <a:avLst/>
+          </a:prstGeom>
+          <a:noFill/>
+        </p:spPr>
+        <p:txBody>
+          <a:bodyPr wrap="square" rtlCol="0">
+            <a:spAutoFit/>
+          </a:bodyPr>
+          <a:lstStyle/>
+          <a:p>
+            <a:pPr algn="r"/>
+            <a:r>
+              <a:rPr lang="en-US" sz="1600" dirty="0">
+                <a:solidFill>
+                  <a:schemeClr val="bg1"/>
+                </a:solidFill>
+              </a:rPr>
+              <a:t>Course Code: CCINCOM/L</a:t>
+            </a:r>
+            <a:endParaRPr lang="en-PH" sz="1600" dirty="0">
+              <a:solidFill>
+                <a:schemeClr val="bg1"/>
+              </a:solidFill>
+              <a:latin typeface="Abadi" panose="020B0604020202020204" pitchFamily="34" charset="0"/>
+            </a:endParaRPr>
+          </a:p>
+        </p:txBody>
+      </p:sp>
+      <p:sp>
+        <p:nvSpPr>
+          <p:cNvPr id="8" name="TextBox 7">
+            <a:extLst>
+              <a:ext uri="{FF2B5EF4-FFF2-40B4-BE49-F238E27FC236}">
+                <a16:creationId xmlns:a16="http://schemas.microsoft.com/office/drawing/2014/main" id="{B95C7AD6-4918-4294-AA88-B72FB28833FE}"/>
+              </a:ext>
+            </a:extLst>
+          </p:cNvPr>
+          <p:cNvSpPr txBox="1"/>
+          <p:nvPr/>
+        </p:nvSpPr>
+        <p:spPr>
+          <a:xfrm>
+            <a:off x="0" y="6479929"/>
+            <a:ext cx="2461846" cy="338554"/>
+          </a:xfrm>
+          <a:prstGeom prst="rect">
+            <a:avLst/>
+          </a:prstGeom>
+          <a:noFill/>
+        </p:spPr>
+        <p:txBody>
+          <a:bodyPr wrap="square" rtlCol="0">
+            <a:spAutoFit/>
+          </a:bodyPr>
+          <a:lstStyle/>
+          <a:p>
+            <a:pPr algn="ctr"/>
+            <a:r>
+              <a:rPr lang="en-PH" sz="1600">
+                <a:solidFill>
+                  <a:schemeClr val="bg1"/>
+                </a:solidFill>
+                <a:latin typeface="Abadi" panose="020B0604020202020204" pitchFamily="34" charset="0"/>
+              </a:rPr>
+              <a:t>Joseph Marvin R. Imperial</a:t>
+            </a:r>
+          </a:p>
+        </p:txBody>
+      </p:sp>
+      <p:sp>
+        <p:nvSpPr>
+          <p:cNvPr id="9" name="TextBox 8">
+            <a:extLst>
+              <a:ext uri="{FF2B5EF4-FFF2-40B4-BE49-F238E27FC236}">
+                <a16:creationId xmlns:a16="http://schemas.microsoft.com/office/drawing/2014/main" id="{C3136E3D-4CFD-4EFC-98AB-367D0EF3C06B}"/>
+              </a:ext>
+            </a:extLst>
+          </p:cNvPr>
+          <p:cNvSpPr txBox="1"/>
+          <p:nvPr/>
+        </p:nvSpPr>
+        <p:spPr>
+          <a:xfrm>
+            <a:off x="7086601" y="6490896"/>
+            <a:ext cx="5105399" cy="338554"/>
+          </a:xfrm>
+          <a:prstGeom prst="rect">
+            <a:avLst/>
+          </a:prstGeom>
+          <a:noFill/>
+        </p:spPr>
+        <p:txBody>
+          <a:bodyPr wrap="square" rtlCol="0">
+            <a:spAutoFit/>
+          </a:bodyPr>
+          <a:lstStyle/>
+          <a:p>
+            <a:pPr algn="r"/>
+            <a:r>
+              <a:rPr lang="en-PH" sz="1600">
+                <a:solidFill>
+                  <a:schemeClr val="bg1"/>
+                </a:solidFill>
+                <a:latin typeface="Abadi" panose="020B0604020202020204" pitchFamily="34" charset="0"/>
+              </a:rPr>
+              <a:t>NU College of Computing and Information Technologies</a:t>
+            </a:r>
+          </a:p>
+        </p:txBody>
+      </p:sp>
+      <p:sp>
+        <p:nvSpPr>
+          <p:cNvPr id="13" name="Rectangle 12">
+            <a:extLst>
+              <a:ext uri="{FF2B5EF4-FFF2-40B4-BE49-F238E27FC236}">
+                <a16:creationId xmlns:a16="http://schemas.microsoft.com/office/drawing/2014/main" id="{251B30DC-ACC5-404F-B51D-13612F115E3E}"/>
+              </a:ext>
+            </a:extLst>
+          </p:cNvPr>
+          <p:cNvSpPr/>
+          <p:nvPr/>
+        </p:nvSpPr>
+        <p:spPr>
+          <a:xfrm>
+            <a:off x="0" y="6462346"/>
+            <a:ext cx="12192000" cy="395654"/>
+          </a:xfrm>
+          <a:prstGeom prst="rect">
+            <a:avLst/>
+          </a:prstGeom>
+          <a:solidFill>
+            <a:schemeClr val="accent5">
+              <a:lumMod val="50000"/>
+            </a:schemeClr>
+          </a:solidFill>
+          <a:effectLst>
+            <a:outerShdw blurRad="50800" dist="38100" dir="2700000" algn="tl" rotWithShape="0">
+              <a:prstClr val="black">
+                <a:alpha val="40000"/>
+              </a:prstClr>
+            </a:outerShdw>
+          </a:effectLst>
+        </p:spPr>
+        <p:style>
+          <a:lnRef idx="2">
+            <a:schemeClr val="accent1">
+              <a:shade val="50000"/>
+            </a:schemeClr>
+          </a:lnRef>
+          <a:fillRef idx="1">
+            <a:schemeClr val="accent1"/>
+          </a:fillRef>
+          <a:effectRef idx="0">
+            <a:schemeClr val="accent1"/>
+          </a:effectRef>
+          <a:fontRef idx="minor">
+            <a:schemeClr val="lt1"/>
+          </a:fontRef>
+        </p:style>
+        <p:txBody>
+          <a:bodyPr rtlCol="0" anchor="ctr"/>
+          <a:lstStyle/>
+          <a:p>
+            <a:pPr algn="ctr"/>
+            <a:endParaRPr lang="en-PH"/>
+          </a:p>
+        </p:txBody>
+      </p:sp>
+      <p:sp>
+        <p:nvSpPr>
+          <p:cNvPr id="14" name="TextBox 13">
+            <a:extLst>
+              <a:ext uri="{FF2B5EF4-FFF2-40B4-BE49-F238E27FC236}">
+                <a16:creationId xmlns:a16="http://schemas.microsoft.com/office/drawing/2014/main" id="{ACC57CA2-30CA-4DDD-A941-8B9CC393DAFA}"/>
+              </a:ext>
+            </a:extLst>
+          </p:cNvPr>
+          <p:cNvSpPr txBox="1"/>
+          <p:nvPr/>
+        </p:nvSpPr>
+        <p:spPr>
+          <a:xfrm>
+            <a:off x="0" y="6490896"/>
+            <a:ext cx="3622432" cy="338554"/>
+          </a:xfrm>
+          <a:prstGeom prst="rect">
+            <a:avLst/>
+          </a:prstGeom>
+          <a:noFill/>
+        </p:spPr>
+        <p:txBody>
+          <a:bodyPr wrap="square" rtlCol="0">
+            <a:spAutoFit/>
+          </a:bodyPr>
+          <a:lstStyle/>
+          <a:p>
+            <a:r>
+              <a:rPr lang="en-PH" sz="1600">
+                <a:solidFill>
+                  <a:schemeClr val="bg1"/>
+                </a:solidFill>
+                <a:latin typeface="Abadi" panose="020B0604020104020204" pitchFamily="34" charset="0"/>
+                <a:cs typeface="Aharoni" panose="020B0604020202020204" pitchFamily="2" charset="-79"/>
+              </a:rPr>
+              <a:t>REINFORCEMENT LEARNING</a:t>
+            </a:r>
+          </a:p>
+        </p:txBody>
+      </p:sp>
+      <p:sp>
+        <p:nvSpPr>
+          <p:cNvPr id="15" name="TextBox 14">
+            <a:extLst>
+              <a:ext uri="{FF2B5EF4-FFF2-40B4-BE49-F238E27FC236}">
+                <a16:creationId xmlns:a16="http://schemas.microsoft.com/office/drawing/2014/main" id="{31237222-F604-49F1-8989-AF06AF20EDD3}"/>
+              </a:ext>
+            </a:extLst>
+          </p:cNvPr>
+          <p:cNvSpPr txBox="1"/>
+          <p:nvPr/>
+        </p:nvSpPr>
+        <p:spPr>
+          <a:xfrm>
+            <a:off x="9243646" y="6490896"/>
+            <a:ext cx="2948354" cy="338554"/>
+          </a:xfrm>
+          <a:prstGeom prst="rect">
+            <a:avLst/>
+          </a:prstGeom>
+          <a:noFill/>
+        </p:spPr>
+        <p:txBody>
+          <a:bodyPr wrap="square" rtlCol="0">
+            <a:spAutoFit/>
+          </a:bodyPr>
+          <a:lstStyle/>
+          <a:p>
+            <a:pPr algn="r"/>
+            <a:r>
+              <a:rPr lang="en-US" sz="1600">
+                <a:solidFill>
+                  <a:schemeClr val="bg1"/>
+                </a:solidFill>
+                <a:latin typeface="Abadi" panose="020B0604020104020204" pitchFamily="34" charset="0"/>
+              </a:rPr>
+              <a:t>Course Code: CCRNFLRL</a:t>
+            </a:r>
+            <a:endParaRPr lang="en-PH" sz="1600">
+              <a:solidFill>
+                <a:schemeClr val="bg1"/>
+              </a:solidFill>
+              <a:latin typeface="Abadi" panose="020B0604020104020204" pitchFamily="34" charset="0"/>
+            </a:endParaRPr>
+          </a:p>
+        </p:txBody>
+      </p:sp>
+      <p:sp>
+        <p:nvSpPr>
+          <p:cNvPr id="5" name="Title 4">
+            <a:extLst>
+              <a:ext uri="{FF2B5EF4-FFF2-40B4-BE49-F238E27FC236}">
+                <a16:creationId xmlns:a16="http://schemas.microsoft.com/office/drawing/2014/main" id="{EC47D021-EEC4-42AC-B4C3-BC584CB5BC9D}"/>
+              </a:ext>
+            </a:extLst>
+          </p:cNvPr>
+          <p:cNvSpPr>
+            <a:spLocks noGrp="1"/>
+          </p:cNvSpPr>
+          <p:nvPr>
+            <p:ph type="title"/>
+          </p:nvPr>
+        </p:nvSpPr>
+        <p:spPr>
+          <a:xfrm>
+            <a:off x="352425" y="292273"/>
+            <a:ext cx="11458574" cy="869778"/>
+          </a:xfrm>
+        </p:spPr>
+        <p:txBody>
+          <a:bodyPr/>
+          <a:lstStyle/>
+          <a:p>
+            <a:r>
+              <a:rPr lang="en-PH" b="1" dirty="0">
+                <a:latin typeface="+mn-lt"/>
+              </a:rPr>
+              <a:t>Unified view of Reinforcement Learning</a:t>
+            </a:r>
+          </a:p>
+        </p:txBody>
+      </p:sp>
+      <p:pic>
+        <p:nvPicPr>
+          <p:cNvPr id="16" name="Picture 15">
+            <a:extLst>
+              <a:ext uri="{FF2B5EF4-FFF2-40B4-BE49-F238E27FC236}">
+                <a16:creationId xmlns:a16="http://schemas.microsoft.com/office/drawing/2014/main" id="{1147C984-87D1-A1F3-2CAD-5A4CFCFD2316}"/>
+              </a:ext>
+            </a:extLst>
+          </p:cNvPr>
+          <p:cNvPicPr>
+            <a:picLocks noChangeAspect="1"/>
+          </p:cNvPicPr>
+          <p:nvPr/>
+        </p:nvPicPr>
+        <p:blipFill>
+          <a:blip r:embed="rId2">
+            <a:extLst>
+              <a:ext uri="{28A0092B-C50C-407E-A947-70E740481C1C}">
+                <a14:useLocalDpi xmlns:a14="http://schemas.microsoft.com/office/drawing/2010/main" val="0"/>
+              </a:ext>
+            </a:extLst>
+          </a:blip>
+          <a:stretch>
+            <a:fillRect/>
+          </a:stretch>
+        </p:blipFill>
+        <p:spPr>
+          <a:xfrm>
+            <a:off x="2195512" y="1233935"/>
+            <a:ext cx="7772400" cy="5156527"/>
+          </a:xfrm>
+          <a:prstGeom prst="rect">
+            <a:avLst/>
+          </a:prstGeom>
+        </p:spPr>
+      </p:pic>
+    </p:spTree>
+    <p:extLst>
+      <p:ext uri="{BB962C8B-B14F-4D97-AF65-F5344CB8AC3E}">
+        <p14:creationId xmlns:p14="http://schemas.microsoft.com/office/powerpoint/2010/main" val="3307047475"/>
+      </p:ext>
+    </p:extLst>
+  </p:cSld>
+  <p:clrMapOvr>
+    <a:masterClrMapping/>
+  </p:clrMapOvr>
+</p:sld>
+</file>
+
+<file path=ppt/slides/slide22.xml><?xml version="1.0" encoding="utf-8"?>
+<p:sld xmlns:a="http://schemas.openxmlformats.org/drawingml/2006/main" xmlns:r="http://schemas.openxmlformats.org/officeDocument/2006/relationships" xmlns:p="http://schemas.openxmlformats.org/presentationml/2006/main">
+  <p:cSld>
+    <p:spTree>
+      <p:nvGrpSpPr>
+        <p:cNvPr id="1" name=""/>
+        <p:cNvGrpSpPr/>
+        <p:nvPr/>
+      </p:nvGrpSpPr>
+      <p:grpSpPr>
+        <a:xfrm>
+          <a:off x="0" y="0"/>
+          <a:ext cx="0" cy="0"/>
+          <a:chOff x="0" y="0"/>
+          <a:chExt cx="0" cy="0"/>
+        </a:xfrm>
+      </p:grpSpPr>
+      <p:sp>
+        <p:nvSpPr>
+          <p:cNvPr id="6" name="TextBox 5">
+            <a:extLst>
+              <a:ext uri="{FF2B5EF4-FFF2-40B4-BE49-F238E27FC236}">
+                <a16:creationId xmlns:a16="http://schemas.microsoft.com/office/drawing/2014/main" id="{933CA7EB-D821-4578-A186-D330E9178EDE}"/>
+              </a:ext>
+            </a:extLst>
+          </p:cNvPr>
+          <p:cNvSpPr txBox="1"/>
+          <p:nvPr/>
+        </p:nvSpPr>
+        <p:spPr>
+          <a:xfrm>
+            <a:off x="87923" y="28551"/>
+            <a:ext cx="3622432" cy="338554"/>
+          </a:xfrm>
+          <a:prstGeom prst="rect">
+            <a:avLst/>
+          </a:prstGeom>
+          <a:noFill/>
+        </p:spPr>
+        <p:txBody>
+          <a:bodyPr wrap="square" rtlCol="0">
+            <a:spAutoFit/>
+          </a:bodyPr>
+          <a:lstStyle/>
+          <a:p>
+            <a:r>
+              <a:rPr lang="en-PH" sz="1600">
+                <a:solidFill>
+                  <a:schemeClr val="bg1"/>
+                </a:solidFill>
+                <a:latin typeface="Abadi" panose="020B0604020104020204" pitchFamily="34" charset="0"/>
+                <a:cs typeface="Aharoni" panose="020B0604020202020204" pitchFamily="2" charset="-79"/>
+              </a:rPr>
+              <a:t>INTRODUCTION TO COMPUTING</a:t>
+            </a:r>
+          </a:p>
+        </p:txBody>
+      </p:sp>
+      <p:sp>
+        <p:nvSpPr>
+          <p:cNvPr id="7" name="TextBox 6">
+            <a:extLst>
+              <a:ext uri="{FF2B5EF4-FFF2-40B4-BE49-F238E27FC236}">
+                <a16:creationId xmlns:a16="http://schemas.microsoft.com/office/drawing/2014/main" id="{9B128FD4-EE77-4086-837E-5EAF83B0DDD1}"/>
+              </a:ext>
+            </a:extLst>
+          </p:cNvPr>
+          <p:cNvSpPr txBox="1"/>
+          <p:nvPr/>
+        </p:nvSpPr>
+        <p:spPr>
+          <a:xfrm>
+            <a:off x="9182099" y="13190"/>
+            <a:ext cx="2948354" cy="338554"/>
+          </a:xfrm>
+          <a:prstGeom prst="rect">
+            <a:avLst/>
+          </a:prstGeom>
+          <a:noFill/>
+        </p:spPr>
+        <p:txBody>
+          <a:bodyPr wrap="square" rtlCol="0">
+            <a:spAutoFit/>
+          </a:bodyPr>
+          <a:lstStyle/>
+          <a:p>
+            <a:pPr algn="r"/>
+            <a:r>
+              <a:rPr lang="en-US" sz="1600" dirty="0">
+                <a:solidFill>
+                  <a:schemeClr val="bg1"/>
+                </a:solidFill>
+              </a:rPr>
+              <a:t>Course Code: CCINCOM/L</a:t>
+            </a:r>
+            <a:endParaRPr lang="en-PH" sz="1600" dirty="0">
+              <a:solidFill>
+                <a:schemeClr val="bg1"/>
+              </a:solidFill>
+              <a:latin typeface="Abadi" panose="020B0604020202020204" pitchFamily="34" charset="0"/>
+            </a:endParaRPr>
+          </a:p>
+        </p:txBody>
+      </p:sp>
+      <p:sp>
+        <p:nvSpPr>
+          <p:cNvPr id="8" name="TextBox 7">
+            <a:extLst>
+              <a:ext uri="{FF2B5EF4-FFF2-40B4-BE49-F238E27FC236}">
+                <a16:creationId xmlns:a16="http://schemas.microsoft.com/office/drawing/2014/main" id="{B95C7AD6-4918-4294-AA88-B72FB28833FE}"/>
+              </a:ext>
+            </a:extLst>
+          </p:cNvPr>
+          <p:cNvSpPr txBox="1"/>
+          <p:nvPr/>
+        </p:nvSpPr>
+        <p:spPr>
+          <a:xfrm>
+            <a:off x="0" y="6479929"/>
+            <a:ext cx="2461846" cy="338554"/>
+          </a:xfrm>
+          <a:prstGeom prst="rect">
+            <a:avLst/>
+          </a:prstGeom>
+          <a:noFill/>
+        </p:spPr>
+        <p:txBody>
+          <a:bodyPr wrap="square" rtlCol="0">
+            <a:spAutoFit/>
+          </a:bodyPr>
+          <a:lstStyle/>
+          <a:p>
+            <a:pPr algn="ctr"/>
+            <a:r>
+              <a:rPr lang="en-PH" sz="1600">
+                <a:solidFill>
+                  <a:schemeClr val="bg1"/>
+                </a:solidFill>
+                <a:latin typeface="Abadi" panose="020B0604020202020204" pitchFamily="34" charset="0"/>
+              </a:rPr>
+              <a:t>Joseph Marvin R. Imperial</a:t>
+            </a:r>
+          </a:p>
+        </p:txBody>
+      </p:sp>
+      <p:sp>
+        <p:nvSpPr>
+          <p:cNvPr id="9" name="TextBox 8">
+            <a:extLst>
+              <a:ext uri="{FF2B5EF4-FFF2-40B4-BE49-F238E27FC236}">
+                <a16:creationId xmlns:a16="http://schemas.microsoft.com/office/drawing/2014/main" id="{C3136E3D-4CFD-4EFC-98AB-367D0EF3C06B}"/>
+              </a:ext>
+            </a:extLst>
+          </p:cNvPr>
+          <p:cNvSpPr txBox="1"/>
+          <p:nvPr/>
+        </p:nvSpPr>
+        <p:spPr>
+          <a:xfrm>
+            <a:off x="7086601" y="6490896"/>
+            <a:ext cx="5105399" cy="338554"/>
+          </a:xfrm>
+          <a:prstGeom prst="rect">
+            <a:avLst/>
+          </a:prstGeom>
+          <a:noFill/>
+        </p:spPr>
+        <p:txBody>
+          <a:bodyPr wrap="square" rtlCol="0">
+            <a:spAutoFit/>
+          </a:bodyPr>
+          <a:lstStyle/>
+          <a:p>
+            <a:pPr algn="r"/>
+            <a:r>
+              <a:rPr lang="en-PH" sz="1600">
+                <a:solidFill>
+                  <a:schemeClr val="bg1"/>
+                </a:solidFill>
+                <a:latin typeface="Abadi" panose="020B0604020202020204" pitchFamily="34" charset="0"/>
+              </a:rPr>
+              <a:t>NU College of Computing and Information Technologies</a:t>
+            </a:r>
+          </a:p>
+        </p:txBody>
+      </p:sp>
+      <p:sp>
+        <p:nvSpPr>
+          <p:cNvPr id="13" name="Rectangle 12">
+            <a:extLst>
+              <a:ext uri="{FF2B5EF4-FFF2-40B4-BE49-F238E27FC236}">
+                <a16:creationId xmlns:a16="http://schemas.microsoft.com/office/drawing/2014/main" id="{251B30DC-ACC5-404F-B51D-13612F115E3E}"/>
+              </a:ext>
+            </a:extLst>
+          </p:cNvPr>
+          <p:cNvSpPr/>
+          <p:nvPr/>
+        </p:nvSpPr>
+        <p:spPr>
+          <a:xfrm>
+            <a:off x="0" y="6462346"/>
+            <a:ext cx="12192000" cy="395654"/>
+          </a:xfrm>
+          <a:prstGeom prst="rect">
+            <a:avLst/>
+          </a:prstGeom>
+          <a:solidFill>
+            <a:schemeClr val="accent5">
+              <a:lumMod val="50000"/>
+            </a:schemeClr>
+          </a:solidFill>
+          <a:effectLst>
+            <a:outerShdw blurRad="50800" dist="38100" dir="2700000" algn="tl" rotWithShape="0">
+              <a:prstClr val="black">
+                <a:alpha val="40000"/>
+              </a:prstClr>
+            </a:outerShdw>
+          </a:effectLst>
+        </p:spPr>
+        <p:style>
+          <a:lnRef idx="2">
+            <a:schemeClr val="accent1">
+              <a:shade val="50000"/>
+            </a:schemeClr>
+          </a:lnRef>
+          <a:fillRef idx="1">
+            <a:schemeClr val="accent1"/>
+          </a:fillRef>
+          <a:effectRef idx="0">
+            <a:schemeClr val="accent1"/>
+          </a:effectRef>
+          <a:fontRef idx="minor">
+            <a:schemeClr val="lt1"/>
+          </a:fontRef>
+        </p:style>
+        <p:txBody>
+          <a:bodyPr rtlCol="0" anchor="ctr"/>
+          <a:lstStyle/>
+          <a:p>
+            <a:pPr algn="ctr"/>
+            <a:endParaRPr lang="en-PH"/>
+          </a:p>
+        </p:txBody>
+      </p:sp>
+      <p:sp>
+        <p:nvSpPr>
+          <p:cNvPr id="14" name="TextBox 13">
+            <a:extLst>
+              <a:ext uri="{FF2B5EF4-FFF2-40B4-BE49-F238E27FC236}">
+                <a16:creationId xmlns:a16="http://schemas.microsoft.com/office/drawing/2014/main" id="{ACC57CA2-30CA-4DDD-A941-8B9CC393DAFA}"/>
+              </a:ext>
+            </a:extLst>
+          </p:cNvPr>
+          <p:cNvSpPr txBox="1"/>
+          <p:nvPr/>
+        </p:nvSpPr>
+        <p:spPr>
+          <a:xfrm>
+            <a:off x="0" y="6490896"/>
+            <a:ext cx="3622432" cy="338554"/>
+          </a:xfrm>
+          <a:prstGeom prst="rect">
+            <a:avLst/>
+          </a:prstGeom>
+          <a:noFill/>
+        </p:spPr>
+        <p:txBody>
+          <a:bodyPr wrap="square" rtlCol="0">
+            <a:spAutoFit/>
+          </a:bodyPr>
+          <a:lstStyle/>
+          <a:p>
+            <a:r>
+              <a:rPr lang="en-PH" sz="1600">
+                <a:solidFill>
+                  <a:schemeClr val="bg1"/>
+                </a:solidFill>
+                <a:latin typeface="Abadi" panose="020B0604020104020204" pitchFamily="34" charset="0"/>
+                <a:cs typeface="Aharoni" panose="020B0604020202020204" pitchFamily="2" charset="-79"/>
+              </a:rPr>
+              <a:t>REINFORCEMENT LEARNING</a:t>
+            </a:r>
+          </a:p>
+        </p:txBody>
+      </p:sp>
+      <p:sp>
+        <p:nvSpPr>
+          <p:cNvPr id="15" name="TextBox 14">
+            <a:extLst>
+              <a:ext uri="{FF2B5EF4-FFF2-40B4-BE49-F238E27FC236}">
+                <a16:creationId xmlns:a16="http://schemas.microsoft.com/office/drawing/2014/main" id="{31237222-F604-49F1-8989-AF06AF20EDD3}"/>
+              </a:ext>
+            </a:extLst>
+          </p:cNvPr>
+          <p:cNvSpPr txBox="1"/>
+          <p:nvPr/>
+        </p:nvSpPr>
+        <p:spPr>
+          <a:xfrm>
+            <a:off x="9243646" y="6490896"/>
+            <a:ext cx="2948354" cy="338554"/>
+          </a:xfrm>
+          <a:prstGeom prst="rect">
+            <a:avLst/>
+          </a:prstGeom>
+          <a:noFill/>
+        </p:spPr>
+        <p:txBody>
+          <a:bodyPr wrap="square" rtlCol="0">
+            <a:spAutoFit/>
+          </a:bodyPr>
+          <a:lstStyle/>
+          <a:p>
+            <a:pPr algn="r"/>
+            <a:r>
+              <a:rPr lang="en-US" sz="1600">
+                <a:solidFill>
+                  <a:schemeClr val="bg1"/>
+                </a:solidFill>
+                <a:latin typeface="Abadi" panose="020B0604020104020204" pitchFamily="34" charset="0"/>
+              </a:rPr>
+              <a:t>Course Code: CCRNFLRL</a:t>
+            </a:r>
+            <a:endParaRPr lang="en-PH" sz="1600">
+              <a:solidFill>
+                <a:schemeClr val="bg1"/>
+              </a:solidFill>
+              <a:latin typeface="Abadi" panose="020B0604020104020204" pitchFamily="34" charset="0"/>
+            </a:endParaRPr>
+          </a:p>
+        </p:txBody>
+      </p:sp>
+      <p:sp>
+        <p:nvSpPr>
+          <p:cNvPr id="5" name="Title 4">
+            <a:extLst>
+              <a:ext uri="{FF2B5EF4-FFF2-40B4-BE49-F238E27FC236}">
+                <a16:creationId xmlns:a16="http://schemas.microsoft.com/office/drawing/2014/main" id="{EC47D021-EEC4-42AC-B4C3-BC584CB5BC9D}"/>
+              </a:ext>
+            </a:extLst>
+          </p:cNvPr>
+          <p:cNvSpPr>
+            <a:spLocks noGrp="1"/>
+          </p:cNvSpPr>
+          <p:nvPr>
+            <p:ph type="title"/>
+          </p:nvPr>
+        </p:nvSpPr>
+        <p:spPr>
+          <a:xfrm>
+            <a:off x="352425" y="292273"/>
+            <a:ext cx="11458574" cy="869778"/>
+          </a:xfrm>
+        </p:spPr>
+        <p:txBody>
+          <a:bodyPr/>
+          <a:lstStyle/>
+          <a:p>
+            <a:r>
+              <a:rPr lang="en-PH" b="1" dirty="0">
+                <a:latin typeface="+mn-lt"/>
+              </a:rPr>
+              <a:t>TD (</a:t>
+            </a:r>
+            <a:r>
+              <a:rPr lang="el-GR" b="1" i="0" u="none" strike="noStrike" dirty="0">
+                <a:solidFill>
+                  <a:srgbClr val="222222"/>
+                </a:solidFill>
+                <a:effectLst/>
+                <a:latin typeface="times new roman" panose="02020603050405020304" pitchFamily="18" charset="0"/>
+              </a:rPr>
+              <a:t>λ</a:t>
+            </a:r>
+            <a:r>
+              <a:rPr lang="en-US" b="1" i="0" u="none" strike="noStrike" dirty="0">
+                <a:solidFill>
+                  <a:srgbClr val="222222"/>
+                </a:solidFill>
+                <a:effectLst/>
+                <a:latin typeface="times new roman" panose="02020603050405020304" pitchFamily="18" charset="0"/>
+              </a:rPr>
+              <a:t>)</a:t>
+            </a:r>
+            <a:endParaRPr lang="en-PH" b="1" dirty="0">
+              <a:latin typeface="+mn-lt"/>
+            </a:endParaRPr>
+          </a:p>
+        </p:txBody>
+      </p:sp>
+      <p:pic>
+        <p:nvPicPr>
+          <p:cNvPr id="3" name="Picture 2">
+            <a:extLst>
+              <a:ext uri="{FF2B5EF4-FFF2-40B4-BE49-F238E27FC236}">
+                <a16:creationId xmlns:a16="http://schemas.microsoft.com/office/drawing/2014/main" id="{77767BE5-ED46-D56A-B20C-4D57D1019883}"/>
+              </a:ext>
+            </a:extLst>
+          </p:cNvPr>
+          <p:cNvPicPr>
+            <a:picLocks noChangeAspect="1"/>
+          </p:cNvPicPr>
+          <p:nvPr/>
+        </p:nvPicPr>
+        <p:blipFill>
+          <a:blip r:embed="rId2">
+            <a:extLst>
+              <a:ext uri="{28A0092B-C50C-407E-A947-70E740481C1C}">
+                <a14:useLocalDpi xmlns:a14="http://schemas.microsoft.com/office/drawing/2010/main" val="0"/>
+              </a:ext>
+            </a:extLst>
+          </a:blip>
+          <a:stretch>
+            <a:fillRect/>
+          </a:stretch>
+        </p:blipFill>
+        <p:spPr>
+          <a:xfrm>
+            <a:off x="2195512" y="1162051"/>
+            <a:ext cx="7772400" cy="4779199"/>
+          </a:xfrm>
+          <a:prstGeom prst="rect">
+            <a:avLst/>
+          </a:prstGeom>
+        </p:spPr>
+      </p:pic>
+    </p:spTree>
+    <p:extLst>
+      <p:ext uri="{BB962C8B-B14F-4D97-AF65-F5344CB8AC3E}">
+        <p14:creationId xmlns:p14="http://schemas.microsoft.com/office/powerpoint/2010/main" val="2941283396"/>
+      </p:ext>
+    </p:extLst>
+  </p:cSld>
+  <p:clrMapOvr>
+    <a:masterClrMapping/>
+  </p:clrMapOvr>
+</p:sld>
+</file>
+
+<file path=ppt/slides/slide23.xml><?xml version="1.0" encoding="utf-8"?>
+<p:sld xmlns:a="http://schemas.openxmlformats.org/drawingml/2006/main" xmlns:r="http://schemas.openxmlformats.org/officeDocument/2006/relationships" xmlns:p="http://schemas.openxmlformats.org/presentationml/2006/main">
+  <p:cSld>
+    <p:spTree>
+      <p:nvGrpSpPr>
+        <p:cNvPr id="1" name=""/>
+        <p:cNvGrpSpPr/>
+        <p:nvPr/>
+      </p:nvGrpSpPr>
+      <p:grpSpPr>
+        <a:xfrm>
+          <a:off x="0" y="0"/>
+          <a:ext cx="0" cy="0"/>
+          <a:chOff x="0" y="0"/>
+          <a:chExt cx="0" cy="0"/>
+        </a:xfrm>
+      </p:grpSpPr>
+      <p:sp>
+        <p:nvSpPr>
+          <p:cNvPr id="6" name="TextBox 5">
+            <a:extLst>
+              <a:ext uri="{FF2B5EF4-FFF2-40B4-BE49-F238E27FC236}">
+                <a16:creationId xmlns:a16="http://schemas.microsoft.com/office/drawing/2014/main" id="{933CA7EB-D821-4578-A186-D330E9178EDE}"/>
+              </a:ext>
+            </a:extLst>
+          </p:cNvPr>
+          <p:cNvSpPr txBox="1"/>
+          <p:nvPr/>
+        </p:nvSpPr>
+        <p:spPr>
+          <a:xfrm>
+            <a:off x="87923" y="28551"/>
+            <a:ext cx="3622432" cy="338554"/>
+          </a:xfrm>
+          <a:prstGeom prst="rect">
+            <a:avLst/>
+          </a:prstGeom>
+          <a:noFill/>
+        </p:spPr>
+        <p:txBody>
+          <a:bodyPr wrap="square" rtlCol="0">
+            <a:spAutoFit/>
+          </a:bodyPr>
+          <a:lstStyle/>
+          <a:p>
+            <a:r>
+              <a:rPr lang="en-PH" sz="1600">
+                <a:solidFill>
+                  <a:schemeClr val="bg1"/>
+                </a:solidFill>
+                <a:latin typeface="Abadi" panose="020B0604020104020204" pitchFamily="34" charset="0"/>
+                <a:cs typeface="Aharoni" panose="020B0604020202020204" pitchFamily="2" charset="-79"/>
+              </a:rPr>
+              <a:t>INTRODUCTION TO COMPUTING</a:t>
+            </a:r>
+          </a:p>
+        </p:txBody>
+      </p:sp>
+      <p:sp>
+        <p:nvSpPr>
+          <p:cNvPr id="7" name="TextBox 6">
+            <a:extLst>
+              <a:ext uri="{FF2B5EF4-FFF2-40B4-BE49-F238E27FC236}">
+                <a16:creationId xmlns:a16="http://schemas.microsoft.com/office/drawing/2014/main" id="{9B128FD4-EE77-4086-837E-5EAF83B0DDD1}"/>
+              </a:ext>
+            </a:extLst>
+          </p:cNvPr>
+          <p:cNvSpPr txBox="1"/>
+          <p:nvPr/>
+        </p:nvSpPr>
+        <p:spPr>
+          <a:xfrm>
+            <a:off x="9182099" y="13190"/>
+            <a:ext cx="2948354" cy="338554"/>
+          </a:xfrm>
+          <a:prstGeom prst="rect">
+            <a:avLst/>
+          </a:prstGeom>
+          <a:noFill/>
+        </p:spPr>
+        <p:txBody>
+          <a:bodyPr wrap="square" rtlCol="0">
+            <a:spAutoFit/>
+          </a:bodyPr>
+          <a:lstStyle/>
+          <a:p>
+            <a:pPr algn="r"/>
+            <a:r>
+              <a:rPr lang="en-US" sz="1600" dirty="0">
+                <a:solidFill>
+                  <a:schemeClr val="bg1"/>
+                </a:solidFill>
+              </a:rPr>
+              <a:t>Course Code: CCINCOM/L</a:t>
+            </a:r>
+            <a:endParaRPr lang="en-PH" sz="1600" dirty="0">
+              <a:solidFill>
+                <a:schemeClr val="bg1"/>
+              </a:solidFill>
+              <a:latin typeface="Abadi" panose="020B0604020202020204" pitchFamily="34" charset="0"/>
+            </a:endParaRPr>
+          </a:p>
+        </p:txBody>
+      </p:sp>
+      <p:sp>
+        <p:nvSpPr>
+          <p:cNvPr id="8" name="TextBox 7">
+            <a:extLst>
+              <a:ext uri="{FF2B5EF4-FFF2-40B4-BE49-F238E27FC236}">
+                <a16:creationId xmlns:a16="http://schemas.microsoft.com/office/drawing/2014/main" id="{B95C7AD6-4918-4294-AA88-B72FB28833FE}"/>
+              </a:ext>
+            </a:extLst>
+          </p:cNvPr>
+          <p:cNvSpPr txBox="1"/>
+          <p:nvPr/>
+        </p:nvSpPr>
+        <p:spPr>
+          <a:xfrm>
+            <a:off x="0" y="6479929"/>
+            <a:ext cx="2461846" cy="338554"/>
+          </a:xfrm>
+          <a:prstGeom prst="rect">
+            <a:avLst/>
+          </a:prstGeom>
+          <a:noFill/>
+        </p:spPr>
+        <p:txBody>
+          <a:bodyPr wrap="square" rtlCol="0">
+            <a:spAutoFit/>
+          </a:bodyPr>
+          <a:lstStyle/>
+          <a:p>
+            <a:pPr algn="ctr"/>
+            <a:r>
+              <a:rPr lang="en-PH" sz="1600">
+                <a:solidFill>
+                  <a:schemeClr val="bg1"/>
+                </a:solidFill>
+                <a:latin typeface="Abadi" panose="020B0604020202020204" pitchFamily="34" charset="0"/>
+              </a:rPr>
+              <a:t>Joseph Marvin R. Imperial</a:t>
+            </a:r>
+          </a:p>
+        </p:txBody>
+      </p:sp>
+      <p:sp>
+        <p:nvSpPr>
+          <p:cNvPr id="9" name="TextBox 8">
+            <a:extLst>
+              <a:ext uri="{FF2B5EF4-FFF2-40B4-BE49-F238E27FC236}">
+                <a16:creationId xmlns:a16="http://schemas.microsoft.com/office/drawing/2014/main" id="{C3136E3D-4CFD-4EFC-98AB-367D0EF3C06B}"/>
+              </a:ext>
+            </a:extLst>
+          </p:cNvPr>
+          <p:cNvSpPr txBox="1"/>
+          <p:nvPr/>
+        </p:nvSpPr>
+        <p:spPr>
+          <a:xfrm>
+            <a:off x="7086601" y="6490896"/>
+            <a:ext cx="5105399" cy="338554"/>
+          </a:xfrm>
+          <a:prstGeom prst="rect">
+            <a:avLst/>
+          </a:prstGeom>
+          <a:noFill/>
+        </p:spPr>
+        <p:txBody>
+          <a:bodyPr wrap="square" rtlCol="0">
+            <a:spAutoFit/>
+          </a:bodyPr>
+          <a:lstStyle/>
+          <a:p>
+            <a:pPr algn="r"/>
+            <a:r>
+              <a:rPr lang="en-PH" sz="1600">
+                <a:solidFill>
+                  <a:schemeClr val="bg1"/>
+                </a:solidFill>
+                <a:latin typeface="Abadi" panose="020B0604020202020204" pitchFamily="34" charset="0"/>
+              </a:rPr>
+              <a:t>NU College of Computing and Information Technologies</a:t>
+            </a:r>
+          </a:p>
+        </p:txBody>
+      </p:sp>
+      <p:sp>
+        <p:nvSpPr>
+          <p:cNvPr id="13" name="Rectangle 12">
+            <a:extLst>
+              <a:ext uri="{FF2B5EF4-FFF2-40B4-BE49-F238E27FC236}">
+                <a16:creationId xmlns:a16="http://schemas.microsoft.com/office/drawing/2014/main" id="{251B30DC-ACC5-404F-B51D-13612F115E3E}"/>
+              </a:ext>
+            </a:extLst>
+          </p:cNvPr>
+          <p:cNvSpPr/>
+          <p:nvPr/>
+        </p:nvSpPr>
+        <p:spPr>
+          <a:xfrm>
+            <a:off x="0" y="6462346"/>
+            <a:ext cx="12192000" cy="395654"/>
+          </a:xfrm>
+          <a:prstGeom prst="rect">
+            <a:avLst/>
+          </a:prstGeom>
+          <a:solidFill>
+            <a:schemeClr val="accent5">
+              <a:lumMod val="50000"/>
+            </a:schemeClr>
+          </a:solidFill>
+          <a:effectLst>
+            <a:outerShdw blurRad="50800" dist="38100" dir="2700000" algn="tl" rotWithShape="0">
+              <a:prstClr val="black">
+                <a:alpha val="40000"/>
+              </a:prstClr>
+            </a:outerShdw>
+          </a:effectLst>
+        </p:spPr>
+        <p:style>
+          <a:lnRef idx="2">
+            <a:schemeClr val="accent1">
+              <a:shade val="50000"/>
+            </a:schemeClr>
+          </a:lnRef>
+          <a:fillRef idx="1">
+            <a:schemeClr val="accent1"/>
+          </a:fillRef>
+          <a:effectRef idx="0">
+            <a:schemeClr val="accent1"/>
+          </a:effectRef>
+          <a:fontRef idx="minor">
+            <a:schemeClr val="lt1"/>
+          </a:fontRef>
+        </p:style>
+        <p:txBody>
+          <a:bodyPr rtlCol="0" anchor="ctr"/>
+          <a:lstStyle/>
+          <a:p>
+            <a:pPr algn="ctr"/>
+            <a:endParaRPr lang="en-PH"/>
+          </a:p>
+        </p:txBody>
+      </p:sp>
+      <p:sp>
+        <p:nvSpPr>
+          <p:cNvPr id="14" name="TextBox 13">
+            <a:extLst>
+              <a:ext uri="{FF2B5EF4-FFF2-40B4-BE49-F238E27FC236}">
+                <a16:creationId xmlns:a16="http://schemas.microsoft.com/office/drawing/2014/main" id="{ACC57CA2-30CA-4DDD-A941-8B9CC393DAFA}"/>
+              </a:ext>
+            </a:extLst>
+          </p:cNvPr>
+          <p:cNvSpPr txBox="1"/>
+          <p:nvPr/>
+        </p:nvSpPr>
+        <p:spPr>
+          <a:xfrm>
+            <a:off x="0" y="6490896"/>
+            <a:ext cx="3622432" cy="338554"/>
+          </a:xfrm>
+          <a:prstGeom prst="rect">
+            <a:avLst/>
+          </a:prstGeom>
+          <a:noFill/>
+        </p:spPr>
+        <p:txBody>
+          <a:bodyPr wrap="square" rtlCol="0">
+            <a:spAutoFit/>
+          </a:bodyPr>
+          <a:lstStyle/>
+          <a:p>
+            <a:r>
+              <a:rPr lang="en-PH" sz="1600">
+                <a:solidFill>
+                  <a:schemeClr val="bg1"/>
+                </a:solidFill>
+                <a:latin typeface="Abadi" panose="020B0604020104020204" pitchFamily="34" charset="0"/>
+                <a:cs typeface="Aharoni" panose="020B0604020202020204" pitchFamily="2" charset="-79"/>
+              </a:rPr>
+              <a:t>REINFORCEMENT LEARNING</a:t>
+            </a:r>
+          </a:p>
+        </p:txBody>
+      </p:sp>
+      <p:sp>
+        <p:nvSpPr>
+          <p:cNvPr id="15" name="TextBox 14">
+            <a:extLst>
+              <a:ext uri="{FF2B5EF4-FFF2-40B4-BE49-F238E27FC236}">
+                <a16:creationId xmlns:a16="http://schemas.microsoft.com/office/drawing/2014/main" id="{31237222-F604-49F1-8989-AF06AF20EDD3}"/>
+              </a:ext>
+            </a:extLst>
+          </p:cNvPr>
+          <p:cNvSpPr txBox="1"/>
+          <p:nvPr/>
+        </p:nvSpPr>
+        <p:spPr>
+          <a:xfrm>
+            <a:off x="9243646" y="6490896"/>
+            <a:ext cx="2948354" cy="338554"/>
+          </a:xfrm>
+          <a:prstGeom prst="rect">
+            <a:avLst/>
+          </a:prstGeom>
+          <a:noFill/>
+        </p:spPr>
+        <p:txBody>
+          <a:bodyPr wrap="square" rtlCol="0">
+            <a:spAutoFit/>
+          </a:bodyPr>
+          <a:lstStyle/>
+          <a:p>
+            <a:pPr algn="r"/>
+            <a:r>
+              <a:rPr lang="en-US" sz="1600">
+                <a:solidFill>
+                  <a:schemeClr val="bg1"/>
+                </a:solidFill>
+                <a:latin typeface="Abadi" panose="020B0604020104020204" pitchFamily="34" charset="0"/>
+              </a:rPr>
+              <a:t>Course Code: CCRNFLRL</a:t>
+            </a:r>
+            <a:endParaRPr lang="en-PH" sz="1600">
+              <a:solidFill>
+                <a:schemeClr val="bg1"/>
+              </a:solidFill>
+              <a:latin typeface="Abadi" panose="020B0604020104020204" pitchFamily="34" charset="0"/>
+            </a:endParaRPr>
+          </a:p>
+        </p:txBody>
+      </p:sp>
+      <p:sp>
+        <p:nvSpPr>
+          <p:cNvPr id="5" name="Title 4">
+            <a:extLst>
+              <a:ext uri="{FF2B5EF4-FFF2-40B4-BE49-F238E27FC236}">
+                <a16:creationId xmlns:a16="http://schemas.microsoft.com/office/drawing/2014/main" id="{EC47D021-EEC4-42AC-B4C3-BC584CB5BC9D}"/>
+              </a:ext>
+            </a:extLst>
+          </p:cNvPr>
+          <p:cNvSpPr>
+            <a:spLocks noGrp="1"/>
+          </p:cNvSpPr>
+          <p:nvPr>
+            <p:ph type="title"/>
+          </p:nvPr>
+        </p:nvSpPr>
+        <p:spPr>
+          <a:xfrm>
+            <a:off x="352425" y="292273"/>
+            <a:ext cx="11458574" cy="869778"/>
+          </a:xfrm>
+        </p:spPr>
+        <p:txBody>
+          <a:bodyPr/>
+          <a:lstStyle/>
+          <a:p>
+            <a:r>
+              <a:rPr lang="en-PH" b="1" dirty="0">
+                <a:latin typeface="+mn-lt"/>
+              </a:rPr>
               <a:t>TD (</a:t>
             </a:r>
             <a:r>
@@ -14777,7 +17402,7 @@
 </p:sld>
 </file>
 
-<file path=ppt/slides/slide21.xml><?xml version="1.0" encoding="utf-8"?>
+<file path=ppt/slides/slide24.xml><?xml version="1.0" encoding="utf-8"?>
 <p:sld xmlns:a="http://schemas.openxmlformats.org/drawingml/2006/main" xmlns:r="http://schemas.openxmlformats.org/officeDocument/2006/relationships" xmlns:p="http://schemas.openxmlformats.org/presentationml/2006/main">
   <p:cSld>
     <p:spTree>
@@ -18689,542 +21314,51 @@
               <a:rPr lang="en-PH" b="1" dirty="0">
                 <a:latin typeface="+mn-lt"/>
               </a:rPr>
-              <a:t>Going Home from School Example</a:t>
-            </a:r>
-          </a:p>
-        </p:txBody>
-      </p:sp>
-      <p:graphicFrame>
-        <p:nvGraphicFramePr>
-          <p:cNvPr id="11" name="Table 11">
-            <a:extLst>
-              <a:ext uri="{FF2B5EF4-FFF2-40B4-BE49-F238E27FC236}">
-                <a16:creationId xmlns:a16="http://schemas.microsoft.com/office/drawing/2014/main" id="{1EE8C6E6-B799-A340-55EA-24D06CC64D68}"/>
-              </a:ext>
-            </a:extLst>
-          </p:cNvPr>
-          <p:cNvGraphicFramePr>
-            <a:graphicFrameLocks noGrp="1"/>
-          </p:cNvGraphicFramePr>
-          <p:nvPr>
-            <p:extLst>
-              <p:ext uri="{D42A27DB-BD31-4B8C-83A1-F6EECF244321}">
-                <p14:modId xmlns:p14="http://schemas.microsoft.com/office/powerpoint/2010/main" val="4230667676"/>
-              </p:ext>
-            </p:extLst>
-          </p:nvPr>
-        </p:nvGraphicFramePr>
-        <p:xfrm>
-          <a:off x="1555802" y="1441134"/>
-          <a:ext cx="9051820" cy="3728279"/>
-        </p:xfrm>
-        <a:graphic>
-          <a:graphicData uri="http://schemas.openxmlformats.org/drawingml/2006/table">
-            <a:tbl>
-              <a:tblPr firstRow="1" bandRow="1">
-                <a:tableStyleId>{5940675A-B579-460E-94D1-54222C63F5DA}</a:tableStyleId>
-              </a:tblPr>
-              <a:tblGrid>
-                <a:gridCol w="2262955">
-                  <a:extLst>
-                    <a:ext uri="{9D8B030D-6E8A-4147-A177-3AD203B41FA5}">
-                      <a16:colId xmlns:a16="http://schemas.microsoft.com/office/drawing/2014/main" val="3858676461"/>
-                    </a:ext>
-                  </a:extLst>
-                </a:gridCol>
-                <a:gridCol w="2262955">
-                  <a:extLst>
-                    <a:ext uri="{9D8B030D-6E8A-4147-A177-3AD203B41FA5}">
-                      <a16:colId xmlns:a16="http://schemas.microsoft.com/office/drawing/2014/main" val="758558022"/>
-                    </a:ext>
-                  </a:extLst>
-                </a:gridCol>
-                <a:gridCol w="2262955">
-                  <a:extLst>
-                    <a:ext uri="{9D8B030D-6E8A-4147-A177-3AD203B41FA5}">
-                      <a16:colId xmlns:a16="http://schemas.microsoft.com/office/drawing/2014/main" val="3567771077"/>
-                    </a:ext>
-                  </a:extLst>
-                </a:gridCol>
-                <a:gridCol w="2262955">
-                  <a:extLst>
-                    <a:ext uri="{9D8B030D-6E8A-4147-A177-3AD203B41FA5}">
-                      <a16:colId xmlns:a16="http://schemas.microsoft.com/office/drawing/2014/main" val="305230819"/>
-                    </a:ext>
-                  </a:extLst>
-                </a:gridCol>
-              </a:tblGrid>
-              <a:tr h="832913">
-                <a:tc>
-                  <a:txBody>
-                    <a:bodyPr/>
-                    <a:lstStyle/>
-                    <a:p>
-                      <a:pPr algn="ctr"/>
-                      <a:r>
-                        <a:rPr lang="en-US" b="1" dirty="0"/>
-                        <a:t>State</a:t>
-                      </a:r>
-                      <a:endParaRPr lang="en-PH" b="1" dirty="0"/>
-                    </a:p>
-                  </a:txBody>
-                  <a:tcPr/>
-                </a:tc>
-                <a:tc>
-                  <a:txBody>
-                    <a:bodyPr/>
-                    <a:lstStyle/>
-                    <a:p>
-                      <a:pPr algn="ctr"/>
-                      <a:r>
-                        <a:rPr lang="en-US" b="1" dirty="0"/>
-                        <a:t>Elapsed Time (minutes)</a:t>
-                      </a:r>
-                      <a:endParaRPr lang="en-PH" b="1" dirty="0"/>
-                    </a:p>
-                  </a:txBody>
-                  <a:tcPr/>
-                </a:tc>
-                <a:tc>
-                  <a:txBody>
-                    <a:bodyPr/>
-                    <a:lstStyle/>
-                    <a:p>
-                      <a:pPr algn="ctr"/>
-                      <a:r>
-                        <a:rPr lang="en-US" b="1" dirty="0"/>
-                        <a:t>Predicted Time to Go</a:t>
-                      </a:r>
-                      <a:endParaRPr lang="en-PH" b="1" dirty="0"/>
-                    </a:p>
-                  </a:txBody>
-                  <a:tcPr/>
-                </a:tc>
-                <a:tc>
-                  <a:txBody>
-                    <a:bodyPr/>
-                    <a:lstStyle/>
-                    <a:p>
-                      <a:pPr algn="ctr"/>
-                      <a:r>
-                        <a:rPr lang="en-US" b="1" dirty="0"/>
-                        <a:t>Predicted Total Time</a:t>
-                      </a:r>
-                      <a:endParaRPr lang="en-PH" b="1" dirty="0"/>
-                    </a:p>
-                  </a:txBody>
-                  <a:tcPr/>
-                </a:tc>
-                <a:extLst>
-                  <a:ext uri="{0D108BD9-81ED-4DB2-BD59-A6C34878D82A}">
-                    <a16:rowId xmlns:a16="http://schemas.microsoft.com/office/drawing/2014/main" val="4022942796"/>
-                  </a:ext>
-                </a:extLst>
-              </a:tr>
-              <a:tr h="482561">
-                <a:tc>
-                  <a:txBody>
-                    <a:bodyPr/>
-                    <a:lstStyle/>
-                    <a:p>
-                      <a:r>
-                        <a:rPr lang="en-US" dirty="0"/>
-                        <a:t>leaving school</a:t>
-                      </a:r>
-                      <a:endParaRPr lang="en-PH" dirty="0"/>
-                    </a:p>
-                  </a:txBody>
-                  <a:tcPr/>
-                </a:tc>
-                <a:tc>
-                  <a:txBody>
-                    <a:bodyPr/>
-                    <a:lstStyle/>
-                    <a:p>
-                      <a:pPr algn="ctr"/>
-                      <a:r>
-                        <a:rPr lang="en-US" dirty="0"/>
-                        <a:t>0</a:t>
-                      </a:r>
-                      <a:endParaRPr lang="en-PH" dirty="0"/>
-                    </a:p>
-                  </a:txBody>
-                  <a:tcPr/>
-                </a:tc>
-                <a:tc>
-                  <a:txBody>
-                    <a:bodyPr/>
-                    <a:lstStyle/>
-                    <a:p>
-                      <a:pPr algn="ctr"/>
-                      <a:r>
-                        <a:rPr lang="en-US" dirty="0"/>
-                        <a:t>30</a:t>
-                      </a:r>
-                      <a:endParaRPr lang="en-PH" dirty="0"/>
-                    </a:p>
-                  </a:txBody>
-                  <a:tcPr/>
-                </a:tc>
-                <a:tc>
-                  <a:txBody>
-                    <a:bodyPr/>
-                    <a:lstStyle/>
-                    <a:p>
-                      <a:pPr algn="ctr"/>
-                      <a:r>
-                        <a:rPr lang="en-US" dirty="0"/>
-                        <a:t>30</a:t>
-                      </a:r>
-                      <a:endParaRPr lang="en-PH" dirty="0"/>
-                    </a:p>
-                  </a:txBody>
-                  <a:tcPr/>
-                </a:tc>
-                <a:extLst>
-                  <a:ext uri="{0D108BD9-81ED-4DB2-BD59-A6C34878D82A}">
-                    <a16:rowId xmlns:a16="http://schemas.microsoft.com/office/drawing/2014/main" val="4261716691"/>
-                  </a:ext>
-                </a:extLst>
-              </a:tr>
-              <a:tr h="482561">
-                <a:tc>
-                  <a:txBody>
-                    <a:bodyPr/>
-                    <a:lstStyle/>
-                    <a:p>
-                      <a:r>
-                        <a:rPr lang="en-US" dirty="0"/>
-                        <a:t>walk to train station</a:t>
-                      </a:r>
-                      <a:endParaRPr lang="en-PH" dirty="0"/>
-                    </a:p>
-                  </a:txBody>
-                  <a:tcPr/>
-                </a:tc>
-                <a:tc>
-                  <a:txBody>
-                    <a:bodyPr/>
-                    <a:lstStyle/>
-                    <a:p>
-                      <a:pPr algn="ctr"/>
-                      <a:r>
-                        <a:rPr lang="en-US" dirty="0"/>
-                        <a:t>5</a:t>
-                      </a:r>
-                      <a:endParaRPr lang="en-PH" dirty="0"/>
-                    </a:p>
-                  </a:txBody>
-                  <a:tcPr/>
-                </a:tc>
-                <a:tc>
-                  <a:txBody>
-                    <a:bodyPr/>
-                    <a:lstStyle/>
-                    <a:p>
-                      <a:pPr algn="ctr"/>
-                      <a:r>
-                        <a:rPr lang="en-US" dirty="0"/>
-                        <a:t>35</a:t>
-                      </a:r>
-                      <a:endParaRPr lang="en-PH" dirty="0"/>
-                    </a:p>
-                  </a:txBody>
-                  <a:tcPr/>
-                </a:tc>
-                <a:tc>
-                  <a:txBody>
-                    <a:bodyPr/>
-                    <a:lstStyle/>
-                    <a:p>
-                      <a:pPr algn="ctr"/>
-                      <a:r>
-                        <a:rPr lang="en-US" dirty="0"/>
-                        <a:t>40</a:t>
-                      </a:r>
-                      <a:endParaRPr lang="en-PH" dirty="0"/>
-                    </a:p>
-                  </a:txBody>
-                  <a:tcPr/>
-                </a:tc>
-                <a:extLst>
-                  <a:ext uri="{0D108BD9-81ED-4DB2-BD59-A6C34878D82A}">
-                    <a16:rowId xmlns:a16="http://schemas.microsoft.com/office/drawing/2014/main" val="420012310"/>
-                  </a:ext>
-                </a:extLst>
-              </a:tr>
-              <a:tr h="482561">
-                <a:tc>
-                  <a:txBody>
-                    <a:bodyPr/>
-                    <a:lstStyle/>
-                    <a:p>
-                      <a:r>
-                        <a:rPr lang="en-US" dirty="0"/>
-                        <a:t>board train</a:t>
-                      </a:r>
-                      <a:endParaRPr lang="en-PH" dirty="0"/>
-                    </a:p>
-                  </a:txBody>
-                  <a:tcPr/>
-                </a:tc>
-                <a:tc>
-                  <a:txBody>
-                    <a:bodyPr/>
-                    <a:lstStyle/>
-                    <a:p>
-                      <a:pPr algn="ctr"/>
-                      <a:r>
-                        <a:rPr lang="en-US" dirty="0"/>
-                        <a:t>20</a:t>
-                      </a:r>
-                      <a:endParaRPr lang="en-PH" dirty="0"/>
-                    </a:p>
-                  </a:txBody>
-                  <a:tcPr/>
-                </a:tc>
-                <a:tc>
-                  <a:txBody>
-                    <a:bodyPr/>
-                    <a:lstStyle/>
-                    <a:p>
-                      <a:pPr algn="ctr"/>
-                      <a:r>
-                        <a:rPr lang="en-US" dirty="0"/>
-                        <a:t>15</a:t>
-                      </a:r>
-                      <a:endParaRPr lang="en-PH" dirty="0"/>
-                    </a:p>
-                  </a:txBody>
-                  <a:tcPr/>
-                </a:tc>
-                <a:tc>
-                  <a:txBody>
-                    <a:bodyPr/>
-                    <a:lstStyle/>
-                    <a:p>
-                      <a:pPr algn="ctr"/>
-                      <a:r>
-                        <a:rPr lang="en-US" dirty="0"/>
-                        <a:t>35</a:t>
-                      </a:r>
-                      <a:endParaRPr lang="en-PH" dirty="0"/>
-                    </a:p>
-                  </a:txBody>
-                  <a:tcPr/>
-                </a:tc>
-                <a:extLst>
-                  <a:ext uri="{0D108BD9-81ED-4DB2-BD59-A6C34878D82A}">
-                    <a16:rowId xmlns:a16="http://schemas.microsoft.com/office/drawing/2014/main" val="3795046983"/>
-                  </a:ext>
-                </a:extLst>
-              </a:tr>
-              <a:tr h="482561">
-                <a:tc>
-                  <a:txBody>
-                    <a:bodyPr/>
-                    <a:lstStyle/>
-                    <a:p>
-                      <a:r>
-                        <a:rPr lang="en-US" dirty="0"/>
-                        <a:t>leave train</a:t>
-                      </a:r>
-                      <a:endParaRPr lang="en-PH" dirty="0"/>
-                    </a:p>
-                  </a:txBody>
-                  <a:tcPr/>
-                </a:tc>
-                <a:tc>
-                  <a:txBody>
-                    <a:bodyPr/>
-                    <a:lstStyle/>
-                    <a:p>
-                      <a:pPr algn="ctr"/>
-                      <a:r>
-                        <a:rPr lang="en-US" dirty="0"/>
-                        <a:t>30</a:t>
-                      </a:r>
-                      <a:endParaRPr lang="en-PH" dirty="0"/>
-                    </a:p>
-                  </a:txBody>
-                  <a:tcPr/>
-                </a:tc>
-                <a:tc>
-                  <a:txBody>
-                    <a:bodyPr/>
-                    <a:lstStyle/>
-                    <a:p>
-                      <a:pPr algn="ctr"/>
-                      <a:r>
-                        <a:rPr lang="en-US" dirty="0"/>
-                        <a:t>10</a:t>
-                      </a:r>
-                      <a:endParaRPr lang="en-PH" dirty="0"/>
-                    </a:p>
-                  </a:txBody>
-                  <a:tcPr/>
-                </a:tc>
-                <a:tc>
-                  <a:txBody>
-                    <a:bodyPr/>
-                    <a:lstStyle/>
-                    <a:p>
-                      <a:pPr algn="ctr"/>
-                      <a:r>
-                        <a:rPr lang="en-US" dirty="0"/>
-                        <a:t>40</a:t>
-                      </a:r>
-                      <a:endParaRPr lang="en-PH" dirty="0"/>
-                    </a:p>
-                  </a:txBody>
-                  <a:tcPr/>
-                </a:tc>
-                <a:extLst>
-                  <a:ext uri="{0D108BD9-81ED-4DB2-BD59-A6C34878D82A}">
-                    <a16:rowId xmlns:a16="http://schemas.microsoft.com/office/drawing/2014/main" val="276534377"/>
-                  </a:ext>
-                </a:extLst>
-              </a:tr>
-              <a:tr h="482561">
-                <a:tc>
-                  <a:txBody>
-                    <a:bodyPr/>
-                    <a:lstStyle/>
-                    <a:p>
-                      <a:r>
-                        <a:rPr lang="en-US" dirty="0"/>
-                        <a:t>ride jeep</a:t>
-                      </a:r>
-                      <a:endParaRPr lang="en-PH" dirty="0"/>
-                    </a:p>
-                  </a:txBody>
-                  <a:tcPr/>
-                </a:tc>
-                <a:tc>
-                  <a:txBody>
-                    <a:bodyPr/>
-                    <a:lstStyle/>
-                    <a:p>
-                      <a:pPr algn="ctr"/>
-                      <a:r>
-                        <a:rPr lang="en-US" dirty="0"/>
-                        <a:t>40</a:t>
-                      </a:r>
-                      <a:endParaRPr lang="en-PH" dirty="0"/>
-                    </a:p>
-                  </a:txBody>
-                  <a:tcPr/>
-                </a:tc>
-                <a:tc>
-                  <a:txBody>
-                    <a:bodyPr/>
-                    <a:lstStyle/>
-                    <a:p>
-                      <a:pPr algn="ctr"/>
-                      <a:r>
-                        <a:rPr lang="en-US" dirty="0"/>
-                        <a:t>3</a:t>
-                      </a:r>
-                      <a:endParaRPr lang="en-PH" dirty="0"/>
-                    </a:p>
-                  </a:txBody>
-                  <a:tcPr/>
-                </a:tc>
-                <a:tc>
-                  <a:txBody>
-                    <a:bodyPr/>
-                    <a:lstStyle/>
-                    <a:p>
-                      <a:pPr algn="ctr"/>
-                      <a:r>
-                        <a:rPr lang="en-US" dirty="0"/>
-                        <a:t>43</a:t>
-                      </a:r>
-                      <a:endParaRPr lang="en-PH" dirty="0"/>
-                    </a:p>
-                  </a:txBody>
-                  <a:tcPr/>
-                </a:tc>
-                <a:extLst>
-                  <a:ext uri="{0D108BD9-81ED-4DB2-BD59-A6C34878D82A}">
-                    <a16:rowId xmlns:a16="http://schemas.microsoft.com/office/drawing/2014/main" val="3393370073"/>
-                  </a:ext>
-                </a:extLst>
-              </a:tr>
-              <a:tr h="482561">
-                <a:tc>
-                  <a:txBody>
-                    <a:bodyPr/>
-                    <a:lstStyle/>
-                    <a:p>
-                      <a:r>
-                        <a:rPr lang="en-US" dirty="0"/>
-                        <a:t>arrive home</a:t>
-                      </a:r>
-                      <a:endParaRPr lang="en-PH" dirty="0"/>
-                    </a:p>
-                  </a:txBody>
-                  <a:tcPr/>
-                </a:tc>
-                <a:tc>
-                  <a:txBody>
-                    <a:bodyPr/>
-                    <a:lstStyle/>
-                    <a:p>
-                      <a:pPr algn="ctr"/>
-                      <a:r>
-                        <a:rPr lang="en-US" dirty="0"/>
-                        <a:t>43</a:t>
-                      </a:r>
-                      <a:endParaRPr lang="en-PH" dirty="0"/>
-                    </a:p>
-                  </a:txBody>
-                  <a:tcPr/>
-                </a:tc>
-                <a:tc>
-                  <a:txBody>
-                    <a:bodyPr/>
-                    <a:lstStyle/>
-                    <a:p>
-                      <a:pPr algn="ctr"/>
-                      <a:r>
-                        <a:rPr lang="en-US" dirty="0"/>
-                        <a:t>0</a:t>
-                      </a:r>
-                      <a:endParaRPr lang="en-PH" dirty="0"/>
-                    </a:p>
-                  </a:txBody>
-                  <a:tcPr/>
-                </a:tc>
-                <a:tc>
-                  <a:txBody>
-                    <a:bodyPr/>
-                    <a:lstStyle/>
-                    <a:p>
-                      <a:pPr algn="ctr"/>
-                      <a:r>
-                        <a:rPr lang="en-US" dirty="0"/>
-                        <a:t>43</a:t>
-                      </a:r>
-                      <a:endParaRPr lang="en-PH" dirty="0"/>
-                    </a:p>
-                  </a:txBody>
-                  <a:tcPr/>
-                </a:tc>
-                <a:extLst>
-                  <a:ext uri="{0D108BD9-81ED-4DB2-BD59-A6C34878D82A}">
-                    <a16:rowId xmlns:a16="http://schemas.microsoft.com/office/drawing/2014/main" val="3561135154"/>
-                  </a:ext>
-                </a:extLst>
-              </a:tr>
-            </a:tbl>
-          </a:graphicData>
-        </a:graphic>
-      </p:graphicFrame>
+              <a:t>Temporal Difference Approach</a:t>
+            </a:r>
+          </a:p>
+        </p:txBody>
+      </p:sp>
+      <p:pic>
+        <p:nvPicPr>
+          <p:cNvPr id="3" name="Picture 2" descr="A picture containing text, screenshot&#10;&#10;Description automatically generated">
+            <a:extLst>
+              <a:ext uri="{FF2B5EF4-FFF2-40B4-BE49-F238E27FC236}">
+                <a16:creationId xmlns:a16="http://schemas.microsoft.com/office/drawing/2014/main" id="{8FF2711D-D935-CB88-DA1F-133C70B0445B}"/>
+              </a:ext>
+            </a:extLst>
+          </p:cNvPr>
+          <p:cNvPicPr>
+            <a:picLocks noChangeAspect="1"/>
+          </p:cNvPicPr>
+          <p:nvPr/>
+        </p:nvPicPr>
+        <p:blipFill>
+          <a:blip r:embed="rId2">
+            <a:extLst>
+              <a:ext uri="{28A0092B-C50C-407E-A947-70E740481C1C}">
+                <a14:useLocalDpi xmlns:a14="http://schemas.microsoft.com/office/drawing/2010/main" val="0"/>
+              </a:ext>
+            </a:extLst>
+          </a:blip>
+          <a:stretch>
+            <a:fillRect/>
+          </a:stretch>
+        </p:blipFill>
+        <p:spPr>
+          <a:xfrm>
+            <a:off x="2203418" y="1483628"/>
+            <a:ext cx="7756588" cy="4363081"/>
+          </a:xfrm>
+          <a:prstGeom prst="rect">
+            <a:avLst/>
+          </a:prstGeom>
+        </p:spPr>
+      </p:pic>
     </p:spTree>
     <p:extLst>
       <p:ext uri="{BB962C8B-B14F-4D97-AF65-F5344CB8AC3E}">
-        <p14:creationId xmlns:p14="http://schemas.microsoft.com/office/powerpoint/2010/main" val="3799914916"/>
+        <p14:creationId xmlns:p14="http://schemas.microsoft.com/office/powerpoint/2010/main" val="1795152169"/>
       </p:ext>
     </p:extLst>
   </p:cSld>
@@ -19584,7 +21718,7 @@
         </p:nvSpPr>
         <p:spPr>
           <a:xfrm>
-            <a:off x="366713" y="298454"/>
+            <a:off x="352425" y="292273"/>
             <a:ext cx="11458574" cy="869778"/>
           </a:xfrm>
         </p:spPr>
@@ -19596,637 +21730,51 @@
               <a:rPr lang="en-PH" b="1" dirty="0">
                 <a:latin typeface="+mn-lt"/>
               </a:rPr>
-              <a:t>Going Home from School Example</a:t>
-            </a:r>
-          </a:p>
-        </p:txBody>
-      </p:sp>
-      <p:graphicFrame>
-        <p:nvGraphicFramePr>
-          <p:cNvPr id="4" name="Chart 3">
-            <a:extLst>
-              <a:ext uri="{FF2B5EF4-FFF2-40B4-BE49-F238E27FC236}">
-                <a16:creationId xmlns:a16="http://schemas.microsoft.com/office/drawing/2014/main" id="{F6BA806B-25CF-B5B2-4D11-0DED20405BFF}"/>
-              </a:ext>
-            </a:extLst>
-          </p:cNvPr>
-          <p:cNvGraphicFramePr/>
-          <p:nvPr>
-            <p:extLst>
-              <p:ext uri="{D42A27DB-BD31-4B8C-83A1-F6EECF244321}">
-                <p14:modId xmlns:p14="http://schemas.microsoft.com/office/powerpoint/2010/main" val="735207977"/>
-              </p:ext>
-            </p:extLst>
-          </p:nvPr>
-        </p:nvGraphicFramePr>
-        <p:xfrm>
-          <a:off x="1911821" y="2171771"/>
-          <a:ext cx="3815776" cy="3321185"/>
-        </p:xfrm>
-        <a:graphic>
-          <a:graphicData uri="http://schemas.openxmlformats.org/drawingml/2006/chart">
-            <c:chart xmlns:c="http://schemas.openxmlformats.org/drawingml/2006/chart" xmlns:r="http://schemas.openxmlformats.org/officeDocument/2006/relationships" r:id="rId2"/>
-          </a:graphicData>
-        </a:graphic>
-      </p:graphicFrame>
-      <p:sp>
-        <p:nvSpPr>
-          <p:cNvPr id="11" name="TextBox 10">
-            <a:extLst>
-              <a:ext uri="{FF2B5EF4-FFF2-40B4-BE49-F238E27FC236}">
-                <a16:creationId xmlns:a16="http://schemas.microsoft.com/office/drawing/2014/main" id="{60BE5815-E605-5ED9-F3F6-A20995C88010}"/>
-              </a:ext>
-            </a:extLst>
-          </p:cNvPr>
-          <p:cNvSpPr txBox="1"/>
+              <a:t>Temporal Difference Approach</a:t>
+            </a:r>
+          </a:p>
+        </p:txBody>
+      </p:sp>
+      <p:pic>
+        <p:nvPicPr>
+          <p:cNvPr id="4" name="Picture 3" descr="A picture containing text, font, screenshot, line&#10;&#10;Description automatically generated">
+            <a:extLst>
+              <a:ext uri="{FF2B5EF4-FFF2-40B4-BE49-F238E27FC236}">
+                <a16:creationId xmlns:a16="http://schemas.microsoft.com/office/drawing/2014/main" id="{467BCAC8-8736-8B1F-FBC1-568D32E6E964}"/>
+              </a:ext>
+            </a:extLst>
+          </p:cNvPr>
+          <p:cNvPicPr>
+            <a:picLocks noChangeAspect="1"/>
+          </p:cNvPicPr>
           <p:nvPr/>
-        </p:nvSpPr>
-        <p:spPr>
-          <a:xfrm>
-            <a:off x="3276597" y="2325232"/>
-            <a:ext cx="1214179" cy="276999"/>
+        </p:nvPicPr>
+        <p:blipFill>
+          <a:blip r:embed="rId2">
+            <a:extLst>
+              <a:ext uri="{28A0092B-C50C-407E-A947-70E740481C1C}">
+                <a14:useLocalDpi xmlns:a14="http://schemas.microsoft.com/office/drawing/2010/main" val="0"/>
+              </a:ext>
+            </a:extLst>
+          </a:blip>
+          <a:stretch>
+            <a:fillRect/>
+          </a:stretch>
+        </p:blipFill>
+        <p:spPr>
+          <a:xfrm>
+            <a:off x="1270290" y="2129916"/>
+            <a:ext cx="9622844" cy="2598168"/>
           </a:xfrm>
           <a:prstGeom prst="rect">
             <a:avLst/>
           </a:prstGeom>
-          <a:noFill/>
-        </p:spPr>
-        <p:txBody>
-          <a:bodyPr wrap="none" rtlCol="0">
-            <a:spAutoFit/>
-          </a:bodyPr>
-          <a:lstStyle/>
-          <a:p>
-            <a:r>
-              <a:rPr lang="en-US" sz="1200" b="1" dirty="0"/>
-              <a:t>Actual Outcome</a:t>
-            </a:r>
-            <a:endParaRPr lang="en-PH" sz="1200" b="1" dirty="0"/>
-          </a:p>
-        </p:txBody>
-      </p:sp>
-      <p:graphicFrame>
-        <p:nvGraphicFramePr>
-          <p:cNvPr id="12" name="Chart 11">
-            <a:extLst>
-              <a:ext uri="{FF2B5EF4-FFF2-40B4-BE49-F238E27FC236}">
-                <a16:creationId xmlns:a16="http://schemas.microsoft.com/office/drawing/2014/main" id="{29AF1DF3-C94C-3F22-1D96-838ECA09C3D3}"/>
-              </a:ext>
-            </a:extLst>
-          </p:cNvPr>
-          <p:cNvGraphicFramePr/>
-          <p:nvPr>
-            <p:extLst>
-              <p:ext uri="{D42A27DB-BD31-4B8C-83A1-F6EECF244321}">
-                <p14:modId xmlns:p14="http://schemas.microsoft.com/office/powerpoint/2010/main" val="2930973432"/>
-              </p:ext>
-            </p:extLst>
-          </p:nvPr>
-        </p:nvGraphicFramePr>
-        <p:xfrm>
-          <a:off x="7086601" y="2171771"/>
-          <a:ext cx="3815776" cy="3321185"/>
-        </p:xfrm>
-        <a:graphic>
-          <a:graphicData uri="http://schemas.openxmlformats.org/drawingml/2006/chart">
-            <c:chart xmlns:c="http://schemas.openxmlformats.org/drawingml/2006/chart" xmlns:r="http://schemas.openxmlformats.org/officeDocument/2006/relationships" r:id="rId3"/>
-          </a:graphicData>
-        </a:graphic>
-      </p:graphicFrame>
-      <p:cxnSp>
-        <p:nvCxnSpPr>
-          <p:cNvPr id="17" name="Straight Connector 16">
-            <a:extLst>
-              <a:ext uri="{FF2B5EF4-FFF2-40B4-BE49-F238E27FC236}">
-                <a16:creationId xmlns:a16="http://schemas.microsoft.com/office/drawing/2014/main" id="{BF2DB63B-172D-40E4-27B0-2CEEC4E42D51}"/>
-              </a:ext>
-            </a:extLst>
-          </p:cNvPr>
-          <p:cNvCxnSpPr>
-            <a:cxnSpLocks/>
-          </p:cNvCxnSpPr>
-          <p:nvPr/>
-        </p:nvCxnSpPr>
-        <p:spPr>
-          <a:xfrm>
-            <a:off x="7695065" y="3036396"/>
-            <a:ext cx="527050" cy="0"/>
-          </a:xfrm>
-          <a:prstGeom prst="line">
-            <a:avLst/>
-          </a:prstGeom>
-          <a:ln w="38100" cap="rnd" cmpd="sng" algn="ctr">
-            <a:solidFill>
-              <a:schemeClr val="tx1"/>
-            </a:solidFill>
-            <a:prstDash val="dash"/>
-            <a:round/>
-            <a:headEnd type="none" w="med" len="med"/>
-            <a:tailEnd type="none" w="med" len="med"/>
-          </a:ln>
-        </p:spPr>
-        <p:style>
-          <a:lnRef idx="0">
-            <a:scrgbClr r="0" g="0" b="0"/>
-          </a:lnRef>
-          <a:fillRef idx="0">
-            <a:scrgbClr r="0" g="0" b="0"/>
-          </a:fillRef>
-          <a:effectRef idx="0">
-            <a:scrgbClr r="0" g="0" b="0"/>
-          </a:effectRef>
-          <a:fontRef idx="minor">
-            <a:schemeClr val="tx1"/>
-          </a:fontRef>
-        </p:style>
-      </p:cxnSp>
-      <p:cxnSp>
-        <p:nvCxnSpPr>
-          <p:cNvPr id="19" name="Straight Arrow Connector 18">
-            <a:extLst>
-              <a:ext uri="{FF2B5EF4-FFF2-40B4-BE49-F238E27FC236}">
-                <a16:creationId xmlns:a16="http://schemas.microsoft.com/office/drawing/2014/main" id="{F28FFF3F-EBE4-AE91-DB69-F6642DD70380}"/>
-              </a:ext>
-            </a:extLst>
-          </p:cNvPr>
-          <p:cNvCxnSpPr>
-            <a:cxnSpLocks/>
-          </p:cNvCxnSpPr>
-          <p:nvPr/>
-        </p:nvCxnSpPr>
-        <p:spPr>
-          <a:xfrm flipV="1">
-            <a:off x="7695065" y="3036396"/>
-            <a:ext cx="0" cy="1473200"/>
-          </a:xfrm>
-          <a:prstGeom prst="straightConnector1">
-            <a:avLst/>
-          </a:prstGeom>
-          <a:ln>
-            <a:solidFill>
-              <a:srgbClr val="FF0000"/>
-            </a:solidFill>
-            <a:tailEnd type="triangle"/>
-          </a:ln>
-        </p:spPr>
-        <p:style>
-          <a:lnRef idx="3">
-            <a:schemeClr val="dk1"/>
-          </a:lnRef>
-          <a:fillRef idx="0">
-            <a:schemeClr val="dk1"/>
-          </a:fillRef>
-          <a:effectRef idx="2">
-            <a:schemeClr val="dk1"/>
-          </a:effectRef>
-          <a:fontRef idx="minor">
-            <a:schemeClr val="tx1"/>
-          </a:fontRef>
-        </p:style>
-      </p:cxnSp>
-      <p:cxnSp>
-        <p:nvCxnSpPr>
-          <p:cNvPr id="24" name="Straight Arrow Connector 23">
-            <a:extLst>
-              <a:ext uri="{FF2B5EF4-FFF2-40B4-BE49-F238E27FC236}">
-                <a16:creationId xmlns:a16="http://schemas.microsoft.com/office/drawing/2014/main" id="{A7C59B46-64C0-8ED6-F529-0E37FF1801F7}"/>
-              </a:ext>
-            </a:extLst>
-          </p:cNvPr>
-          <p:cNvCxnSpPr>
-            <a:cxnSpLocks/>
-          </p:cNvCxnSpPr>
-          <p:nvPr/>
-        </p:nvCxnSpPr>
-        <p:spPr>
-          <a:xfrm>
-            <a:off x="8285615" y="3112596"/>
-            <a:ext cx="0" cy="719767"/>
-          </a:xfrm>
-          <a:prstGeom prst="straightConnector1">
-            <a:avLst/>
-          </a:prstGeom>
-          <a:ln>
-            <a:solidFill>
-              <a:srgbClr val="FF0000"/>
-            </a:solidFill>
-            <a:tailEnd type="triangle"/>
-          </a:ln>
-        </p:spPr>
-        <p:style>
-          <a:lnRef idx="3">
-            <a:schemeClr val="dk1"/>
-          </a:lnRef>
-          <a:fillRef idx="0">
-            <a:schemeClr val="dk1"/>
-          </a:fillRef>
-          <a:effectRef idx="2">
-            <a:schemeClr val="dk1"/>
-          </a:effectRef>
-          <a:fontRef idx="minor">
-            <a:schemeClr val="tx1"/>
-          </a:fontRef>
-        </p:style>
-      </p:cxnSp>
-      <p:cxnSp>
-        <p:nvCxnSpPr>
-          <p:cNvPr id="27" name="Straight Arrow Connector 26">
-            <a:extLst>
-              <a:ext uri="{FF2B5EF4-FFF2-40B4-BE49-F238E27FC236}">
-                <a16:creationId xmlns:a16="http://schemas.microsoft.com/office/drawing/2014/main" id="{F0555C7D-D1CB-BACC-AD08-2E40AC5F69D2}"/>
-              </a:ext>
-            </a:extLst>
-          </p:cNvPr>
-          <p:cNvCxnSpPr>
-            <a:cxnSpLocks/>
-          </p:cNvCxnSpPr>
-          <p:nvPr/>
-        </p:nvCxnSpPr>
-        <p:spPr>
-          <a:xfrm flipV="1">
-            <a:off x="8863465" y="3036396"/>
-            <a:ext cx="0" cy="795967"/>
-          </a:xfrm>
-          <a:prstGeom prst="straightConnector1">
-            <a:avLst/>
-          </a:prstGeom>
-          <a:ln>
-            <a:solidFill>
-              <a:srgbClr val="FF0000"/>
-            </a:solidFill>
-            <a:tailEnd type="triangle"/>
-          </a:ln>
-        </p:spPr>
-        <p:style>
-          <a:lnRef idx="3">
-            <a:schemeClr val="dk1"/>
-          </a:lnRef>
-          <a:fillRef idx="0">
-            <a:schemeClr val="dk1"/>
-          </a:fillRef>
-          <a:effectRef idx="2">
-            <a:schemeClr val="dk1"/>
-          </a:effectRef>
-          <a:fontRef idx="minor">
-            <a:schemeClr val="tx1"/>
-          </a:fontRef>
-        </p:style>
-      </p:cxnSp>
-      <p:cxnSp>
-        <p:nvCxnSpPr>
-          <p:cNvPr id="30" name="Straight Arrow Connector 29">
-            <a:extLst>
-              <a:ext uri="{FF2B5EF4-FFF2-40B4-BE49-F238E27FC236}">
-                <a16:creationId xmlns:a16="http://schemas.microsoft.com/office/drawing/2014/main" id="{455D08C4-1BF6-7F6C-4D83-D2271C3F1A27}"/>
-              </a:ext>
-            </a:extLst>
-          </p:cNvPr>
-          <p:cNvCxnSpPr>
-            <a:cxnSpLocks/>
-          </p:cNvCxnSpPr>
-          <p:nvPr/>
-        </p:nvCxnSpPr>
-        <p:spPr>
-          <a:xfrm flipV="1">
-            <a:off x="9466715" y="2591896"/>
-            <a:ext cx="0" cy="444500"/>
-          </a:xfrm>
-          <a:prstGeom prst="straightConnector1">
-            <a:avLst/>
-          </a:prstGeom>
-          <a:ln>
-            <a:solidFill>
-              <a:srgbClr val="FF0000"/>
-            </a:solidFill>
-            <a:tailEnd type="triangle"/>
-          </a:ln>
-        </p:spPr>
-        <p:style>
-          <a:lnRef idx="3">
-            <a:schemeClr val="dk1"/>
-          </a:lnRef>
-          <a:fillRef idx="0">
-            <a:schemeClr val="dk1"/>
-          </a:fillRef>
-          <a:effectRef idx="2">
-            <a:schemeClr val="dk1"/>
-          </a:effectRef>
-          <a:fontRef idx="minor">
-            <a:schemeClr val="tx1"/>
-          </a:fontRef>
-        </p:style>
-      </p:cxnSp>
-      <p:cxnSp>
-        <p:nvCxnSpPr>
-          <p:cNvPr id="32" name="Straight Arrow Connector 31">
-            <a:extLst>
-              <a:ext uri="{FF2B5EF4-FFF2-40B4-BE49-F238E27FC236}">
-                <a16:creationId xmlns:a16="http://schemas.microsoft.com/office/drawing/2014/main" id="{3B1D595B-D403-2461-4CD7-3F0F6E881486}"/>
-              </a:ext>
-            </a:extLst>
-          </p:cNvPr>
-          <p:cNvCxnSpPr>
-            <a:cxnSpLocks/>
-          </p:cNvCxnSpPr>
-          <p:nvPr/>
-        </p:nvCxnSpPr>
-        <p:spPr>
-          <a:xfrm flipV="1">
-            <a:off x="2507300" y="2602231"/>
-            <a:ext cx="0" cy="1917050"/>
-          </a:xfrm>
-          <a:prstGeom prst="straightConnector1">
-            <a:avLst/>
-          </a:prstGeom>
-          <a:ln>
-            <a:solidFill>
-              <a:srgbClr val="FF0000"/>
-            </a:solidFill>
-            <a:tailEnd type="triangle"/>
-          </a:ln>
-        </p:spPr>
-        <p:style>
-          <a:lnRef idx="3">
-            <a:schemeClr val="dk1"/>
-          </a:lnRef>
-          <a:fillRef idx="0">
-            <a:schemeClr val="dk1"/>
-          </a:fillRef>
-          <a:effectRef idx="2">
-            <a:schemeClr val="dk1"/>
-          </a:effectRef>
-          <a:fontRef idx="minor">
-            <a:schemeClr val="tx1"/>
-          </a:fontRef>
-        </p:style>
-      </p:cxnSp>
-      <p:cxnSp>
-        <p:nvCxnSpPr>
-          <p:cNvPr id="34" name="Straight Arrow Connector 33">
-            <a:extLst>
-              <a:ext uri="{FF2B5EF4-FFF2-40B4-BE49-F238E27FC236}">
-                <a16:creationId xmlns:a16="http://schemas.microsoft.com/office/drawing/2014/main" id="{87917D1C-4A46-C3FB-6667-85E0CC488EDD}"/>
-              </a:ext>
-            </a:extLst>
-          </p:cNvPr>
-          <p:cNvCxnSpPr>
-            <a:cxnSpLocks/>
-          </p:cNvCxnSpPr>
-          <p:nvPr/>
-        </p:nvCxnSpPr>
-        <p:spPr>
-          <a:xfrm flipV="1">
-            <a:off x="3104200" y="2601906"/>
-            <a:ext cx="0" cy="473858"/>
-          </a:xfrm>
-          <a:prstGeom prst="straightConnector1">
-            <a:avLst/>
-          </a:prstGeom>
-          <a:ln>
-            <a:solidFill>
-              <a:srgbClr val="FF0000"/>
-            </a:solidFill>
-            <a:tailEnd type="triangle"/>
-          </a:ln>
-        </p:spPr>
-        <p:style>
-          <a:lnRef idx="3">
-            <a:schemeClr val="dk1"/>
-          </a:lnRef>
-          <a:fillRef idx="0">
-            <a:schemeClr val="dk1"/>
-          </a:fillRef>
-          <a:effectRef idx="2">
-            <a:schemeClr val="dk1"/>
-          </a:effectRef>
-          <a:fontRef idx="minor">
-            <a:schemeClr val="tx1"/>
-          </a:fontRef>
-        </p:style>
-      </p:cxnSp>
-      <p:sp>
-        <p:nvSpPr>
-          <p:cNvPr id="39" name="TextBox 38">
-            <a:extLst>
-              <a:ext uri="{FF2B5EF4-FFF2-40B4-BE49-F238E27FC236}">
-                <a16:creationId xmlns:a16="http://schemas.microsoft.com/office/drawing/2014/main" id="{E3CFC67F-EAF2-8274-92C3-EC383D0868DF}"/>
-              </a:ext>
-            </a:extLst>
-          </p:cNvPr>
-          <p:cNvSpPr txBox="1"/>
-          <p:nvPr/>
-        </p:nvSpPr>
-        <p:spPr>
-          <a:xfrm rot="16200000">
-            <a:off x="740592" y="3581852"/>
-            <a:ext cx="1855893" cy="276999"/>
-          </a:xfrm>
-          <a:prstGeom prst="rect">
-            <a:avLst/>
-          </a:prstGeom>
-          <a:noFill/>
-        </p:spPr>
-        <p:txBody>
-          <a:bodyPr wrap="none" rtlCol="0">
-            <a:spAutoFit/>
-          </a:bodyPr>
-          <a:lstStyle/>
-          <a:p>
-            <a:r>
-              <a:rPr lang="en-US" sz="1200" b="1" dirty="0"/>
-              <a:t>Predicted total travel time</a:t>
-            </a:r>
-          </a:p>
-        </p:txBody>
-      </p:sp>
-      <p:sp>
-        <p:nvSpPr>
-          <p:cNvPr id="40" name="TextBox 39">
-            <a:extLst>
-              <a:ext uri="{FF2B5EF4-FFF2-40B4-BE49-F238E27FC236}">
-                <a16:creationId xmlns:a16="http://schemas.microsoft.com/office/drawing/2014/main" id="{B994D901-6C79-9F78-7E17-AE83F87D447F}"/>
-              </a:ext>
-            </a:extLst>
-          </p:cNvPr>
-          <p:cNvSpPr txBox="1"/>
-          <p:nvPr/>
-        </p:nvSpPr>
-        <p:spPr>
-          <a:xfrm>
-            <a:off x="3396619" y="5492956"/>
-            <a:ext cx="763542" cy="461665"/>
-          </a:xfrm>
-          <a:prstGeom prst="rect">
-            <a:avLst/>
-          </a:prstGeom>
-          <a:noFill/>
-        </p:spPr>
-        <p:txBody>
-          <a:bodyPr wrap="none" rtlCol="0">
-            <a:spAutoFit/>
-          </a:bodyPr>
-          <a:lstStyle/>
-          <a:p>
-            <a:r>
-              <a:rPr lang="en-US" sz="1200" b="1" dirty="0"/>
-              <a:t>Situation</a:t>
-            </a:r>
-          </a:p>
-          <a:p>
-            <a:endParaRPr lang="en-US" sz="1200" b="1" dirty="0"/>
-          </a:p>
-        </p:txBody>
-      </p:sp>
-      <p:sp>
-        <p:nvSpPr>
-          <p:cNvPr id="41" name="TextBox 40">
-            <a:extLst>
-              <a:ext uri="{FF2B5EF4-FFF2-40B4-BE49-F238E27FC236}">
-                <a16:creationId xmlns:a16="http://schemas.microsoft.com/office/drawing/2014/main" id="{7161FCD7-6AD2-D0E2-139F-EFA42C6BA787}"/>
-              </a:ext>
-            </a:extLst>
-          </p:cNvPr>
-          <p:cNvSpPr txBox="1"/>
-          <p:nvPr/>
-        </p:nvSpPr>
-        <p:spPr>
-          <a:xfrm rot="16200000">
-            <a:off x="5922007" y="3581852"/>
-            <a:ext cx="1855893" cy="276999"/>
-          </a:xfrm>
-          <a:prstGeom prst="rect">
-            <a:avLst/>
-          </a:prstGeom>
-          <a:noFill/>
-        </p:spPr>
-        <p:txBody>
-          <a:bodyPr wrap="none" rtlCol="0">
-            <a:spAutoFit/>
-          </a:bodyPr>
-          <a:lstStyle/>
-          <a:p>
-            <a:r>
-              <a:rPr lang="en-US" sz="1200" b="1" dirty="0"/>
-              <a:t>Predicted total travel time</a:t>
-            </a:r>
-          </a:p>
-        </p:txBody>
-      </p:sp>
-      <p:sp>
-        <p:nvSpPr>
-          <p:cNvPr id="42" name="TextBox 41">
-            <a:extLst>
-              <a:ext uri="{FF2B5EF4-FFF2-40B4-BE49-F238E27FC236}">
-                <a16:creationId xmlns:a16="http://schemas.microsoft.com/office/drawing/2014/main" id="{82D5AE9F-B989-95DA-6265-CFCD51E70F8A}"/>
-              </a:ext>
-            </a:extLst>
-          </p:cNvPr>
-          <p:cNvSpPr txBox="1"/>
-          <p:nvPr/>
-        </p:nvSpPr>
-        <p:spPr>
-          <a:xfrm>
-            <a:off x="8693199" y="5492956"/>
-            <a:ext cx="763542" cy="461665"/>
-          </a:xfrm>
-          <a:prstGeom prst="rect">
-            <a:avLst/>
-          </a:prstGeom>
-          <a:noFill/>
-        </p:spPr>
-        <p:txBody>
-          <a:bodyPr wrap="none" rtlCol="0">
-            <a:spAutoFit/>
-          </a:bodyPr>
-          <a:lstStyle/>
-          <a:p>
-            <a:r>
-              <a:rPr lang="en-US" sz="1200" b="1" dirty="0"/>
-              <a:t>Situation</a:t>
-            </a:r>
-          </a:p>
-          <a:p>
-            <a:endParaRPr lang="en-US" sz="1200" b="1" dirty="0"/>
-          </a:p>
-        </p:txBody>
-      </p:sp>
-      <p:sp>
-        <p:nvSpPr>
-          <p:cNvPr id="43" name="TextBox 42">
-            <a:extLst>
-              <a:ext uri="{FF2B5EF4-FFF2-40B4-BE49-F238E27FC236}">
-                <a16:creationId xmlns:a16="http://schemas.microsoft.com/office/drawing/2014/main" id="{54FCD4F5-D03D-E5B9-E332-A7516D814C81}"/>
-              </a:ext>
-            </a:extLst>
-          </p:cNvPr>
-          <p:cNvSpPr txBox="1"/>
-          <p:nvPr/>
-        </p:nvSpPr>
-        <p:spPr>
-          <a:xfrm>
-            <a:off x="2913421" y="1589628"/>
-            <a:ext cx="1800236" cy="646331"/>
-          </a:xfrm>
-          <a:prstGeom prst="rect">
-            <a:avLst/>
-          </a:prstGeom>
-          <a:noFill/>
-        </p:spPr>
-        <p:txBody>
-          <a:bodyPr wrap="none" rtlCol="0">
-            <a:spAutoFit/>
-          </a:bodyPr>
-          <a:lstStyle/>
-          <a:p>
-            <a:r>
-              <a:rPr lang="en-US" sz="2400" b="1" dirty="0"/>
-              <a:t>Monte-Carlo</a:t>
-            </a:r>
-          </a:p>
-          <a:p>
-            <a:endParaRPr lang="en-US" sz="1200" b="1" dirty="0"/>
-          </a:p>
-        </p:txBody>
-      </p:sp>
-      <p:sp>
-        <p:nvSpPr>
-          <p:cNvPr id="44" name="TextBox 43">
-            <a:extLst>
-              <a:ext uri="{FF2B5EF4-FFF2-40B4-BE49-F238E27FC236}">
-                <a16:creationId xmlns:a16="http://schemas.microsoft.com/office/drawing/2014/main" id="{A0E54D84-F325-54CA-5C19-5F660ABDC5BD}"/>
-              </a:ext>
-            </a:extLst>
-          </p:cNvPr>
-          <p:cNvSpPr txBox="1"/>
-          <p:nvPr/>
-        </p:nvSpPr>
-        <p:spPr>
-          <a:xfrm>
-            <a:off x="7661361" y="1622506"/>
-            <a:ext cx="2769797" cy="461665"/>
-          </a:xfrm>
-          <a:prstGeom prst="rect">
-            <a:avLst/>
-          </a:prstGeom>
-          <a:noFill/>
-        </p:spPr>
-        <p:txBody>
-          <a:bodyPr wrap="none" rtlCol="0">
-            <a:spAutoFit/>
-          </a:bodyPr>
-          <a:lstStyle/>
-          <a:p>
-            <a:r>
-              <a:rPr lang="en-US" sz="2400" b="1" dirty="0"/>
-              <a:t>Temporal Difference</a:t>
-            </a:r>
-          </a:p>
-        </p:txBody>
-      </p:sp>
+        </p:spPr>
+      </p:pic>
     </p:spTree>
     <p:extLst>
       <p:ext uri="{BB962C8B-B14F-4D97-AF65-F5344CB8AC3E}">
-        <p14:creationId xmlns:p14="http://schemas.microsoft.com/office/powerpoint/2010/main" val="4229934998"/>
+        <p14:creationId xmlns:p14="http://schemas.microsoft.com/office/powerpoint/2010/main" val="346895709"/>
       </p:ext>
     </p:extLst>
   </p:cSld>
@@ -20595,351 +22143,57 @@
           <a:lstStyle/>
           <a:p>
             <a:r>
-              <a:rPr lang="en-PH" b="1" dirty="0">
+              <a:rPr lang="en-PH" b="1">
                 <a:latin typeface="+mn-lt"/>
               </a:rPr>
-              <a:t>Advantages vs Disadvantages of MC vs TD</a:t>
-            </a:r>
-          </a:p>
-        </p:txBody>
-      </p:sp>
-      <p:sp>
-        <p:nvSpPr>
-          <p:cNvPr id="10" name="Content Placeholder 9">
-            <a:extLst>
-              <a:ext uri="{FF2B5EF4-FFF2-40B4-BE49-F238E27FC236}">
-                <a16:creationId xmlns:a16="http://schemas.microsoft.com/office/drawing/2014/main" id="{D5BBEC35-40CA-42D4-BC38-E13B39A6DA8E}"/>
-              </a:ext>
-            </a:extLst>
-          </p:cNvPr>
-          <p:cNvSpPr>
-            <a:spLocks noGrp="1"/>
-          </p:cNvSpPr>
-          <p:nvPr>
-            <p:ph idx="1"/>
-          </p:nvPr>
-        </p:nvSpPr>
-        <p:spPr>
-          <a:xfrm>
-            <a:off x="574039" y="1537756"/>
-            <a:ext cx="11043922" cy="1273490"/>
-          </a:xfrm>
-        </p:spPr>
-        <p:txBody>
-          <a:bodyPr>
-            <a:normAutofit/>
-          </a:bodyPr>
-          <a:lstStyle/>
-          <a:p>
-            <a:pPr algn="just">
-              <a:buFont typeface="Wingdings" panose="05000000000000000000" pitchFamily="2" charset="2"/>
-              <a:buChar char="§"/>
-            </a:pPr>
-            <a:r>
-              <a:rPr lang="en-US" sz="2400" dirty="0"/>
-              <a:t>TD can learn </a:t>
-            </a:r>
-            <a:r>
-              <a:rPr lang="en-US" sz="2400" b="1" i="1" dirty="0">
-                <a:solidFill>
-                  <a:srgbClr val="0070C0"/>
-                </a:solidFill>
-              </a:rPr>
-              <a:t>before</a:t>
-            </a:r>
-            <a:r>
-              <a:rPr lang="en-US" sz="2400" dirty="0"/>
-              <a:t> knowing the final outcome</a:t>
-            </a:r>
-          </a:p>
-          <a:p>
-            <a:pPr lvl="1" algn="just">
-              <a:buFont typeface="Wingdings" panose="05000000000000000000" pitchFamily="2" charset="2"/>
-              <a:buChar char="§"/>
-            </a:pPr>
-            <a:r>
-              <a:rPr lang="en-US" dirty="0"/>
-              <a:t>TD can learn online after every step</a:t>
-            </a:r>
-          </a:p>
-          <a:p>
-            <a:pPr lvl="1" algn="just">
-              <a:buFont typeface="Wingdings" panose="05000000000000000000" pitchFamily="2" charset="2"/>
-              <a:buChar char="§"/>
-            </a:pPr>
-            <a:r>
-              <a:rPr lang="en-US" dirty="0"/>
-              <a:t>MC must wait until end of episode before return is known</a:t>
-            </a:r>
-          </a:p>
-        </p:txBody>
-      </p:sp>
-      <p:sp>
-        <p:nvSpPr>
-          <p:cNvPr id="3" name="Content Placeholder 9">
-            <a:extLst>
-              <a:ext uri="{FF2B5EF4-FFF2-40B4-BE49-F238E27FC236}">
-                <a16:creationId xmlns:a16="http://schemas.microsoft.com/office/drawing/2014/main" id="{04086562-7A84-8832-1194-A5D8068012EE}"/>
-              </a:ext>
-            </a:extLst>
-          </p:cNvPr>
-          <p:cNvSpPr txBox="1">
-            <a:spLocks/>
-          </p:cNvSpPr>
+              <a:t>Temporal Difference Approach</a:t>
+            </a:r>
+            <a:endParaRPr lang="en-PH" b="1" dirty="0">
+              <a:latin typeface="+mn-lt"/>
+            </a:endParaRPr>
+          </a:p>
+        </p:txBody>
+      </p:sp>
+      <p:pic>
+        <p:nvPicPr>
+          <p:cNvPr id="3" name="Picture 2" descr="A picture containing text, screenshot, font&#10;&#10;Description automatically generated">
+            <a:extLst>
+              <a:ext uri="{FF2B5EF4-FFF2-40B4-BE49-F238E27FC236}">
+                <a16:creationId xmlns:a16="http://schemas.microsoft.com/office/drawing/2014/main" id="{5D358C9C-F41A-0C7B-D156-DB2041CF7073}"/>
+              </a:ext>
+            </a:extLst>
+          </p:cNvPr>
+          <p:cNvPicPr>
+            <a:picLocks noChangeAspect="1"/>
+          </p:cNvPicPr>
           <p:nvPr/>
-        </p:nvSpPr>
-        <p:spPr>
-          <a:xfrm>
-            <a:off x="574039" y="3255803"/>
-            <a:ext cx="11043922" cy="2064441"/>
+        </p:nvPicPr>
+        <p:blipFill>
+          <a:blip r:embed="rId2">
+            <a:extLst>
+              <a:ext uri="{28A0092B-C50C-407E-A947-70E740481C1C}">
+                <a14:useLocalDpi xmlns:a14="http://schemas.microsoft.com/office/drawing/2010/main" val="0"/>
+              </a:ext>
+            </a:extLst>
+          </a:blip>
+          <a:stretch>
+            <a:fillRect/>
+          </a:stretch>
+        </p:blipFill>
+        <p:spPr>
+          <a:xfrm>
+            <a:off x="1916270" y="1259571"/>
+            <a:ext cx="8359460" cy="4702196"/>
           </a:xfrm>
           <a:prstGeom prst="rect">
             <a:avLst/>
           </a:prstGeom>
         </p:spPr>
-        <p:txBody>
-          <a:bodyPr vert="horz" lIns="91440" tIns="45720" rIns="91440" bIns="45720" rtlCol="0">
-            <a:normAutofit/>
-          </a:bodyPr>
-          <a:lstStyle>
-            <a:lvl1pPr marL="228600" indent="-228600" algn="l" defTabSz="914400" rtl="0" eaLnBrk="1" latinLnBrk="0" hangingPunct="1">
-              <a:lnSpc>
-                <a:spcPct val="90000"/>
-              </a:lnSpc>
-              <a:spcBef>
-                <a:spcPts val="1000"/>
-              </a:spcBef>
-              <a:buFont typeface="Arial" panose="020B0604020202020204" pitchFamily="34" charset="0"/>
-              <a:buChar char="•"/>
-              <a:defRPr sz="2800" kern="1200">
-                <a:solidFill>
-                  <a:schemeClr val="tx1"/>
-                </a:solidFill>
-                <a:latin typeface="+mn-lt"/>
-                <a:ea typeface="+mn-ea"/>
-                <a:cs typeface="+mn-cs"/>
-              </a:defRPr>
-            </a:lvl1pPr>
-            <a:lvl2pPr marL="685800" indent="-228600" algn="l" defTabSz="914400" rtl="0" eaLnBrk="1" latinLnBrk="0" hangingPunct="1">
-              <a:lnSpc>
-                <a:spcPct val="90000"/>
-              </a:lnSpc>
-              <a:spcBef>
-                <a:spcPts val="500"/>
-              </a:spcBef>
-              <a:buFont typeface="Arial" panose="020B0604020202020204" pitchFamily="34" charset="0"/>
-              <a:buChar char="•"/>
-              <a:defRPr sz="2400" kern="1200">
-                <a:solidFill>
-                  <a:schemeClr val="tx1"/>
-                </a:solidFill>
-                <a:latin typeface="+mn-lt"/>
-                <a:ea typeface="+mn-ea"/>
-                <a:cs typeface="+mn-cs"/>
-              </a:defRPr>
-            </a:lvl2pPr>
-            <a:lvl3pPr marL="1143000" indent="-228600" algn="l" defTabSz="914400" rtl="0" eaLnBrk="1" latinLnBrk="0" hangingPunct="1">
-              <a:lnSpc>
-                <a:spcPct val="90000"/>
-              </a:lnSpc>
-              <a:spcBef>
-                <a:spcPts val="500"/>
-              </a:spcBef>
-              <a:buFont typeface="Arial" panose="020B0604020202020204" pitchFamily="34" charset="0"/>
-              <a:buChar char="•"/>
-              <a:defRPr sz="2000" kern="1200">
-                <a:solidFill>
-                  <a:schemeClr val="tx1"/>
-                </a:solidFill>
-                <a:latin typeface="+mn-lt"/>
-                <a:ea typeface="+mn-ea"/>
-                <a:cs typeface="+mn-cs"/>
-              </a:defRPr>
-            </a:lvl3pPr>
-            <a:lvl4pPr marL="1600200" indent="-228600" algn="l" defTabSz="914400" rtl="0" eaLnBrk="1" latinLnBrk="0" hangingPunct="1">
-              <a:lnSpc>
-                <a:spcPct val="90000"/>
-              </a:lnSpc>
-              <a:spcBef>
-                <a:spcPts val="500"/>
-              </a:spcBef>
-              <a:buFont typeface="Arial" panose="020B0604020202020204" pitchFamily="34" charset="0"/>
-              <a:buChar char="•"/>
-              <a:defRPr sz="1800" kern="1200">
-                <a:solidFill>
-                  <a:schemeClr val="tx1"/>
-                </a:solidFill>
-                <a:latin typeface="+mn-lt"/>
-                <a:ea typeface="+mn-ea"/>
-                <a:cs typeface="+mn-cs"/>
-              </a:defRPr>
-            </a:lvl4pPr>
-            <a:lvl5pPr marL="2057400" indent="-228600" algn="l" defTabSz="914400" rtl="0" eaLnBrk="1" latinLnBrk="0" hangingPunct="1">
-              <a:lnSpc>
-                <a:spcPct val="90000"/>
-              </a:lnSpc>
-              <a:spcBef>
-                <a:spcPts val="500"/>
-              </a:spcBef>
-              <a:buFont typeface="Arial" panose="020B0604020202020204" pitchFamily="34" charset="0"/>
-              <a:buChar char="•"/>
-              <a:defRPr sz="1800" kern="1200">
-                <a:solidFill>
-                  <a:schemeClr val="tx1"/>
-                </a:solidFill>
-                <a:latin typeface="+mn-lt"/>
-                <a:ea typeface="+mn-ea"/>
-                <a:cs typeface="+mn-cs"/>
-              </a:defRPr>
-            </a:lvl5pPr>
-            <a:lvl6pPr marL="2514600" indent="-228600" algn="l" defTabSz="914400" rtl="0" eaLnBrk="1" latinLnBrk="0" hangingPunct="1">
-              <a:lnSpc>
-                <a:spcPct val="90000"/>
-              </a:lnSpc>
-              <a:spcBef>
-                <a:spcPts val="500"/>
-              </a:spcBef>
-              <a:buFont typeface="Arial" panose="020B0604020202020204" pitchFamily="34" charset="0"/>
-              <a:buChar char="•"/>
-              <a:defRPr sz="1800" kern="1200">
-                <a:solidFill>
-                  <a:schemeClr val="tx1"/>
-                </a:solidFill>
-                <a:latin typeface="+mn-lt"/>
-                <a:ea typeface="+mn-ea"/>
-                <a:cs typeface="+mn-cs"/>
-              </a:defRPr>
-            </a:lvl6pPr>
-            <a:lvl7pPr marL="2971800" indent="-228600" algn="l" defTabSz="914400" rtl="0" eaLnBrk="1" latinLnBrk="0" hangingPunct="1">
-              <a:lnSpc>
-                <a:spcPct val="90000"/>
-              </a:lnSpc>
-              <a:spcBef>
-                <a:spcPts val="500"/>
-              </a:spcBef>
-              <a:buFont typeface="Arial" panose="020B0604020202020204" pitchFamily="34" charset="0"/>
-              <a:buChar char="•"/>
-              <a:defRPr sz="1800" kern="1200">
-                <a:solidFill>
-                  <a:schemeClr val="tx1"/>
-                </a:solidFill>
-                <a:latin typeface="+mn-lt"/>
-                <a:ea typeface="+mn-ea"/>
-                <a:cs typeface="+mn-cs"/>
-              </a:defRPr>
-            </a:lvl7pPr>
-            <a:lvl8pPr marL="3429000" indent="-228600" algn="l" defTabSz="914400" rtl="0" eaLnBrk="1" latinLnBrk="0" hangingPunct="1">
-              <a:lnSpc>
-                <a:spcPct val="90000"/>
-              </a:lnSpc>
-              <a:spcBef>
-                <a:spcPts val="500"/>
-              </a:spcBef>
-              <a:buFont typeface="Arial" panose="020B0604020202020204" pitchFamily="34" charset="0"/>
-              <a:buChar char="•"/>
-              <a:defRPr sz="1800" kern="1200">
-                <a:solidFill>
-                  <a:schemeClr val="tx1"/>
-                </a:solidFill>
-                <a:latin typeface="+mn-lt"/>
-                <a:ea typeface="+mn-ea"/>
-                <a:cs typeface="+mn-cs"/>
-              </a:defRPr>
-            </a:lvl8pPr>
-            <a:lvl9pPr marL="3886200" indent="-228600" algn="l" defTabSz="914400" rtl="0" eaLnBrk="1" latinLnBrk="0" hangingPunct="1">
-              <a:lnSpc>
-                <a:spcPct val="90000"/>
-              </a:lnSpc>
-              <a:spcBef>
-                <a:spcPts val="500"/>
-              </a:spcBef>
-              <a:buFont typeface="Arial" panose="020B0604020202020204" pitchFamily="34" charset="0"/>
-              <a:buChar char="•"/>
-              <a:defRPr sz="1800" kern="1200">
-                <a:solidFill>
-                  <a:schemeClr val="tx1"/>
-                </a:solidFill>
-                <a:latin typeface="+mn-lt"/>
-                <a:ea typeface="+mn-ea"/>
-                <a:cs typeface="+mn-cs"/>
-              </a:defRPr>
-            </a:lvl9pPr>
-          </a:lstStyle>
-          <a:p>
-            <a:pPr algn="just">
-              <a:buFont typeface="Wingdings" panose="05000000000000000000" pitchFamily="2" charset="2"/>
-              <a:buChar char="§"/>
-            </a:pPr>
-            <a:r>
-              <a:rPr lang="en-US" sz="2400" dirty="0"/>
-              <a:t>TD can learn </a:t>
-            </a:r>
-            <a:r>
-              <a:rPr lang="en-US" sz="2400" b="1" i="1" dirty="0">
-                <a:solidFill>
-                  <a:srgbClr val="0070C0"/>
-                </a:solidFill>
-              </a:rPr>
-              <a:t>without</a:t>
-            </a:r>
-            <a:r>
-              <a:rPr lang="en-US" sz="2400" dirty="0"/>
-              <a:t> the final outcome</a:t>
-            </a:r>
-          </a:p>
-          <a:p>
-            <a:pPr lvl="1" algn="just">
-              <a:buFont typeface="Wingdings" panose="05000000000000000000" pitchFamily="2" charset="2"/>
-              <a:buChar char="§"/>
-            </a:pPr>
-            <a:r>
-              <a:rPr lang="en-US" dirty="0"/>
-              <a:t>TD can learn from incomplete sequences</a:t>
-            </a:r>
-          </a:p>
-          <a:p>
-            <a:pPr lvl="1" algn="just">
-              <a:buFont typeface="Wingdings" panose="05000000000000000000" pitchFamily="2" charset="2"/>
-              <a:buChar char="§"/>
-            </a:pPr>
-            <a:r>
-              <a:rPr lang="en-US" dirty="0"/>
-              <a:t>MC can only learn from complete sequences</a:t>
-            </a:r>
-          </a:p>
-          <a:p>
-            <a:pPr lvl="1" algn="just">
-              <a:buFont typeface="Wingdings" panose="05000000000000000000" pitchFamily="2" charset="2"/>
-              <a:buChar char="§"/>
-            </a:pPr>
-            <a:r>
-              <a:rPr lang="en-US" dirty="0"/>
-              <a:t>TD works in continuing (non-terminating) environments</a:t>
-            </a:r>
-          </a:p>
-          <a:p>
-            <a:pPr lvl="1" algn="just">
-              <a:buFont typeface="Wingdings" panose="05000000000000000000" pitchFamily="2" charset="2"/>
-              <a:buChar char="§"/>
-            </a:pPr>
-            <a:r>
-              <a:rPr lang="en-US" dirty="0"/>
-              <a:t>MC only works for episodic (terminating) environments</a:t>
-            </a:r>
-          </a:p>
-          <a:p>
-            <a:pPr lvl="1" algn="just">
-              <a:buFont typeface="Wingdings" panose="05000000000000000000" pitchFamily="2" charset="2"/>
-              <a:buChar char="§"/>
-            </a:pPr>
-            <a:endParaRPr lang="en-US" dirty="0"/>
-          </a:p>
-        </p:txBody>
-      </p:sp>
+      </p:pic>
     </p:spTree>
     <p:extLst>
       <p:ext uri="{BB962C8B-B14F-4D97-AF65-F5344CB8AC3E}">
-        <p14:creationId xmlns:p14="http://schemas.microsoft.com/office/powerpoint/2010/main" val="1969793757"/>
+        <p14:creationId xmlns:p14="http://schemas.microsoft.com/office/powerpoint/2010/main" val="749177861"/>
       </p:ext>
     </p:extLst>
   </p:cSld>
@@ -21835,9 +23089,12 @@
 </file>
 
 <file path=customXml/item1.xml><?xml version="1.0" encoding="utf-8"?>
-<Control xmlns="http://schemas.microsoft.com/VisualStudio/2011/storyboarding/control">
-  <Id Name="8ace2fdb-12ac-4077-a484-31b1b60ebf69" Revision="1" Stencil="System.MyShapes" StencilVersion="1.0"/>
-</Control>
+<?mso-contentType ?>
+<FormTemplates xmlns="http://schemas.microsoft.com/sharepoint/v3/contenttype/forms">
+  <Display>DocumentLibraryForm</Display>
+  <Edit>DocumentLibraryForm</Edit>
+  <New>DocumentLibraryForm</New>
+</FormTemplates>
 </file>
 
 <file path=customXml/item10.xml><?xml version="1.0" encoding="utf-8"?>
@@ -21865,12 +23122,23 @@
 </file>
 
 <file path=customXml/item4.xml><?xml version="1.0" encoding="utf-8"?>
+<p:properties xmlns:p="http://schemas.microsoft.com/office/2006/metadata/properties" xmlns:xsi="http://www.w3.org/2001/XMLSchema-instance" xmlns:pc="http://schemas.microsoft.com/office/infopath/2007/PartnerControls">
+  <documentManagement>
+    <TaxCatchAll xmlns="8635a931-6b84-420a-938b-bf6e93596a85" xsi:nil="true"/>
+    <lcf76f155ced4ddcb4097134ff3c332f xmlns="83665817-2bf1-470e-9d34-a1cdf51135fc">
+      <Terms xmlns="http://schemas.microsoft.com/office/infopath/2007/PartnerControls"/>
+    </lcf76f155ced4ddcb4097134ff3c332f>
+  </documentManagement>
+</p:properties>
+</file>
+
+<file path=customXml/item5.xml><?xml version="1.0" encoding="utf-8"?>
 <Control xmlns="http://schemas.microsoft.com/VisualStudio/2011/storyboarding/control">
   <Id Name="8ace2fdb-12ac-4077-a484-31b1b60ebf69" Revision="1" Stencil="System.MyShapes" StencilVersion="1.0"/>
 </Control>
 </file>
 
-<file path=customXml/item5.xml><?xml version="1.0" encoding="utf-8"?>
+<file path=customXml/item6.xml><?xml version="1.0" encoding="utf-8"?>
 <ct:contentTypeSchema xmlns:ct="http://schemas.microsoft.com/office/2006/metadata/contentType" xmlns:ma="http://schemas.microsoft.com/office/2006/metadata/properties/metaAttributes" ct:_="" ma:_="" ma:contentTypeName="Document" ma:contentTypeID="0x010100A8972596D83CB9448D5CC5920EF207E5" ma:contentTypeVersion="15" ma:contentTypeDescription="Create a new document." ma:contentTypeScope="" ma:versionID="e0bf2008eb45d6d5fc139be6c8039e46">
   <xsd:schema xmlns:xsd="http://www.w3.org/2001/XMLSchema" xmlns:xs="http://www.w3.org/2001/XMLSchema" xmlns:p="http://schemas.microsoft.com/office/2006/metadata/properties" xmlns:ns2="83665817-2bf1-470e-9d34-a1cdf51135fc" xmlns:ns3="8635a931-6b84-420a-938b-bf6e93596a85" targetNamespace="http://schemas.microsoft.com/office/2006/metadata/properties" ma:root="true" ma:fieldsID="b3f89756f7e2a2b7ac115775bf8004ea" ns2:_="" ns3:_="">
     <xsd:import namespace="83665817-2bf1-470e-9d34-a1cdf51135fc"/>
@@ -22107,24 +23375,10 @@
 </ct:contentTypeSchema>
 </file>
 
-<file path=customXml/item6.xml><?xml version="1.0" encoding="utf-8"?>
-<p:properties xmlns:p="http://schemas.microsoft.com/office/2006/metadata/properties" xmlns:xsi="http://www.w3.org/2001/XMLSchema-instance" xmlns:pc="http://schemas.microsoft.com/office/infopath/2007/PartnerControls">
-  <documentManagement>
-    <TaxCatchAll xmlns="8635a931-6b84-420a-938b-bf6e93596a85" xsi:nil="true"/>
-    <lcf76f155ced4ddcb4097134ff3c332f xmlns="83665817-2bf1-470e-9d34-a1cdf51135fc">
-      <Terms xmlns="http://schemas.microsoft.com/office/infopath/2007/PartnerControls"/>
-    </lcf76f155ced4ddcb4097134ff3c332f>
-  </documentManagement>
-</p:properties>
-</file>
-
 <file path=customXml/item7.xml><?xml version="1.0" encoding="utf-8"?>
-<?mso-contentType ?>
-<FormTemplates xmlns="http://schemas.microsoft.com/sharepoint/v3/contenttype/forms">
-  <Display>DocumentLibraryForm</Display>
-  <Edit>DocumentLibraryForm</Edit>
-  <New>DocumentLibraryForm</New>
-</FormTemplates>
+<Control xmlns="http://schemas.microsoft.com/VisualStudio/2011/storyboarding/control">
+  <Id Name="8ace2fdb-12ac-4077-a484-31b1b60ebf69" Revision="1" Stencil="System.MyShapes" StencilVersion="1.0"/>
+</Control>
 </file>
 
 <file path=customXml/item8.xml><?xml version="1.0" encoding="utf-8"?>
@@ -22140,15 +23394,15 @@
 </file>
 
 <file path=customXml/itemProps1.xml><?xml version="1.0" encoding="utf-8"?>
-<ds:datastoreItem xmlns:ds="http://schemas.openxmlformats.org/officeDocument/2006/customXml" ds:itemID="{1E432C16-7313-413A-AE06-D8B8B05337A0}">
+<ds:datastoreItem xmlns:ds="http://schemas.openxmlformats.org/officeDocument/2006/customXml" ds:itemID="{F166DAC8-4ECC-4130-9B37-BEDCB54573DF}">
   <ds:schemaRefs>
-    <ds:schemaRef ds:uri="http://schemas.microsoft.com/VisualStudio/2011/storyboarding/control"/>
+    <ds:schemaRef ds:uri="http://schemas.microsoft.com/sharepoint/v3/contenttype/forms"/>
   </ds:schemaRefs>
 </ds:datastoreItem>
 </file>
 
 <file path=customXml/itemProps10.xml><?xml version="1.0" encoding="utf-8"?>
-<ds:datastoreItem xmlns:ds="http://schemas.openxmlformats.org/officeDocument/2006/customXml" ds:itemID="{C4D067AF-DC92-4F11-82F5-13007749D8F7}">
+<ds:datastoreItem xmlns:ds="http://schemas.openxmlformats.org/officeDocument/2006/customXml" ds:itemID="{AD4724DF-B3D7-4FCF-AA8F-856D3FC7F828}">
   <ds:schemaRefs>
     <ds:schemaRef ds:uri="http://schemas.microsoft.com/VisualStudio/2011/storyboarding/control"/>
   </ds:schemaRefs>
@@ -22156,7 +23410,7 @@
 </file>
 
 <file path=customXml/itemProps11.xml><?xml version="1.0" encoding="utf-8"?>
-<ds:datastoreItem xmlns:ds="http://schemas.openxmlformats.org/officeDocument/2006/customXml" ds:itemID="{CAEBBB30-5DD1-4E52-82DE-A02E4733D29A}">
+<ds:datastoreItem xmlns:ds="http://schemas.openxmlformats.org/officeDocument/2006/customXml" ds:itemID="{F79BED0A-E20E-4F16-91D3-BB18BCF17AE7}">
   <ds:schemaRefs>
     <ds:schemaRef ds:uri="http://schemas.microsoft.com/VisualStudio/2011/storyboarding/control"/>
   </ds:schemaRefs>
@@ -22172,7 +23426,7 @@
 </file>
 
 <file path=customXml/itemProps3.xml><?xml version="1.0" encoding="utf-8"?>
-<ds:datastoreItem xmlns:ds="http://schemas.openxmlformats.org/officeDocument/2006/customXml" ds:itemID="{F79BED0A-E20E-4F16-91D3-BB18BCF17AE7}">
+<ds:datastoreItem xmlns:ds="http://schemas.openxmlformats.org/officeDocument/2006/customXml" ds:itemID="{1E432C16-7313-413A-AE06-D8B8B05337A0}">
   <ds:schemaRefs>
     <ds:schemaRef ds:uri="http://schemas.microsoft.com/VisualStudio/2011/storyboarding/control"/>
   </ds:schemaRefs>
@@ -22180,14 +23434,25 @@
 </file>
 
 <file path=customXml/itemProps4.xml><?xml version="1.0" encoding="utf-8"?>
-<ds:datastoreItem xmlns:ds="http://schemas.openxmlformats.org/officeDocument/2006/customXml" ds:itemID="{C0AE690A-6DA2-4539-97E4-9CACEDAE07A0}">
+<ds:datastoreItem xmlns:ds="http://schemas.openxmlformats.org/officeDocument/2006/customXml" ds:itemID="{5999E179-E0BD-40A6-9179-FDE9AD04F1CC}">
+  <ds:schemaRefs>
+    <ds:schemaRef ds:uri="http://schemas.microsoft.com/office/2006/metadata/properties"/>
+    <ds:schemaRef ds:uri="http://schemas.microsoft.com/office/infopath/2007/PartnerControls"/>
+    <ds:schemaRef ds:uri="8635a931-6b84-420a-938b-bf6e93596a85"/>
+    <ds:schemaRef ds:uri="83665817-2bf1-470e-9d34-a1cdf51135fc"/>
+  </ds:schemaRefs>
+</ds:datastoreItem>
+</file>
+
+<file path=customXml/itemProps5.xml><?xml version="1.0" encoding="utf-8"?>
+<ds:datastoreItem xmlns:ds="http://schemas.openxmlformats.org/officeDocument/2006/customXml" ds:itemID="{CAEBBB30-5DD1-4E52-82DE-A02E4733D29A}">
   <ds:schemaRefs>
     <ds:schemaRef ds:uri="http://schemas.microsoft.com/VisualStudio/2011/storyboarding/control"/>
   </ds:schemaRefs>
 </ds:datastoreItem>
 </file>
 
-<file path=customXml/itemProps5.xml><?xml version="1.0" encoding="utf-8"?>
+<file path=customXml/itemProps6.xml><?xml version="1.0" encoding="utf-8"?>
 <ds:datastoreItem xmlns:ds="http://schemas.openxmlformats.org/officeDocument/2006/customXml" ds:itemID="{BB604A8B-05E3-451E-8C75-68576FF9640A}">
   <ds:schemaRefs>
     <ds:schemaRef ds:uri="http://schemas.microsoft.com/office/2006/metadata/contentType"/>
@@ -22206,27 +23471,16 @@
 </ds:datastoreItem>
 </file>
 
-<file path=customXml/itemProps6.xml><?xml version="1.0" encoding="utf-8"?>
-<ds:datastoreItem xmlns:ds="http://schemas.openxmlformats.org/officeDocument/2006/customXml" ds:itemID="{5999E179-E0BD-40A6-9179-FDE9AD04F1CC}">
+<file path=customXml/itemProps7.xml><?xml version="1.0" encoding="utf-8"?>
+<ds:datastoreItem xmlns:ds="http://schemas.openxmlformats.org/officeDocument/2006/customXml" ds:itemID="{C4D067AF-DC92-4F11-82F5-13007749D8F7}">
   <ds:schemaRefs>
-    <ds:schemaRef ds:uri="http://schemas.microsoft.com/office/2006/metadata/properties"/>
-    <ds:schemaRef ds:uri="http://schemas.microsoft.com/office/infopath/2007/PartnerControls"/>
-    <ds:schemaRef ds:uri="8635a931-6b84-420a-938b-bf6e93596a85"/>
-    <ds:schemaRef ds:uri="83665817-2bf1-470e-9d34-a1cdf51135fc"/>
-  </ds:schemaRefs>
-</ds:datastoreItem>
-</file>
-
-<file path=customXml/itemProps7.xml><?xml version="1.0" encoding="utf-8"?>
-<ds:datastoreItem xmlns:ds="http://schemas.openxmlformats.org/officeDocument/2006/customXml" ds:itemID="{F166DAC8-4ECC-4130-9B37-BEDCB54573DF}">
-  <ds:schemaRefs>
-    <ds:schemaRef ds:uri="http://schemas.microsoft.com/sharepoint/v3/contenttype/forms"/>
+    <ds:schemaRef ds:uri="http://schemas.microsoft.com/VisualStudio/2011/storyboarding/control"/>
   </ds:schemaRefs>
 </ds:datastoreItem>
 </file>
 
 <file path=customXml/itemProps8.xml><?xml version="1.0" encoding="utf-8"?>
-<ds:datastoreItem xmlns:ds="http://schemas.openxmlformats.org/officeDocument/2006/customXml" ds:itemID="{AD4724DF-B3D7-4FCF-AA8F-856D3FC7F828}">
+<ds:datastoreItem xmlns:ds="http://schemas.openxmlformats.org/officeDocument/2006/customXml" ds:itemID="{C0AE690A-6DA2-4539-97E4-9CACEDAE07A0}">
   <ds:schemaRefs>
     <ds:schemaRef ds:uri="http://schemas.microsoft.com/VisualStudio/2011/storyboarding/control"/>
   </ds:schemaRefs>
